--- a/Documents/W2/Source/W2Samples.pptx
+++ b/Documents/W2/Source/W2Samples.pptx
@@ -17,8 +17,18 @@
     <p:sldId id="267" r:id="rId11"/>
     <p:sldId id="268" r:id="rId12"/>
     <p:sldId id="269" r:id="rId13"/>
-    <p:sldId id="258" r:id="rId14"/>
-    <p:sldId id="257" r:id="rId15"/>
+    <p:sldId id="257" r:id="rId14"/>
+    <p:sldId id="270" r:id="rId15"/>
+    <p:sldId id="272" r:id="rId16"/>
+    <p:sldId id="273" r:id="rId17"/>
+    <p:sldId id="274" r:id="rId18"/>
+    <p:sldId id="275" r:id="rId19"/>
+    <p:sldId id="276" r:id="rId20"/>
+    <p:sldId id="277" r:id="rId21"/>
+    <p:sldId id="278" r:id="rId22"/>
+    <p:sldId id="279" r:id="rId23"/>
+    <p:sldId id="258" r:id="rId24"/>
+    <p:sldId id="271" r:id="rId25"/>
   </p:sldIdLst>
   <p:sldSz cx="12192000" cy="6858000"/>
   <p:notesSz cx="6858000" cy="9144000"/>
@@ -136,13 +146,24 @@
             <p14:sldId id="269"/>
           </p14:sldIdLst>
         </p14:section>
-        <p14:section name="General" id="{FE9F0C65-6750-9147-AE95-48F3118F2CDE}">
-          <p14:sldIdLst/>
+        <p14:section name="Without E-File" id="{62699D03-CAF5-41FE-9ACB-57FF20E788F7}">
+          <p14:sldIdLst>
+            <p14:sldId id="257"/>
+            <p14:sldId id="270"/>
+            <p14:sldId id="272"/>
+            <p14:sldId id="273"/>
+            <p14:sldId id="274"/>
+            <p14:sldId id="275"/>
+            <p14:sldId id="276"/>
+            <p14:sldId id="277"/>
+            <p14:sldId id="278"/>
+            <p14:sldId id="279"/>
+          </p14:sldIdLst>
         </p14:section>
         <p14:section name="Templates" id="{86051D66-5C99-784B-BECA-0BBA069681A3}">
           <p14:sldIdLst>
             <p14:sldId id="258"/>
-            <p14:sldId id="257"/>
+            <p14:sldId id="271"/>
           </p14:sldIdLst>
         </p14:section>
       </p14:sectionLst>
@@ -160,267 +181,6 @@
     <p1510:client id="{438F9281-5295-9543-B879-9E7DA078675B}" v="6" dt="2021-04-26T15:04:55.898"/>
   </p1510:revLst>
 </p1510:revInfo>
-</file>
-
-<file path=ppt/changesInfos/changesInfo1.xml><?xml version="1.0" encoding="utf-8"?>
-<pc:chgInfo xmlns:a="http://schemas.openxmlformats.org/drawingml/2006/main" xmlns:r="http://schemas.openxmlformats.org/officeDocument/2006/relationships" xmlns:ac="http://schemas.microsoft.com/office/drawing/2013/main/command" xmlns:pc="http://schemas.microsoft.com/office/powerpoint/2013/main/command">
-  <pc:docChgLst>
-    <pc:chgData name="Bart Czernicki" userId="c1bfa2ce-1a64-4c23-8df6-40dc67f64f0a" providerId="ADAL" clId="{438F9281-5295-9543-B879-9E7DA078675B}"/>
-    <pc:docChg chg="custSel addSld modSld sldOrd modSection">
-      <pc:chgData name="Bart Czernicki" userId="c1bfa2ce-1a64-4c23-8df6-40dc67f64f0a" providerId="ADAL" clId="{438F9281-5295-9543-B879-9E7DA078675B}" dt="2021-04-26T15:12:02.943" v="287" actId="20578"/>
-      <pc:docMkLst>
-        <pc:docMk/>
-      </pc:docMkLst>
-      <pc:sldChg chg="ord">
-        <pc:chgData name="Bart Czernicki" userId="c1bfa2ce-1a64-4c23-8df6-40dc67f64f0a" providerId="ADAL" clId="{438F9281-5295-9543-B879-9E7DA078675B}" dt="2021-04-26T15:11:59.788" v="286" actId="20578"/>
-        <pc:sldMkLst>
-          <pc:docMk/>
-          <pc:sldMk cId="641040779" sldId="257"/>
-        </pc:sldMkLst>
-      </pc:sldChg>
-      <pc:sldChg chg="ord">
-        <pc:chgData name="Bart Czernicki" userId="c1bfa2ce-1a64-4c23-8df6-40dc67f64f0a" providerId="ADAL" clId="{438F9281-5295-9543-B879-9E7DA078675B}" dt="2021-04-26T15:12:02.943" v="287" actId="20578"/>
-        <pc:sldMkLst>
-          <pc:docMk/>
-          <pc:sldMk cId="829013155" sldId="258"/>
-        </pc:sldMkLst>
-      </pc:sldChg>
-      <pc:sldChg chg="addSp modSp mod">
-        <pc:chgData name="Bart Czernicki" userId="c1bfa2ce-1a64-4c23-8df6-40dc67f64f0a" providerId="ADAL" clId="{438F9281-5295-9543-B879-9E7DA078675B}" dt="2021-04-26T15:05:52.871" v="284" actId="1036"/>
-        <pc:sldMkLst>
-          <pc:docMk/>
-          <pc:sldMk cId="2136885136" sldId="260"/>
-        </pc:sldMkLst>
-        <pc:picChg chg="add mod">
-          <ac:chgData name="Bart Czernicki" userId="c1bfa2ce-1a64-4c23-8df6-40dc67f64f0a" providerId="ADAL" clId="{438F9281-5295-9543-B879-9E7DA078675B}" dt="2021-04-26T15:05:52.871" v="284" actId="1036"/>
-          <ac:picMkLst>
-            <pc:docMk/>
-            <pc:sldMk cId="2136885136" sldId="260"/>
-            <ac:picMk id="3" creationId="{E9DBA1C4-591E-164B-A762-FD43351D2049}"/>
-          </ac:picMkLst>
-        </pc:picChg>
-      </pc:sldChg>
-      <pc:sldChg chg="addSp modSp mod">
-        <pc:chgData name="Bart Czernicki" userId="c1bfa2ce-1a64-4c23-8df6-40dc67f64f0a" providerId="ADAL" clId="{438F9281-5295-9543-B879-9E7DA078675B}" dt="2021-04-26T15:06:00.613" v="285" actId="22"/>
-        <pc:sldMkLst>
-          <pc:docMk/>
-          <pc:sldMk cId="164880770" sldId="263"/>
-        </pc:sldMkLst>
-        <pc:spChg chg="mod">
-          <ac:chgData name="Bart Czernicki" userId="c1bfa2ce-1a64-4c23-8df6-40dc67f64f0a" providerId="ADAL" clId="{438F9281-5295-9543-B879-9E7DA078675B}" dt="2021-04-26T14:26:51.965" v="15" actId="20577"/>
-          <ac:spMkLst>
-            <pc:docMk/>
-            <pc:sldMk cId="164880770" sldId="263"/>
-            <ac:spMk id="7" creationId="{8C027DCB-0C82-A84D-A97E-29385DFA865D}"/>
-          </ac:spMkLst>
-        </pc:spChg>
-        <pc:spChg chg="mod">
-          <ac:chgData name="Bart Czernicki" userId="c1bfa2ce-1a64-4c23-8df6-40dc67f64f0a" providerId="ADAL" clId="{438F9281-5295-9543-B879-9E7DA078675B}" dt="2021-04-26T14:26:58.447" v="17" actId="20577"/>
-          <ac:spMkLst>
-            <pc:docMk/>
-            <pc:sldMk cId="164880770" sldId="263"/>
-            <ac:spMk id="13" creationId="{3FDD5C70-815C-E94B-ABBC-E2A246369245}"/>
-          </ac:spMkLst>
-        </pc:spChg>
-        <pc:picChg chg="add">
-          <ac:chgData name="Bart Czernicki" userId="c1bfa2ce-1a64-4c23-8df6-40dc67f64f0a" providerId="ADAL" clId="{438F9281-5295-9543-B879-9E7DA078675B}" dt="2021-04-26T15:06:00.613" v="285" actId="22"/>
-          <ac:picMkLst>
-            <pc:docMk/>
-            <pc:sldMk cId="164880770" sldId="263"/>
-            <ac:picMk id="3" creationId="{D93D43BF-4DEB-2E40-89E2-798173E8A586}"/>
-          </ac:picMkLst>
-        </pc:picChg>
-      </pc:sldChg>
-      <pc:sldChg chg="modSp mod">
-        <pc:chgData name="Bart Czernicki" userId="c1bfa2ce-1a64-4c23-8df6-40dc67f64f0a" providerId="ADAL" clId="{438F9281-5295-9543-B879-9E7DA078675B}" dt="2021-04-26T15:04:15.718" v="262" actId="20577"/>
-        <pc:sldMkLst>
-          <pc:docMk/>
-          <pc:sldMk cId="4076350660" sldId="265"/>
-        </pc:sldMkLst>
-        <pc:spChg chg="mod">
-          <ac:chgData name="Bart Czernicki" userId="c1bfa2ce-1a64-4c23-8df6-40dc67f64f0a" providerId="ADAL" clId="{438F9281-5295-9543-B879-9E7DA078675B}" dt="2021-04-26T15:04:15.718" v="262" actId="20577"/>
-          <ac:spMkLst>
-            <pc:docMk/>
-            <pc:sldMk cId="4076350660" sldId="265"/>
-            <ac:spMk id="5" creationId="{2F8DAF22-74B6-BC40-B3E6-B6FF79150B02}"/>
-          </ac:spMkLst>
-        </pc:spChg>
-      </pc:sldChg>
-      <pc:sldChg chg="addSp modSp mod">
-        <pc:chgData name="Bart Czernicki" userId="c1bfa2ce-1a64-4c23-8df6-40dc67f64f0a" providerId="ADAL" clId="{438F9281-5295-9543-B879-9E7DA078675B}" dt="2021-04-26T15:05:34.279" v="281" actId="1036"/>
-        <pc:sldMkLst>
-          <pc:docMk/>
-          <pc:sldMk cId="4021958591" sldId="266"/>
-        </pc:sldMkLst>
-        <pc:picChg chg="add mod">
-          <ac:chgData name="Bart Czernicki" userId="c1bfa2ce-1a64-4c23-8df6-40dc67f64f0a" providerId="ADAL" clId="{438F9281-5295-9543-B879-9E7DA078675B}" dt="2021-04-26T15:05:34.279" v="281" actId="1036"/>
-          <ac:picMkLst>
-            <pc:docMk/>
-            <pc:sldMk cId="4021958591" sldId="266"/>
-            <ac:picMk id="8" creationId="{84771B76-28F3-C04A-9C16-9745594413B2}"/>
-          </ac:picMkLst>
-        </pc:picChg>
-      </pc:sldChg>
-      <pc:sldChg chg="modSp mod">
-        <pc:chgData name="Bart Czernicki" userId="c1bfa2ce-1a64-4c23-8df6-40dc67f64f0a" providerId="ADAL" clId="{438F9281-5295-9543-B879-9E7DA078675B}" dt="2021-04-26T14:59:59.542" v="18" actId="688"/>
-        <pc:sldMkLst>
-          <pc:docMk/>
-          <pc:sldMk cId="4073816447" sldId="267"/>
-        </pc:sldMkLst>
-        <pc:spChg chg="mod">
-          <ac:chgData name="Bart Czernicki" userId="c1bfa2ce-1a64-4c23-8df6-40dc67f64f0a" providerId="ADAL" clId="{438F9281-5295-9543-B879-9E7DA078675B}" dt="2021-04-26T14:26:14.824" v="7" actId="20577"/>
-          <ac:spMkLst>
-            <pc:docMk/>
-            <pc:sldMk cId="4073816447" sldId="267"/>
-            <ac:spMk id="3" creationId="{F17FD5A4-5634-A449-B242-5E64D26278CF}"/>
-          </ac:spMkLst>
-        </pc:spChg>
-        <pc:spChg chg="mod">
-          <ac:chgData name="Bart Czernicki" userId="c1bfa2ce-1a64-4c23-8df6-40dc67f64f0a" providerId="ADAL" clId="{438F9281-5295-9543-B879-9E7DA078675B}" dt="2021-04-26T14:59:59.542" v="18" actId="688"/>
-          <ac:spMkLst>
-            <pc:docMk/>
-            <pc:sldMk cId="4073816447" sldId="267"/>
-            <ac:spMk id="19" creationId="{BB8EEC85-7CFD-CE4D-B435-02771EDF1C45}"/>
-          </ac:spMkLst>
-        </pc:spChg>
-      </pc:sldChg>
-      <pc:sldChg chg="modSp add mod ord">
-        <pc:chgData name="Bart Czernicki" userId="c1bfa2ce-1a64-4c23-8df6-40dc67f64f0a" providerId="ADAL" clId="{438F9281-5295-9543-B879-9E7DA078675B}" dt="2021-04-26T15:02:37.159" v="164" actId="20577"/>
-        <pc:sldMkLst>
-          <pc:docMk/>
-          <pc:sldMk cId="2184636785" sldId="268"/>
-        </pc:sldMkLst>
-        <pc:spChg chg="mod">
-          <ac:chgData name="Bart Czernicki" userId="c1bfa2ce-1a64-4c23-8df6-40dc67f64f0a" providerId="ADAL" clId="{438F9281-5295-9543-B879-9E7DA078675B}" dt="2021-04-26T15:02:09.967" v="143" actId="20577"/>
-          <ac:spMkLst>
-            <pc:docMk/>
-            <pc:sldMk cId="2184636785" sldId="268"/>
-            <ac:spMk id="9" creationId="{919E8027-85DF-8A4B-99A0-47CA731E7762}"/>
-          </ac:spMkLst>
-        </pc:spChg>
-        <pc:spChg chg="mod">
-          <ac:chgData name="Bart Czernicki" userId="c1bfa2ce-1a64-4c23-8df6-40dc67f64f0a" providerId="ADAL" clId="{438F9281-5295-9543-B879-9E7DA078675B}" dt="2021-04-26T15:02:05.032" v="139" actId="20577"/>
-          <ac:spMkLst>
-            <pc:docMk/>
-            <pc:sldMk cId="2184636785" sldId="268"/>
-            <ac:spMk id="11" creationId="{412C1251-D79A-6A4A-A231-3E43EECF789F}"/>
-          </ac:spMkLst>
-        </pc:spChg>
-        <pc:spChg chg="mod">
-          <ac:chgData name="Bart Czernicki" userId="c1bfa2ce-1a64-4c23-8df6-40dc67f64f0a" providerId="ADAL" clId="{438F9281-5295-9543-B879-9E7DA078675B}" dt="2021-04-26T15:02:27.457" v="156" actId="20577"/>
-          <ac:spMkLst>
-            <pc:docMk/>
-            <pc:sldMk cId="2184636785" sldId="268"/>
-            <ac:spMk id="13" creationId="{3FDD5C70-815C-E94B-ABBC-E2A246369245}"/>
-          </ac:spMkLst>
-        </pc:spChg>
-        <pc:spChg chg="mod">
-          <ac:chgData name="Bart Czernicki" userId="c1bfa2ce-1a64-4c23-8df6-40dc67f64f0a" providerId="ADAL" clId="{438F9281-5295-9543-B879-9E7DA078675B}" dt="2021-04-26T15:02:22.064" v="152" actId="20577"/>
-          <ac:spMkLst>
-            <pc:docMk/>
-            <pc:sldMk cId="2184636785" sldId="268"/>
-            <ac:spMk id="15" creationId="{0C72CB02-F710-9941-88B3-C7D77F0D2050}"/>
-          </ac:spMkLst>
-        </pc:spChg>
-        <pc:spChg chg="mod">
-          <ac:chgData name="Bart Czernicki" userId="c1bfa2ce-1a64-4c23-8df6-40dc67f64f0a" providerId="ADAL" clId="{438F9281-5295-9543-B879-9E7DA078675B}" dt="2021-04-26T15:02:15.879" v="148" actId="20577"/>
-          <ac:spMkLst>
-            <pc:docMk/>
-            <pc:sldMk cId="2184636785" sldId="268"/>
-            <ac:spMk id="17" creationId="{98A7959D-7B3D-6F43-8957-8BA0D240DEAC}"/>
-          </ac:spMkLst>
-        </pc:spChg>
-        <pc:spChg chg="mod">
-          <ac:chgData name="Bart Czernicki" userId="c1bfa2ce-1a64-4c23-8df6-40dc67f64f0a" providerId="ADAL" clId="{438F9281-5295-9543-B879-9E7DA078675B}" dt="2021-04-26T15:01:01.650" v="84" actId="313"/>
-          <ac:spMkLst>
-            <pc:docMk/>
-            <pc:sldMk cId="2184636785" sldId="268"/>
-            <ac:spMk id="19" creationId="{BB8EEC85-7CFD-CE4D-B435-02771EDF1C45}"/>
-          </ac:spMkLst>
-        </pc:spChg>
-        <pc:spChg chg="mod">
-          <ac:chgData name="Bart Czernicki" userId="c1bfa2ce-1a64-4c23-8df6-40dc67f64f0a" providerId="ADAL" clId="{438F9281-5295-9543-B879-9E7DA078675B}" dt="2021-04-26T15:02:37.159" v="164" actId="20577"/>
-          <ac:spMkLst>
-            <pc:docMk/>
-            <pc:sldMk cId="2184636785" sldId="268"/>
-            <ac:spMk id="21" creationId="{22B46F96-4412-C941-A445-015328CA2EE4}"/>
-          </ac:spMkLst>
-        </pc:spChg>
-        <pc:spChg chg="mod">
-          <ac:chgData name="Bart Czernicki" userId="c1bfa2ce-1a64-4c23-8df6-40dc67f64f0a" providerId="ADAL" clId="{438F9281-5295-9543-B879-9E7DA078675B}" dt="2021-04-26T15:02:14.192" v="147" actId="20577"/>
-          <ac:spMkLst>
-            <pc:docMk/>
-            <pc:sldMk cId="2184636785" sldId="268"/>
-            <ac:spMk id="23" creationId="{86694169-C65B-EA47-909F-9E0B475B1101}"/>
-          </ac:spMkLst>
-        </pc:spChg>
-      </pc:sldChg>
-      <pc:sldChg chg="addSp modSp add mod">
-        <pc:chgData name="Bart Czernicki" userId="c1bfa2ce-1a64-4c23-8df6-40dc67f64f0a" providerId="ADAL" clId="{438F9281-5295-9543-B879-9E7DA078675B}" dt="2021-04-26T15:05:20.362" v="269" actId="1035"/>
-        <pc:sldMkLst>
-          <pc:docMk/>
-          <pc:sldMk cId="2935443610" sldId="269"/>
-        </pc:sldMkLst>
-        <pc:spChg chg="mod">
-          <ac:chgData name="Bart Czernicki" userId="c1bfa2ce-1a64-4c23-8df6-40dc67f64f0a" providerId="ADAL" clId="{438F9281-5295-9543-B879-9E7DA078675B}" dt="2021-04-26T15:03:52.127" v="248" actId="20577"/>
-          <ac:spMkLst>
-            <pc:docMk/>
-            <pc:sldMk cId="2935443610" sldId="269"/>
-            <ac:spMk id="5" creationId="{2F8DAF22-74B6-BC40-B3E6-B6FF79150B02}"/>
-          </ac:spMkLst>
-        </pc:spChg>
-        <pc:spChg chg="mod">
-          <ac:chgData name="Bart Czernicki" userId="c1bfa2ce-1a64-4c23-8df6-40dc67f64f0a" providerId="ADAL" clId="{438F9281-5295-9543-B879-9E7DA078675B}" dt="2021-04-26T15:03:45.358" v="242" actId="20577"/>
-          <ac:spMkLst>
-            <pc:docMk/>
-            <pc:sldMk cId="2935443610" sldId="269"/>
-            <ac:spMk id="7" creationId="{8C027DCB-0C82-A84D-A97E-29385DFA865D}"/>
-          </ac:spMkLst>
-        </pc:spChg>
-        <pc:spChg chg="mod">
-          <ac:chgData name="Bart Czernicki" userId="c1bfa2ce-1a64-4c23-8df6-40dc67f64f0a" providerId="ADAL" clId="{438F9281-5295-9543-B879-9E7DA078675B}" dt="2021-04-26T15:03:43.470" v="240" actId="20577"/>
-          <ac:spMkLst>
-            <pc:docMk/>
-            <pc:sldMk cId="2935443610" sldId="269"/>
-            <ac:spMk id="9" creationId="{919E8027-85DF-8A4B-99A0-47CA731E7762}"/>
-          </ac:spMkLst>
-        </pc:spChg>
-        <pc:spChg chg="mod">
-          <ac:chgData name="Bart Czernicki" userId="c1bfa2ce-1a64-4c23-8df6-40dc67f64f0a" providerId="ADAL" clId="{438F9281-5295-9543-B879-9E7DA078675B}" dt="2021-04-26T15:03:41.950" v="238" actId="20577"/>
-          <ac:spMkLst>
-            <pc:docMk/>
-            <pc:sldMk cId="2935443610" sldId="269"/>
-            <ac:spMk id="11" creationId="{412C1251-D79A-6A4A-A231-3E43EECF789F}"/>
-          </ac:spMkLst>
-        </pc:spChg>
-        <pc:spChg chg="mod">
-          <ac:chgData name="Bart Czernicki" userId="c1bfa2ce-1a64-4c23-8df6-40dc67f64f0a" providerId="ADAL" clId="{438F9281-5295-9543-B879-9E7DA078675B}" dt="2021-04-26T15:03:07.087" v="181" actId="255"/>
-          <ac:spMkLst>
-            <pc:docMk/>
-            <pc:sldMk cId="2935443610" sldId="269"/>
-            <ac:spMk id="19" creationId="{BB8EEC85-7CFD-CE4D-B435-02771EDF1C45}"/>
-          </ac:spMkLst>
-        </pc:spChg>
-        <pc:spChg chg="mod">
-          <ac:chgData name="Bart Czernicki" userId="c1bfa2ce-1a64-4c23-8df6-40dc67f64f0a" providerId="ADAL" clId="{438F9281-5295-9543-B879-9E7DA078675B}" dt="2021-04-26T15:03:38.278" v="236" actId="20577"/>
-          <ac:spMkLst>
-            <pc:docMk/>
-            <pc:sldMk cId="2935443610" sldId="269"/>
-            <ac:spMk id="21" creationId="{22B46F96-4412-C941-A445-015328CA2EE4}"/>
-          </ac:spMkLst>
-        </pc:spChg>
-        <pc:picChg chg="add mod">
-          <ac:chgData name="Bart Czernicki" userId="c1bfa2ce-1a64-4c23-8df6-40dc67f64f0a" providerId="ADAL" clId="{438F9281-5295-9543-B879-9E7DA078675B}" dt="2021-04-26T15:05:20.362" v="269" actId="1035"/>
-          <ac:picMkLst>
-            <pc:docMk/>
-            <pc:sldMk cId="2935443610" sldId="269"/>
-            <ac:picMk id="8" creationId="{9E440F9A-53E6-5048-BEB3-A9A0EA821A4B}"/>
-          </ac:picMkLst>
-        </pc:picChg>
-      </pc:sldChg>
-    </pc:docChg>
-  </pc:docChgLst>
-</pc:chgInfo>
 </file>
 
 <file path=ppt/slideLayouts/slideLayout1.xml><?xml version="1.0" encoding="utf-8"?>
@@ -570,7 +330,7 @@
           <a:p>
             <a:fld id="{10BC0BCF-DED0-534B-BB06-BB50E7064B72}" type="datetimeFigureOut">
               <a:rPr lang="en-US" smtClean="0"/>
-              <a:t>4/26/21</a:t>
+              <a:t>5/3/21</a:t>
             </a:fld>
             <a:endParaRPr lang="en-US"/>
           </a:p>
@@ -768,7 +528,7 @@
           <a:p>
             <a:fld id="{10BC0BCF-DED0-534B-BB06-BB50E7064B72}" type="datetimeFigureOut">
               <a:rPr lang="en-US" smtClean="0"/>
-              <a:t>4/26/21</a:t>
+              <a:t>5/3/21</a:t>
             </a:fld>
             <a:endParaRPr lang="en-US"/>
           </a:p>
@@ -976,7 +736,7 @@
           <a:p>
             <a:fld id="{10BC0BCF-DED0-534B-BB06-BB50E7064B72}" type="datetimeFigureOut">
               <a:rPr lang="en-US" smtClean="0"/>
-              <a:t>4/26/21</a:t>
+              <a:t>5/3/21</a:t>
             </a:fld>
             <a:endParaRPr lang="en-US"/>
           </a:p>
@@ -1174,7 +934,7 @@
           <a:p>
             <a:fld id="{10BC0BCF-DED0-534B-BB06-BB50E7064B72}" type="datetimeFigureOut">
               <a:rPr lang="en-US" smtClean="0"/>
-              <a:t>4/26/21</a:t>
+              <a:t>5/3/21</a:t>
             </a:fld>
             <a:endParaRPr lang="en-US"/>
           </a:p>
@@ -1449,7 +1209,7 @@
           <a:p>
             <a:fld id="{10BC0BCF-DED0-534B-BB06-BB50E7064B72}" type="datetimeFigureOut">
               <a:rPr lang="en-US" smtClean="0"/>
-              <a:t>4/26/21</a:t>
+              <a:t>5/3/21</a:t>
             </a:fld>
             <a:endParaRPr lang="en-US"/>
           </a:p>
@@ -1714,7 +1474,7 @@
           <a:p>
             <a:fld id="{10BC0BCF-DED0-534B-BB06-BB50E7064B72}" type="datetimeFigureOut">
               <a:rPr lang="en-US" smtClean="0"/>
-              <a:t>4/26/21</a:t>
+              <a:t>5/3/21</a:t>
             </a:fld>
             <a:endParaRPr lang="en-US"/>
           </a:p>
@@ -2126,7 +1886,7 @@
           <a:p>
             <a:fld id="{10BC0BCF-DED0-534B-BB06-BB50E7064B72}" type="datetimeFigureOut">
               <a:rPr lang="en-US" smtClean="0"/>
-              <a:t>4/26/21</a:t>
+              <a:t>5/3/21</a:t>
             </a:fld>
             <a:endParaRPr lang="en-US"/>
           </a:p>
@@ -2267,7 +2027,7 @@
           <a:p>
             <a:fld id="{10BC0BCF-DED0-534B-BB06-BB50E7064B72}" type="datetimeFigureOut">
               <a:rPr lang="en-US" smtClean="0"/>
-              <a:t>4/26/21</a:t>
+              <a:t>5/3/21</a:t>
             </a:fld>
             <a:endParaRPr lang="en-US"/>
           </a:p>
@@ -2380,7 +2140,7 @@
           <a:p>
             <a:fld id="{10BC0BCF-DED0-534B-BB06-BB50E7064B72}" type="datetimeFigureOut">
               <a:rPr lang="en-US" smtClean="0"/>
-              <a:t>4/26/21</a:t>
+              <a:t>5/3/21</a:t>
             </a:fld>
             <a:endParaRPr lang="en-US"/>
           </a:p>
@@ -2691,7 +2451,7 @@
           <a:p>
             <a:fld id="{10BC0BCF-DED0-534B-BB06-BB50E7064B72}" type="datetimeFigureOut">
               <a:rPr lang="en-US" smtClean="0"/>
-              <a:t>4/26/21</a:t>
+              <a:t>5/3/21</a:t>
             </a:fld>
             <a:endParaRPr lang="en-US"/>
           </a:p>
@@ -2979,7 +2739,7 @@
           <a:p>
             <a:fld id="{10BC0BCF-DED0-534B-BB06-BB50E7064B72}" type="datetimeFigureOut">
               <a:rPr lang="en-US" smtClean="0"/>
-              <a:t>4/26/21</a:t>
+              <a:t>5/3/21</a:t>
             </a:fld>
             <a:endParaRPr lang="en-US"/>
           </a:p>
@@ -3220,7 +2980,7 @@
           <a:p>
             <a:fld id="{10BC0BCF-DED0-534B-BB06-BB50E7064B72}" type="datetimeFigureOut">
               <a:rPr lang="en-US" smtClean="0"/>
-              <a:t>4/26/21</a:t>
+              <a:t>5/3/21</a:t>
             </a:fld>
             <a:endParaRPr lang="en-US"/>
           </a:p>
@@ -6316,10 +6076,10 @@
       </p:grpSpPr>
       <p:pic>
         <p:nvPicPr>
-          <p:cNvPr id="2052" name="Picture 4">
-            <a:extLst>
-              <a:ext uri="{FF2B5EF4-FFF2-40B4-BE49-F238E27FC236}">
-                <a16:creationId xmlns:a16="http://schemas.microsoft.com/office/drawing/2014/main" id="{A76D301B-B543-6B41-B871-11B0F5BE9C20}"/>
+          <p:cNvPr id="1026" name="Picture 2">
+            <a:extLst>
+              <a:ext uri="{FF2B5EF4-FFF2-40B4-BE49-F238E27FC236}">
+                <a16:creationId xmlns:a16="http://schemas.microsoft.com/office/drawing/2014/main" id="{3A3689D3-9A82-1841-90F2-83E3051B7A47}"/>
               </a:ext>
             </a:extLst>
           </p:cNvPr>
@@ -6343,8 +6103,8 @@
         </p:blipFill>
         <p:spPr bwMode="auto">
           <a:xfrm>
-            <a:off x="837363" y="0"/>
-            <a:ext cx="10696575" cy="6858000"/>
+            <a:off x="1057440" y="0"/>
+            <a:ext cx="10279063" cy="6858000"/>
           </a:xfrm>
           <a:prstGeom prst="rect">
             <a:avLst/>
@@ -6361,10 +6121,621 @@
           </a:extLst>
         </p:spPr>
       </p:pic>
+      <p:sp>
+        <p:nvSpPr>
+          <p:cNvPr id="2" name="TextBox 1">
+            <a:extLst>
+              <a:ext uri="{FF2B5EF4-FFF2-40B4-BE49-F238E27FC236}">
+                <a16:creationId xmlns:a16="http://schemas.microsoft.com/office/drawing/2014/main" id="{E060FC27-FDF4-4856-8493-B570232CCB07}"/>
+              </a:ext>
+            </a:extLst>
+          </p:cNvPr>
+          <p:cNvSpPr txBox="1"/>
+          <p:nvPr/>
+        </p:nvSpPr>
+        <p:spPr>
+          <a:xfrm>
+            <a:off x="2985362" y="649019"/>
+            <a:ext cx="2402540" cy="369332"/>
+          </a:xfrm>
+          <a:prstGeom prst="rect">
+            <a:avLst/>
+          </a:prstGeom>
+          <a:noFill/>
+        </p:spPr>
+        <p:txBody>
+          <a:bodyPr wrap="square" rtlCol="0">
+            <a:spAutoFit/>
+          </a:bodyPr>
+          <a:lstStyle/>
+          <a:p>
+            <a:pPr algn="ctr"/>
+            <a:r>
+              <a:rPr lang="en-US" dirty="0">
+                <a:solidFill>
+                  <a:schemeClr val="bg2">
+                    <a:lumMod val="50000"/>
+                  </a:schemeClr>
+                </a:solidFill>
+              </a:rPr>
+              <a:t>293-43-8227</a:t>
+            </a:r>
+          </a:p>
+        </p:txBody>
+      </p:sp>
+      <p:sp>
+        <p:nvSpPr>
+          <p:cNvPr id="4" name="TextBox 3">
+            <a:extLst>
+              <a:ext uri="{FF2B5EF4-FFF2-40B4-BE49-F238E27FC236}">
+                <a16:creationId xmlns:a16="http://schemas.microsoft.com/office/drawing/2014/main" id="{38B82868-4149-4847-BDB5-61969C47AEF3}"/>
+              </a:ext>
+            </a:extLst>
+          </p:cNvPr>
+          <p:cNvSpPr txBox="1"/>
+          <p:nvPr/>
+        </p:nvSpPr>
+        <p:spPr>
+          <a:xfrm>
+            <a:off x="4497900" y="998543"/>
+            <a:ext cx="2064946" cy="369332"/>
+          </a:xfrm>
+          <a:prstGeom prst="rect">
+            <a:avLst/>
+          </a:prstGeom>
+          <a:noFill/>
+        </p:spPr>
+        <p:txBody>
+          <a:bodyPr wrap="square" rtlCol="0">
+            <a:spAutoFit/>
+          </a:bodyPr>
+          <a:lstStyle/>
+          <a:p>
+            <a:pPr algn="ctr"/>
+            <a:r>
+              <a:rPr lang="en-US" dirty="0">
+                <a:solidFill>
+                  <a:schemeClr val="bg2">
+                    <a:lumMod val="50000"/>
+                  </a:schemeClr>
+                </a:solidFill>
+              </a:rPr>
+              <a:t>1010-323-62537</a:t>
+            </a:r>
+          </a:p>
+        </p:txBody>
+      </p:sp>
+      <p:sp>
+        <p:nvSpPr>
+          <p:cNvPr id="8" name="TextBox 7">
+            <a:extLst>
+              <a:ext uri="{FF2B5EF4-FFF2-40B4-BE49-F238E27FC236}">
+                <a16:creationId xmlns:a16="http://schemas.microsoft.com/office/drawing/2014/main" id="{8580D1B7-E1A1-4914-823C-258501D6BFCB}"/>
+              </a:ext>
+            </a:extLst>
+          </p:cNvPr>
+          <p:cNvSpPr txBox="1"/>
+          <p:nvPr/>
+        </p:nvSpPr>
+        <p:spPr>
+          <a:xfrm>
+            <a:off x="6730350" y="1029321"/>
+            <a:ext cx="1846492" cy="369332"/>
+          </a:xfrm>
+          <a:prstGeom prst="rect">
+            <a:avLst/>
+          </a:prstGeom>
+          <a:noFill/>
+        </p:spPr>
+        <p:txBody>
+          <a:bodyPr wrap="square" rtlCol="0">
+            <a:spAutoFit/>
+          </a:bodyPr>
+          <a:lstStyle/>
+          <a:p>
+            <a:pPr algn="ctr"/>
+            <a:r>
+              <a:rPr lang="en-US" dirty="0">
+                <a:solidFill>
+                  <a:schemeClr val="bg2">
+                    <a:lumMod val="50000"/>
+                  </a:schemeClr>
+                </a:solidFill>
+              </a:rPr>
+              <a:t>80,000.00</a:t>
+            </a:r>
+          </a:p>
+        </p:txBody>
+      </p:sp>
+      <p:sp>
+        <p:nvSpPr>
+          <p:cNvPr id="10" name="TextBox 9">
+            <a:extLst>
+              <a:ext uri="{FF2B5EF4-FFF2-40B4-BE49-F238E27FC236}">
+                <a16:creationId xmlns:a16="http://schemas.microsoft.com/office/drawing/2014/main" id="{D1C842F9-803B-4B29-9423-ADE007BA6B97}"/>
+              </a:ext>
+            </a:extLst>
+          </p:cNvPr>
+          <p:cNvSpPr txBox="1"/>
+          <p:nvPr/>
+        </p:nvSpPr>
+        <p:spPr>
+          <a:xfrm>
+            <a:off x="8576843" y="1029321"/>
+            <a:ext cx="1956120" cy="369332"/>
+          </a:xfrm>
+          <a:prstGeom prst="rect">
+            <a:avLst/>
+          </a:prstGeom>
+          <a:noFill/>
+        </p:spPr>
+        <p:txBody>
+          <a:bodyPr wrap="square" rtlCol="0">
+            <a:spAutoFit/>
+          </a:bodyPr>
+          <a:lstStyle/>
+          <a:p>
+            <a:pPr algn="ctr"/>
+            <a:r>
+              <a:rPr lang="en-US" dirty="0">
+                <a:solidFill>
+                  <a:schemeClr val="bg2">
+                    <a:lumMod val="50000"/>
+                  </a:schemeClr>
+                </a:solidFill>
+              </a:rPr>
+              <a:t>14,000.00</a:t>
+            </a:r>
+          </a:p>
+        </p:txBody>
+      </p:sp>
+      <p:sp>
+        <p:nvSpPr>
+          <p:cNvPr id="14" name="TextBox 13">
+            <a:extLst>
+              <a:ext uri="{FF2B5EF4-FFF2-40B4-BE49-F238E27FC236}">
+                <a16:creationId xmlns:a16="http://schemas.microsoft.com/office/drawing/2014/main" id="{1FCF496D-EB01-47FB-99AE-4BB6D352A1ED}"/>
+              </a:ext>
+            </a:extLst>
+          </p:cNvPr>
+          <p:cNvSpPr txBox="1"/>
+          <p:nvPr/>
+        </p:nvSpPr>
+        <p:spPr>
+          <a:xfrm>
+            <a:off x="1500850" y="1667370"/>
+            <a:ext cx="4595150" cy="923330"/>
+          </a:xfrm>
+          <a:prstGeom prst="rect">
+            <a:avLst/>
+          </a:prstGeom>
+          <a:noFill/>
+        </p:spPr>
+        <p:txBody>
+          <a:bodyPr wrap="square">
+            <a:spAutoFit/>
+          </a:bodyPr>
+          <a:lstStyle/>
+          <a:p>
+            <a:pPr algn="ctr"/>
+            <a:r>
+              <a:rPr lang="en-US" dirty="0">
+                <a:solidFill>
+                  <a:schemeClr val="bg2">
+                    <a:lumMod val="50000"/>
+                  </a:schemeClr>
+                </a:solidFill>
+              </a:rPr>
+              <a:t>Johnson’s Bakery</a:t>
+            </a:r>
+          </a:p>
+          <a:p>
+            <a:pPr algn="ctr"/>
+            <a:r>
+              <a:rPr lang="en-US" dirty="0">
+                <a:solidFill>
+                  <a:schemeClr val="bg2">
+                    <a:lumMod val="50000"/>
+                  </a:schemeClr>
+                </a:solidFill>
+              </a:rPr>
+              <a:t>728 </a:t>
+            </a:r>
+            <a:r>
+              <a:rPr lang="en-US" dirty="0" err="1">
+                <a:solidFill>
+                  <a:schemeClr val="bg2">
+                    <a:lumMod val="50000"/>
+                  </a:schemeClr>
+                </a:solidFill>
+              </a:rPr>
+              <a:t>Palentine</a:t>
+            </a:r>
+            <a:r>
+              <a:rPr lang="en-US" dirty="0">
+                <a:solidFill>
+                  <a:schemeClr val="bg2">
+                    <a:lumMod val="50000"/>
+                  </a:schemeClr>
+                </a:solidFill>
+              </a:rPr>
+              <a:t> Street</a:t>
+            </a:r>
+          </a:p>
+          <a:p>
+            <a:pPr algn="ctr"/>
+            <a:r>
+              <a:rPr lang="en-US" dirty="0">
+                <a:solidFill>
+                  <a:schemeClr val="bg2">
+                    <a:lumMod val="50000"/>
+                  </a:schemeClr>
+                </a:solidFill>
+              </a:rPr>
+              <a:t>Any Town, NJ 91325 </a:t>
+            </a:r>
+          </a:p>
+        </p:txBody>
+      </p:sp>
+      <p:sp>
+        <p:nvSpPr>
+          <p:cNvPr id="13" name="TextBox 12">
+            <a:extLst>
+              <a:ext uri="{FF2B5EF4-FFF2-40B4-BE49-F238E27FC236}">
+                <a16:creationId xmlns:a16="http://schemas.microsoft.com/office/drawing/2014/main" id="{8368F338-9174-46F6-9C71-63B3B90DC40D}"/>
+              </a:ext>
+            </a:extLst>
+          </p:cNvPr>
+          <p:cNvSpPr txBox="1"/>
+          <p:nvPr/>
+        </p:nvSpPr>
+        <p:spPr>
+          <a:xfrm>
+            <a:off x="6730350" y="1482704"/>
+            <a:ext cx="1846492" cy="369332"/>
+          </a:xfrm>
+          <a:prstGeom prst="rect">
+            <a:avLst/>
+          </a:prstGeom>
+          <a:noFill/>
+        </p:spPr>
+        <p:txBody>
+          <a:bodyPr wrap="square" rtlCol="0">
+            <a:spAutoFit/>
+          </a:bodyPr>
+          <a:lstStyle/>
+          <a:p>
+            <a:pPr algn="ctr"/>
+            <a:r>
+              <a:rPr lang="en-US" dirty="0">
+                <a:solidFill>
+                  <a:schemeClr val="bg2">
+                    <a:lumMod val="50000"/>
+                  </a:schemeClr>
+                </a:solidFill>
+              </a:rPr>
+              <a:t>80,000.00</a:t>
+            </a:r>
+          </a:p>
+        </p:txBody>
+      </p:sp>
+      <p:sp>
+        <p:nvSpPr>
+          <p:cNvPr id="16" name="TextBox 15">
+            <a:extLst>
+              <a:ext uri="{FF2B5EF4-FFF2-40B4-BE49-F238E27FC236}">
+                <a16:creationId xmlns:a16="http://schemas.microsoft.com/office/drawing/2014/main" id="{C6A57C81-7AB2-4B83-BA7C-353742322ADA}"/>
+              </a:ext>
+            </a:extLst>
+          </p:cNvPr>
+          <p:cNvSpPr txBox="1"/>
+          <p:nvPr/>
+        </p:nvSpPr>
+        <p:spPr>
+          <a:xfrm>
+            <a:off x="6730350" y="1853139"/>
+            <a:ext cx="1846492" cy="369332"/>
+          </a:xfrm>
+          <a:prstGeom prst="rect">
+            <a:avLst/>
+          </a:prstGeom>
+          <a:noFill/>
+        </p:spPr>
+        <p:txBody>
+          <a:bodyPr wrap="square" rtlCol="0">
+            <a:spAutoFit/>
+          </a:bodyPr>
+          <a:lstStyle/>
+          <a:p>
+            <a:pPr algn="ctr"/>
+            <a:r>
+              <a:rPr lang="en-US" dirty="0">
+                <a:solidFill>
+                  <a:schemeClr val="bg2">
+                    <a:lumMod val="50000"/>
+                  </a:schemeClr>
+                </a:solidFill>
+              </a:rPr>
+              <a:t>80,000.00</a:t>
+            </a:r>
+          </a:p>
+        </p:txBody>
+      </p:sp>
+      <p:sp>
+        <p:nvSpPr>
+          <p:cNvPr id="18" name="TextBox 17">
+            <a:extLst>
+              <a:ext uri="{FF2B5EF4-FFF2-40B4-BE49-F238E27FC236}">
+                <a16:creationId xmlns:a16="http://schemas.microsoft.com/office/drawing/2014/main" id="{AD72D420-367A-4AF9-8665-B43ABF5ECCB4}"/>
+              </a:ext>
+            </a:extLst>
+          </p:cNvPr>
+          <p:cNvSpPr txBox="1"/>
+          <p:nvPr/>
+        </p:nvSpPr>
+        <p:spPr>
+          <a:xfrm>
+            <a:off x="6663533" y="2283597"/>
+            <a:ext cx="1846492" cy="369332"/>
+          </a:xfrm>
+          <a:prstGeom prst="rect">
+            <a:avLst/>
+          </a:prstGeom>
+          <a:noFill/>
+        </p:spPr>
+        <p:txBody>
+          <a:bodyPr wrap="square" rtlCol="0">
+            <a:spAutoFit/>
+          </a:bodyPr>
+          <a:lstStyle/>
+          <a:p>
+            <a:pPr algn="ctr"/>
+            <a:r>
+              <a:rPr lang="en-US" dirty="0">
+                <a:solidFill>
+                  <a:schemeClr val="bg2">
+                    <a:lumMod val="50000"/>
+                  </a:schemeClr>
+                </a:solidFill>
+              </a:rPr>
+              <a:t>1,000.00</a:t>
+            </a:r>
+          </a:p>
+        </p:txBody>
+      </p:sp>
+      <p:sp>
+        <p:nvSpPr>
+          <p:cNvPr id="20" name="TextBox 19">
+            <a:extLst>
+              <a:ext uri="{FF2B5EF4-FFF2-40B4-BE49-F238E27FC236}">
+                <a16:creationId xmlns:a16="http://schemas.microsoft.com/office/drawing/2014/main" id="{0AA6791F-62D1-42BC-88CD-CCE02728A4E3}"/>
+              </a:ext>
+            </a:extLst>
+          </p:cNvPr>
+          <p:cNvSpPr txBox="1"/>
+          <p:nvPr/>
+        </p:nvSpPr>
+        <p:spPr>
+          <a:xfrm>
+            <a:off x="2361210" y="3429000"/>
+            <a:ext cx="2874429" cy="923330"/>
+          </a:xfrm>
+          <a:prstGeom prst="rect">
+            <a:avLst/>
+          </a:prstGeom>
+          <a:noFill/>
+        </p:spPr>
+        <p:txBody>
+          <a:bodyPr wrap="square" rtlCol="0">
+            <a:spAutoFit/>
+          </a:bodyPr>
+          <a:lstStyle/>
+          <a:p>
+            <a:pPr algn="ctr"/>
+            <a:r>
+              <a:rPr lang="en-US" dirty="0">
+                <a:solidFill>
+                  <a:schemeClr val="bg2">
+                    <a:lumMod val="50000"/>
+                  </a:schemeClr>
+                </a:solidFill>
+              </a:rPr>
+              <a:t>Sarah K. Cortez</a:t>
+            </a:r>
+          </a:p>
+          <a:p>
+            <a:pPr algn="ctr"/>
+            <a:r>
+              <a:rPr lang="en-US" dirty="0">
+                <a:solidFill>
+                  <a:schemeClr val="bg2">
+                    <a:lumMod val="50000"/>
+                  </a:schemeClr>
+                </a:solidFill>
+              </a:rPr>
+              <a:t>273 Funday Blvd.</a:t>
+            </a:r>
+          </a:p>
+          <a:p>
+            <a:pPr algn="ctr"/>
+            <a:r>
+              <a:rPr lang="en-US" dirty="0">
+                <a:solidFill>
+                  <a:schemeClr val="bg2">
+                    <a:lumMod val="50000"/>
+                  </a:schemeClr>
+                </a:solidFill>
+              </a:rPr>
+              <a:t>San Diego, CA 92093 </a:t>
+            </a:r>
+          </a:p>
+        </p:txBody>
+      </p:sp>
+      <p:sp>
+        <p:nvSpPr>
+          <p:cNvPr id="22" name="TextBox 21">
+            <a:extLst>
+              <a:ext uri="{FF2B5EF4-FFF2-40B4-BE49-F238E27FC236}">
+                <a16:creationId xmlns:a16="http://schemas.microsoft.com/office/drawing/2014/main" id="{03D7B0BE-CC42-429D-AF18-D04AE44222EF}"/>
+              </a:ext>
+            </a:extLst>
+          </p:cNvPr>
+          <p:cNvSpPr txBox="1"/>
+          <p:nvPr/>
+        </p:nvSpPr>
+        <p:spPr>
+          <a:xfrm>
+            <a:off x="8445240" y="1457605"/>
+            <a:ext cx="2219325" cy="369332"/>
+          </a:xfrm>
+          <a:prstGeom prst="rect">
+            <a:avLst/>
+          </a:prstGeom>
+          <a:noFill/>
+        </p:spPr>
+        <p:txBody>
+          <a:bodyPr wrap="square" rtlCol="0">
+            <a:spAutoFit/>
+          </a:bodyPr>
+          <a:lstStyle/>
+          <a:p>
+            <a:pPr algn="ctr"/>
+            <a:r>
+              <a:rPr lang="en-US" dirty="0">
+                <a:solidFill>
+                  <a:schemeClr val="bg2">
+                    <a:lumMod val="50000"/>
+                  </a:schemeClr>
+                </a:solidFill>
+              </a:rPr>
+              <a:t>4,000.50</a:t>
+            </a:r>
+          </a:p>
+        </p:txBody>
+      </p:sp>
+      <p:sp>
+        <p:nvSpPr>
+          <p:cNvPr id="24" name="TextBox 23">
+            <a:extLst>
+              <a:ext uri="{FF2B5EF4-FFF2-40B4-BE49-F238E27FC236}">
+                <a16:creationId xmlns:a16="http://schemas.microsoft.com/office/drawing/2014/main" id="{B4077961-7893-45D8-9D0F-01544ED39FA6}"/>
+              </a:ext>
+            </a:extLst>
+          </p:cNvPr>
+          <p:cNvSpPr txBox="1"/>
+          <p:nvPr/>
+        </p:nvSpPr>
+        <p:spPr>
+          <a:xfrm>
+            <a:off x="8445240" y="1866326"/>
+            <a:ext cx="2219325" cy="369332"/>
+          </a:xfrm>
+          <a:prstGeom prst="rect">
+            <a:avLst/>
+          </a:prstGeom>
+          <a:noFill/>
+        </p:spPr>
+        <p:txBody>
+          <a:bodyPr wrap="square" rtlCol="0">
+            <a:spAutoFit/>
+          </a:bodyPr>
+          <a:lstStyle/>
+          <a:p>
+            <a:pPr algn="ctr"/>
+            <a:r>
+              <a:rPr lang="en-US" dirty="0">
+                <a:solidFill>
+                  <a:schemeClr val="bg2">
+                    <a:lumMod val="50000"/>
+                  </a:schemeClr>
+                </a:solidFill>
+              </a:rPr>
+              <a:t>1,200.52</a:t>
+            </a:r>
+          </a:p>
+        </p:txBody>
+      </p:sp>
+      <p:sp>
+        <p:nvSpPr>
+          <p:cNvPr id="26" name="TextBox 25">
+            <a:extLst>
+              <a:ext uri="{FF2B5EF4-FFF2-40B4-BE49-F238E27FC236}">
+                <a16:creationId xmlns:a16="http://schemas.microsoft.com/office/drawing/2014/main" id="{62041C80-77EA-4EEA-B87A-EDA402E51620}"/>
+              </a:ext>
+            </a:extLst>
+          </p:cNvPr>
+          <p:cNvSpPr txBox="1"/>
+          <p:nvPr/>
+        </p:nvSpPr>
+        <p:spPr>
+          <a:xfrm>
+            <a:off x="8445239" y="2294610"/>
+            <a:ext cx="2219325" cy="369332"/>
+          </a:xfrm>
+          <a:prstGeom prst="rect">
+            <a:avLst/>
+          </a:prstGeom>
+          <a:noFill/>
+        </p:spPr>
+        <p:txBody>
+          <a:bodyPr wrap="square" rtlCol="0">
+            <a:spAutoFit/>
+          </a:bodyPr>
+          <a:lstStyle/>
+          <a:p>
+            <a:pPr algn="ctr"/>
+            <a:r>
+              <a:rPr lang="en-US" dirty="0">
+                <a:solidFill>
+                  <a:schemeClr val="bg2">
+                    <a:lumMod val="50000"/>
+                  </a:schemeClr>
+                </a:solidFill>
+              </a:rPr>
+              <a:t>410.00</a:t>
+            </a:r>
+          </a:p>
+        </p:txBody>
+      </p:sp>
+      <p:sp>
+        <p:nvSpPr>
+          <p:cNvPr id="30" name="TextBox 29">
+            <a:extLst>
+              <a:ext uri="{FF2B5EF4-FFF2-40B4-BE49-F238E27FC236}">
+                <a16:creationId xmlns:a16="http://schemas.microsoft.com/office/drawing/2014/main" id="{8F8DCDC1-5236-42A7-960A-DF9E6D6819EF}"/>
+              </a:ext>
+            </a:extLst>
+          </p:cNvPr>
+          <p:cNvSpPr txBox="1"/>
+          <p:nvPr/>
+        </p:nvSpPr>
+        <p:spPr>
+          <a:xfrm>
+            <a:off x="8137758" y="3521333"/>
+            <a:ext cx="206188" cy="369332"/>
+          </a:xfrm>
+          <a:prstGeom prst="rect">
+            <a:avLst/>
+          </a:prstGeom>
+          <a:noFill/>
+        </p:spPr>
+        <p:txBody>
+          <a:bodyPr wrap="square" rtlCol="0">
+            <a:spAutoFit/>
+          </a:bodyPr>
+          <a:lstStyle/>
+          <a:p>
+            <a:r>
+              <a:rPr lang="en-US" dirty="0"/>
+              <a:t>X</a:t>
+            </a:r>
+          </a:p>
+        </p:txBody>
+      </p:sp>
     </p:spTree>
     <p:extLst>
       <p:ext uri="{BB962C8B-B14F-4D97-AF65-F5344CB8AC3E}">
-        <p14:creationId xmlns:p14="http://schemas.microsoft.com/office/powerpoint/2010/main" val="829013155"/>
+        <p14:creationId xmlns:p14="http://schemas.microsoft.com/office/powerpoint/2010/main" val="641040779"/>
       </p:ext>
     </p:extLst>
   </p:cSld>
@@ -6438,10 +6809,4274 @@
           </a:extLst>
         </p:spPr>
       </p:pic>
+      <p:sp>
+        <p:nvSpPr>
+          <p:cNvPr id="2" name="TextBox 1">
+            <a:extLst>
+              <a:ext uri="{FF2B5EF4-FFF2-40B4-BE49-F238E27FC236}">
+                <a16:creationId xmlns:a16="http://schemas.microsoft.com/office/drawing/2014/main" id="{C0124230-902F-44F1-BC79-6D3ED6C4F1CC}"/>
+              </a:ext>
+            </a:extLst>
+          </p:cNvPr>
+          <p:cNvSpPr txBox="1"/>
+          <p:nvPr/>
+        </p:nvSpPr>
+        <p:spPr>
+          <a:xfrm>
+            <a:off x="1628590" y="1634844"/>
+            <a:ext cx="2260922" cy="830997"/>
+          </a:xfrm>
+          <a:prstGeom prst="rect">
+            <a:avLst/>
+          </a:prstGeom>
+          <a:noFill/>
+        </p:spPr>
+        <p:txBody>
+          <a:bodyPr wrap="square">
+            <a:spAutoFit/>
+          </a:bodyPr>
+          <a:lstStyle/>
+          <a:p>
+            <a:pPr algn="ctr"/>
+            <a:r>
+              <a:rPr lang="en-US" sz="1600" dirty="0">
+                <a:solidFill>
+                  <a:schemeClr val="bg2">
+                    <a:lumMod val="50000"/>
+                  </a:schemeClr>
+                </a:solidFill>
+                <a:latin typeface="Agency FB" panose="020B0503020202020204" pitchFamily="34" charset="0"/>
+              </a:rPr>
+              <a:t>Cat’s Corporation</a:t>
+            </a:r>
+          </a:p>
+          <a:p>
+            <a:pPr algn="ctr"/>
+            <a:r>
+              <a:rPr lang="en-US" sz="1600" dirty="0">
+                <a:solidFill>
+                  <a:schemeClr val="bg2">
+                    <a:lumMod val="50000"/>
+                  </a:schemeClr>
+                </a:solidFill>
+                <a:latin typeface="Agency FB" panose="020B0503020202020204" pitchFamily="34" charset="0"/>
+              </a:rPr>
+              <a:t>26 Day Street</a:t>
+            </a:r>
+          </a:p>
+          <a:p>
+            <a:pPr algn="ctr"/>
+            <a:r>
+              <a:rPr lang="en-US" sz="1600" dirty="0" err="1">
+                <a:solidFill>
+                  <a:schemeClr val="bg2">
+                    <a:lumMod val="50000"/>
+                  </a:schemeClr>
+                </a:solidFill>
+                <a:latin typeface="Agency FB" panose="020B0503020202020204" pitchFamily="34" charset="0"/>
+              </a:rPr>
+              <a:t>Keliso</a:t>
+            </a:r>
+            <a:r>
+              <a:rPr lang="en-US" sz="1600" dirty="0">
+                <a:solidFill>
+                  <a:schemeClr val="bg2">
+                    <a:lumMod val="50000"/>
+                  </a:schemeClr>
+                </a:solidFill>
+                <a:latin typeface="Agency FB" panose="020B0503020202020204" pitchFamily="34" charset="0"/>
+              </a:rPr>
+              <a:t>, CA 93262 </a:t>
+            </a:r>
+          </a:p>
+        </p:txBody>
+      </p:sp>
+      <p:sp>
+        <p:nvSpPr>
+          <p:cNvPr id="4" name="TextBox 3">
+            <a:extLst>
+              <a:ext uri="{FF2B5EF4-FFF2-40B4-BE49-F238E27FC236}">
+                <a16:creationId xmlns:a16="http://schemas.microsoft.com/office/drawing/2014/main" id="{12793791-20DA-44A1-BAFD-E768E192F2CB}"/>
+              </a:ext>
+            </a:extLst>
+          </p:cNvPr>
+          <p:cNvSpPr txBox="1"/>
+          <p:nvPr/>
+        </p:nvSpPr>
+        <p:spPr>
+          <a:xfrm>
+            <a:off x="1321837" y="1091141"/>
+            <a:ext cx="2064946" cy="338554"/>
+          </a:xfrm>
+          <a:prstGeom prst="rect">
+            <a:avLst/>
+          </a:prstGeom>
+          <a:noFill/>
+        </p:spPr>
+        <p:txBody>
+          <a:bodyPr wrap="square" rtlCol="0">
+            <a:spAutoFit/>
+          </a:bodyPr>
+          <a:lstStyle/>
+          <a:p>
+            <a:pPr algn="ctr"/>
+            <a:r>
+              <a:rPr lang="en-US" sz="1600" dirty="0">
+                <a:solidFill>
+                  <a:schemeClr val="bg2">
+                    <a:lumMod val="50000"/>
+                  </a:schemeClr>
+                </a:solidFill>
+                <a:latin typeface="Agency FB" panose="020B0503020202020204" pitchFamily="34" charset="0"/>
+              </a:rPr>
+              <a:t>928122-27910275</a:t>
+            </a:r>
+          </a:p>
+        </p:txBody>
+      </p:sp>
+      <p:sp>
+        <p:nvSpPr>
+          <p:cNvPr id="8" name="TextBox 7">
+            <a:extLst>
+              <a:ext uri="{FF2B5EF4-FFF2-40B4-BE49-F238E27FC236}">
+                <a16:creationId xmlns:a16="http://schemas.microsoft.com/office/drawing/2014/main" id="{566BEED6-24C9-41BC-8E39-278DB2EAF59B}"/>
+              </a:ext>
+            </a:extLst>
+          </p:cNvPr>
+          <p:cNvSpPr txBox="1"/>
+          <p:nvPr/>
+        </p:nvSpPr>
+        <p:spPr>
+          <a:xfrm>
+            <a:off x="3476624" y="650195"/>
+            <a:ext cx="2552701" cy="338554"/>
+          </a:xfrm>
+          <a:prstGeom prst="rect">
+            <a:avLst/>
+          </a:prstGeom>
+          <a:noFill/>
+        </p:spPr>
+        <p:txBody>
+          <a:bodyPr wrap="square">
+            <a:spAutoFit/>
+          </a:bodyPr>
+          <a:lstStyle/>
+          <a:p>
+            <a:pPr algn="ctr"/>
+            <a:r>
+              <a:rPr lang="en-US" sz="1600" dirty="0">
+                <a:solidFill>
+                  <a:schemeClr val="bg2">
+                    <a:lumMod val="50000"/>
+                  </a:schemeClr>
+                </a:solidFill>
+                <a:latin typeface="Agency FB" panose="020B0503020202020204" pitchFamily="34" charset="0"/>
+              </a:rPr>
+              <a:t>031-27-7890</a:t>
+            </a:r>
+          </a:p>
+        </p:txBody>
+      </p:sp>
+      <p:sp>
+        <p:nvSpPr>
+          <p:cNvPr id="7" name="TextBox 6">
+            <a:extLst>
+              <a:ext uri="{FF2B5EF4-FFF2-40B4-BE49-F238E27FC236}">
+                <a16:creationId xmlns:a16="http://schemas.microsoft.com/office/drawing/2014/main" id="{673441B5-3E8E-49DE-A549-C941799BD48F}"/>
+              </a:ext>
+            </a:extLst>
+          </p:cNvPr>
+          <p:cNvSpPr txBox="1"/>
+          <p:nvPr/>
+        </p:nvSpPr>
+        <p:spPr>
+          <a:xfrm>
+            <a:off x="6196971" y="1091141"/>
+            <a:ext cx="1846492" cy="338554"/>
+          </a:xfrm>
+          <a:prstGeom prst="rect">
+            <a:avLst/>
+          </a:prstGeom>
+          <a:noFill/>
+        </p:spPr>
+        <p:txBody>
+          <a:bodyPr wrap="square" rtlCol="0">
+            <a:spAutoFit/>
+          </a:bodyPr>
+          <a:lstStyle/>
+          <a:p>
+            <a:pPr algn="ctr"/>
+            <a:r>
+              <a:rPr lang="en-US" sz="1600" dirty="0">
+                <a:solidFill>
+                  <a:schemeClr val="bg2">
+                    <a:lumMod val="50000"/>
+                  </a:schemeClr>
+                </a:solidFill>
+                <a:latin typeface="Agency FB" panose="020B0503020202020204" pitchFamily="34" charset="0"/>
+              </a:rPr>
+              <a:t>4300000</a:t>
+            </a:r>
+          </a:p>
+        </p:txBody>
+      </p:sp>
+      <p:sp>
+        <p:nvSpPr>
+          <p:cNvPr id="10" name="TextBox 9">
+            <a:extLst>
+              <a:ext uri="{FF2B5EF4-FFF2-40B4-BE49-F238E27FC236}">
+                <a16:creationId xmlns:a16="http://schemas.microsoft.com/office/drawing/2014/main" id="{6EDD954F-45B4-4838-918D-0BEEC4339BBB}"/>
+              </a:ext>
+            </a:extLst>
+          </p:cNvPr>
+          <p:cNvSpPr txBox="1"/>
+          <p:nvPr/>
+        </p:nvSpPr>
+        <p:spPr>
+          <a:xfrm>
+            <a:off x="6196971" y="1465567"/>
+            <a:ext cx="1846492" cy="338554"/>
+          </a:xfrm>
+          <a:prstGeom prst="rect">
+            <a:avLst/>
+          </a:prstGeom>
+          <a:noFill/>
+        </p:spPr>
+        <p:txBody>
+          <a:bodyPr wrap="square" rtlCol="0">
+            <a:spAutoFit/>
+          </a:bodyPr>
+          <a:lstStyle/>
+          <a:p>
+            <a:pPr algn="ctr"/>
+            <a:r>
+              <a:rPr lang="en-US" sz="1600" dirty="0">
+                <a:solidFill>
+                  <a:schemeClr val="bg2">
+                    <a:lumMod val="50000"/>
+                  </a:schemeClr>
+                </a:solidFill>
+                <a:latin typeface="Agency FB" panose="020B0503020202020204" pitchFamily="34" charset="0"/>
+              </a:rPr>
+              <a:t>8292</a:t>
+            </a:r>
+          </a:p>
+        </p:txBody>
+      </p:sp>
+      <p:sp>
+        <p:nvSpPr>
+          <p:cNvPr id="12" name="TextBox 11">
+            <a:extLst>
+              <a:ext uri="{FF2B5EF4-FFF2-40B4-BE49-F238E27FC236}">
+                <a16:creationId xmlns:a16="http://schemas.microsoft.com/office/drawing/2014/main" id="{B663280B-676C-4D35-884B-8CA27FFFEE26}"/>
+              </a:ext>
+            </a:extLst>
+          </p:cNvPr>
+          <p:cNvSpPr txBox="1"/>
+          <p:nvPr/>
+        </p:nvSpPr>
+        <p:spPr>
+          <a:xfrm>
+            <a:off x="6196971" y="1845648"/>
+            <a:ext cx="1846492" cy="338554"/>
+          </a:xfrm>
+          <a:prstGeom prst="rect">
+            <a:avLst/>
+          </a:prstGeom>
+          <a:noFill/>
+        </p:spPr>
+        <p:txBody>
+          <a:bodyPr wrap="square" rtlCol="0">
+            <a:spAutoFit/>
+          </a:bodyPr>
+          <a:lstStyle/>
+          <a:p>
+            <a:pPr algn="ctr"/>
+            <a:r>
+              <a:rPr lang="en-US" sz="1600" dirty="0">
+                <a:solidFill>
+                  <a:schemeClr val="bg2">
+                    <a:lumMod val="50000"/>
+                  </a:schemeClr>
+                </a:solidFill>
+                <a:latin typeface="Agency FB" panose="020B0503020202020204" pitchFamily="34" charset="0"/>
+              </a:rPr>
+              <a:t>21,933</a:t>
+            </a:r>
+          </a:p>
+        </p:txBody>
+      </p:sp>
+      <p:sp>
+        <p:nvSpPr>
+          <p:cNvPr id="14" name="TextBox 13">
+            <a:extLst>
+              <a:ext uri="{FF2B5EF4-FFF2-40B4-BE49-F238E27FC236}">
+                <a16:creationId xmlns:a16="http://schemas.microsoft.com/office/drawing/2014/main" id="{0CD2598E-8625-4243-B8FA-C1118E7EAAF3}"/>
+              </a:ext>
+            </a:extLst>
+          </p:cNvPr>
+          <p:cNvSpPr txBox="1"/>
+          <p:nvPr/>
+        </p:nvSpPr>
+        <p:spPr>
+          <a:xfrm>
+            <a:off x="6196971" y="2237660"/>
+            <a:ext cx="1846492" cy="338554"/>
+          </a:xfrm>
+          <a:prstGeom prst="rect">
+            <a:avLst/>
+          </a:prstGeom>
+          <a:noFill/>
+        </p:spPr>
+        <p:txBody>
+          <a:bodyPr wrap="square" rtlCol="0">
+            <a:spAutoFit/>
+          </a:bodyPr>
+          <a:lstStyle/>
+          <a:p>
+            <a:pPr algn="ctr"/>
+            <a:r>
+              <a:rPr lang="en-US" sz="1600" dirty="0">
+                <a:solidFill>
+                  <a:schemeClr val="bg2">
+                    <a:lumMod val="50000"/>
+                  </a:schemeClr>
+                </a:solidFill>
+                <a:latin typeface="Agency FB" panose="020B0503020202020204" pitchFamily="34" charset="0"/>
+              </a:rPr>
+              <a:t>8,000</a:t>
+            </a:r>
+          </a:p>
+        </p:txBody>
+      </p:sp>
+      <p:sp>
+        <p:nvSpPr>
+          <p:cNvPr id="16" name="TextBox 15">
+            <a:extLst>
+              <a:ext uri="{FF2B5EF4-FFF2-40B4-BE49-F238E27FC236}">
+                <a16:creationId xmlns:a16="http://schemas.microsoft.com/office/drawing/2014/main" id="{7A056676-26F7-4C57-8161-D4380469F498}"/>
+              </a:ext>
+            </a:extLst>
+          </p:cNvPr>
+          <p:cNvSpPr txBox="1"/>
+          <p:nvPr/>
+        </p:nvSpPr>
+        <p:spPr>
+          <a:xfrm>
+            <a:off x="8316082" y="1075752"/>
+            <a:ext cx="1846492" cy="338554"/>
+          </a:xfrm>
+          <a:prstGeom prst="rect">
+            <a:avLst/>
+          </a:prstGeom>
+          <a:noFill/>
+        </p:spPr>
+        <p:txBody>
+          <a:bodyPr wrap="square" rtlCol="0">
+            <a:spAutoFit/>
+          </a:bodyPr>
+          <a:lstStyle/>
+          <a:p>
+            <a:pPr algn="ctr"/>
+            <a:r>
+              <a:rPr lang="en-US" sz="1600" dirty="0">
+                <a:solidFill>
+                  <a:schemeClr val="bg2">
+                    <a:lumMod val="50000"/>
+                  </a:schemeClr>
+                </a:solidFill>
+                <a:latin typeface="Agency FB" panose="020B0503020202020204" pitchFamily="34" charset="0"/>
+              </a:rPr>
+              <a:t>$928101</a:t>
+            </a:r>
+          </a:p>
+        </p:txBody>
+      </p:sp>
+      <p:sp>
+        <p:nvSpPr>
+          <p:cNvPr id="18" name="TextBox 17">
+            <a:extLst>
+              <a:ext uri="{FF2B5EF4-FFF2-40B4-BE49-F238E27FC236}">
+                <a16:creationId xmlns:a16="http://schemas.microsoft.com/office/drawing/2014/main" id="{EBF5C336-E7B1-437E-A0AD-469F83E48694}"/>
+              </a:ext>
+            </a:extLst>
+          </p:cNvPr>
+          <p:cNvSpPr txBox="1"/>
+          <p:nvPr/>
+        </p:nvSpPr>
+        <p:spPr>
+          <a:xfrm>
+            <a:off x="8316082" y="1465567"/>
+            <a:ext cx="1846492" cy="338554"/>
+          </a:xfrm>
+          <a:prstGeom prst="rect">
+            <a:avLst/>
+          </a:prstGeom>
+          <a:noFill/>
+        </p:spPr>
+        <p:txBody>
+          <a:bodyPr wrap="square" rtlCol="0">
+            <a:spAutoFit/>
+          </a:bodyPr>
+          <a:lstStyle/>
+          <a:p>
+            <a:pPr algn="ctr"/>
+            <a:r>
+              <a:rPr lang="en-US" sz="1600" dirty="0">
+                <a:solidFill>
+                  <a:schemeClr val="bg2">
+                    <a:lumMod val="50000"/>
+                  </a:schemeClr>
+                </a:solidFill>
+                <a:latin typeface="Agency FB" panose="020B0503020202020204" pitchFamily="34" charset="0"/>
+              </a:rPr>
+              <a:t>$3281</a:t>
+            </a:r>
+          </a:p>
+        </p:txBody>
+      </p:sp>
+      <p:sp>
+        <p:nvSpPr>
+          <p:cNvPr id="20" name="TextBox 19">
+            <a:extLst>
+              <a:ext uri="{FF2B5EF4-FFF2-40B4-BE49-F238E27FC236}">
+                <a16:creationId xmlns:a16="http://schemas.microsoft.com/office/drawing/2014/main" id="{D8DD4A28-1D80-4FD5-91A6-0E313D25747D}"/>
+              </a:ext>
+            </a:extLst>
+          </p:cNvPr>
+          <p:cNvSpPr txBox="1"/>
+          <p:nvPr/>
+        </p:nvSpPr>
+        <p:spPr>
+          <a:xfrm>
+            <a:off x="8316082" y="1868328"/>
+            <a:ext cx="1846492" cy="338554"/>
+          </a:xfrm>
+          <a:prstGeom prst="rect">
+            <a:avLst/>
+          </a:prstGeom>
+          <a:noFill/>
+        </p:spPr>
+        <p:txBody>
+          <a:bodyPr wrap="square" rtlCol="0">
+            <a:spAutoFit/>
+          </a:bodyPr>
+          <a:lstStyle/>
+          <a:p>
+            <a:pPr algn="ctr"/>
+            <a:r>
+              <a:rPr lang="en-US" sz="1600" dirty="0">
+                <a:solidFill>
+                  <a:schemeClr val="bg2">
+                    <a:lumMod val="50000"/>
+                  </a:schemeClr>
+                </a:solidFill>
+                <a:latin typeface="Agency FB" panose="020B0503020202020204" pitchFamily="34" charset="0"/>
+              </a:rPr>
+              <a:t>72910</a:t>
+            </a:r>
+          </a:p>
+        </p:txBody>
+      </p:sp>
+      <p:sp>
+        <p:nvSpPr>
+          <p:cNvPr id="22" name="TextBox 21">
+            <a:extLst>
+              <a:ext uri="{FF2B5EF4-FFF2-40B4-BE49-F238E27FC236}">
+                <a16:creationId xmlns:a16="http://schemas.microsoft.com/office/drawing/2014/main" id="{A1887A5F-1AB4-48AB-B7A5-8696CA7A4520}"/>
+              </a:ext>
+            </a:extLst>
+          </p:cNvPr>
+          <p:cNvSpPr txBox="1"/>
+          <p:nvPr/>
+        </p:nvSpPr>
+        <p:spPr>
+          <a:xfrm>
+            <a:off x="8316082" y="2271089"/>
+            <a:ext cx="1846492" cy="338554"/>
+          </a:xfrm>
+          <a:prstGeom prst="rect">
+            <a:avLst/>
+          </a:prstGeom>
+          <a:noFill/>
+        </p:spPr>
+        <p:txBody>
+          <a:bodyPr wrap="square" rtlCol="0">
+            <a:spAutoFit/>
+          </a:bodyPr>
+          <a:lstStyle/>
+          <a:p>
+            <a:pPr algn="ctr"/>
+            <a:r>
+              <a:rPr lang="en-US" sz="1600" dirty="0">
+                <a:solidFill>
+                  <a:schemeClr val="bg2">
+                    <a:lumMod val="50000"/>
+                  </a:schemeClr>
+                </a:solidFill>
+                <a:latin typeface="Agency FB" panose="020B0503020202020204" pitchFamily="34" charset="0"/>
+              </a:rPr>
+              <a:t>1</a:t>
+            </a:r>
+          </a:p>
+        </p:txBody>
+      </p:sp>
+      <p:sp>
+        <p:nvSpPr>
+          <p:cNvPr id="24" name="TextBox 23">
+            <a:extLst>
+              <a:ext uri="{FF2B5EF4-FFF2-40B4-BE49-F238E27FC236}">
+                <a16:creationId xmlns:a16="http://schemas.microsoft.com/office/drawing/2014/main" id="{EDA43681-6067-499D-B50E-055308FC14EC}"/>
+              </a:ext>
+            </a:extLst>
+          </p:cNvPr>
+          <p:cNvSpPr txBox="1"/>
+          <p:nvPr/>
+        </p:nvSpPr>
+        <p:spPr>
+          <a:xfrm>
+            <a:off x="1780526" y="3517178"/>
+            <a:ext cx="2874429" cy="830997"/>
+          </a:xfrm>
+          <a:prstGeom prst="rect">
+            <a:avLst/>
+          </a:prstGeom>
+          <a:noFill/>
+        </p:spPr>
+        <p:txBody>
+          <a:bodyPr wrap="square" rtlCol="0">
+            <a:spAutoFit/>
+          </a:bodyPr>
+          <a:lstStyle/>
+          <a:p>
+            <a:pPr algn="ctr"/>
+            <a:r>
+              <a:rPr lang="en-US" sz="1600" dirty="0">
+                <a:solidFill>
+                  <a:schemeClr val="bg2">
+                    <a:lumMod val="50000"/>
+                  </a:schemeClr>
+                </a:solidFill>
+                <a:latin typeface="Agency FB" panose="020B0503020202020204" pitchFamily="34" charset="0"/>
+              </a:rPr>
+              <a:t>Harman  Tacker</a:t>
+            </a:r>
+          </a:p>
+          <a:p>
+            <a:pPr algn="ctr"/>
+            <a:r>
+              <a:rPr lang="en-US" sz="1600" dirty="0">
+                <a:solidFill>
+                  <a:schemeClr val="bg2">
+                    <a:lumMod val="50000"/>
+                  </a:schemeClr>
+                </a:solidFill>
+                <a:latin typeface="Agency FB" panose="020B0503020202020204" pitchFamily="34" charset="0"/>
+              </a:rPr>
+              <a:t>94 Paso Street</a:t>
+            </a:r>
+          </a:p>
+          <a:p>
+            <a:pPr algn="ctr"/>
+            <a:r>
+              <a:rPr lang="en-US" sz="1600" dirty="0" err="1">
+                <a:solidFill>
+                  <a:schemeClr val="bg2">
+                    <a:lumMod val="50000"/>
+                  </a:schemeClr>
+                </a:solidFill>
+                <a:latin typeface="Agency FB" panose="020B0503020202020204" pitchFamily="34" charset="0"/>
+              </a:rPr>
+              <a:t>Filamore</a:t>
+            </a:r>
+            <a:r>
+              <a:rPr lang="en-US" sz="1600" dirty="0">
+                <a:solidFill>
+                  <a:schemeClr val="bg2">
+                    <a:lumMod val="50000"/>
+                  </a:schemeClr>
+                </a:solidFill>
+                <a:latin typeface="Agency FB" panose="020B0503020202020204" pitchFamily="34" charset="0"/>
+              </a:rPr>
+              <a:t>, PA 83292 </a:t>
+            </a:r>
+          </a:p>
+        </p:txBody>
+      </p:sp>
+      <p:sp>
+        <p:nvSpPr>
+          <p:cNvPr id="28" name="TextBox 27">
+            <a:extLst>
+              <a:ext uri="{FF2B5EF4-FFF2-40B4-BE49-F238E27FC236}">
+                <a16:creationId xmlns:a16="http://schemas.microsoft.com/office/drawing/2014/main" id="{EFA58516-41F5-4B76-9F83-0E136E876E12}"/>
+              </a:ext>
+            </a:extLst>
+          </p:cNvPr>
+          <p:cNvSpPr txBox="1"/>
+          <p:nvPr/>
+        </p:nvSpPr>
+        <p:spPr>
+          <a:xfrm>
+            <a:off x="7537046" y="3521333"/>
+            <a:ext cx="206188" cy="369332"/>
+          </a:xfrm>
+          <a:prstGeom prst="rect">
+            <a:avLst/>
+          </a:prstGeom>
+          <a:noFill/>
+        </p:spPr>
+        <p:txBody>
+          <a:bodyPr wrap="square" rtlCol="0">
+            <a:spAutoFit/>
+          </a:bodyPr>
+          <a:lstStyle/>
+          <a:p>
+            <a:r>
+              <a:rPr lang="en-US" dirty="0"/>
+              <a:t>X</a:t>
+            </a:r>
+          </a:p>
+        </p:txBody>
+      </p:sp>
+      <p:pic>
+        <p:nvPicPr>
+          <p:cNvPr id="3" name="Picture 2">
+            <a:extLst>
+              <a:ext uri="{FF2B5EF4-FFF2-40B4-BE49-F238E27FC236}">
+                <a16:creationId xmlns:a16="http://schemas.microsoft.com/office/drawing/2014/main" id="{BC4281D3-43D3-294A-A76A-DF6B64EB51EF}"/>
+              </a:ext>
+            </a:extLst>
+          </p:cNvPr>
+          <p:cNvPicPr>
+            <a:picLocks noChangeAspect="1"/>
+          </p:cNvPicPr>
+          <p:nvPr/>
+        </p:nvPicPr>
+        <p:blipFill>
+          <a:blip r:embed="rId3"/>
+          <a:stretch>
+            <a:fillRect/>
+          </a:stretch>
+        </p:blipFill>
+        <p:spPr>
+          <a:xfrm>
+            <a:off x="6484369" y="5644081"/>
+            <a:ext cx="587513" cy="423355"/>
+          </a:xfrm>
+          <a:prstGeom prst="rect">
+            <a:avLst/>
+          </a:prstGeom>
+        </p:spPr>
+      </p:pic>
     </p:spTree>
     <p:extLst>
       <p:ext uri="{BB962C8B-B14F-4D97-AF65-F5344CB8AC3E}">
-        <p14:creationId xmlns:p14="http://schemas.microsoft.com/office/powerpoint/2010/main" val="641040779"/>
+        <p14:creationId xmlns:p14="http://schemas.microsoft.com/office/powerpoint/2010/main" val="3599867603"/>
+      </p:ext>
+    </p:extLst>
+  </p:cSld>
+  <p:clrMapOvr>
+    <a:masterClrMapping/>
+  </p:clrMapOvr>
+</p:sld>
+</file>
+
+<file path=ppt/slides/slide15.xml><?xml version="1.0" encoding="utf-8"?>
+<p:sld xmlns:a="http://schemas.openxmlformats.org/drawingml/2006/main" xmlns:r="http://schemas.openxmlformats.org/officeDocument/2006/relationships" xmlns:p="http://schemas.openxmlformats.org/presentationml/2006/main">
+  <p:cSld>
+    <p:spTree>
+      <p:nvGrpSpPr>
+        <p:cNvPr id="1" name=""/>
+        <p:cNvGrpSpPr/>
+        <p:nvPr/>
+      </p:nvGrpSpPr>
+      <p:grpSpPr>
+        <a:xfrm>
+          <a:off x="0" y="0"/>
+          <a:ext cx="0" cy="0"/>
+          <a:chOff x="0" y="0"/>
+          <a:chExt cx="0" cy="0"/>
+        </a:xfrm>
+      </p:grpSpPr>
+      <p:pic>
+        <p:nvPicPr>
+          <p:cNvPr id="1026" name="Picture 2">
+            <a:extLst>
+              <a:ext uri="{FF2B5EF4-FFF2-40B4-BE49-F238E27FC236}">
+                <a16:creationId xmlns:a16="http://schemas.microsoft.com/office/drawing/2014/main" id="{3A3689D3-9A82-1841-90F2-83E3051B7A47}"/>
+              </a:ext>
+            </a:extLst>
+          </p:cNvPr>
+          <p:cNvPicPr>
+            <a:picLocks noChangeAspect="1" noChangeArrowheads="1"/>
+          </p:cNvPicPr>
+          <p:nvPr/>
+        </p:nvPicPr>
+        <p:blipFill>
+          <a:blip r:embed="rId2">
+            <a:extLst>
+              <a:ext uri="{28A0092B-C50C-407E-A947-70E740481C1C}">
+                <a14:useLocalDpi xmlns:a14="http://schemas.microsoft.com/office/drawing/2010/main" val="0"/>
+              </a:ext>
+            </a:extLst>
+          </a:blip>
+          <a:srcRect/>
+          <a:stretch>
+            <a:fillRect/>
+          </a:stretch>
+        </p:blipFill>
+        <p:spPr bwMode="auto">
+          <a:xfrm>
+            <a:off x="1057440" y="0"/>
+            <a:ext cx="10279063" cy="6858000"/>
+          </a:xfrm>
+          <a:prstGeom prst="rect">
+            <a:avLst/>
+          </a:prstGeom>
+          <a:noFill/>
+          <a:extLst>
+            <a:ext uri="{909E8E84-426E-40DD-AFC4-6F175D3DCCD1}">
+              <a14:hiddenFill xmlns:a14="http://schemas.microsoft.com/office/drawing/2010/main">
+                <a:solidFill>
+                  <a:srgbClr val="FFFFFF"/>
+                </a:solidFill>
+              </a14:hiddenFill>
+            </a:ext>
+          </a:extLst>
+        </p:spPr>
+      </p:pic>
+      <p:sp>
+        <p:nvSpPr>
+          <p:cNvPr id="2" name="TextBox 1">
+            <a:extLst>
+              <a:ext uri="{FF2B5EF4-FFF2-40B4-BE49-F238E27FC236}">
+                <a16:creationId xmlns:a16="http://schemas.microsoft.com/office/drawing/2014/main" id="{4026AC19-CC83-4F2B-9389-6E68799D69EB}"/>
+              </a:ext>
+            </a:extLst>
+          </p:cNvPr>
+          <p:cNvSpPr txBox="1"/>
+          <p:nvPr/>
+        </p:nvSpPr>
+        <p:spPr>
+          <a:xfrm>
+            <a:off x="3934486" y="673005"/>
+            <a:ext cx="2402540" cy="307777"/>
+          </a:xfrm>
+          <a:prstGeom prst="rect">
+            <a:avLst/>
+          </a:prstGeom>
+          <a:noFill/>
+        </p:spPr>
+        <p:txBody>
+          <a:bodyPr wrap="square" rtlCol="0">
+            <a:spAutoFit/>
+          </a:bodyPr>
+          <a:lstStyle/>
+          <a:p>
+            <a:pPr algn="ctr"/>
+            <a:r>
+              <a:rPr lang="en-US" sz="1400" i="1" dirty="0">
+                <a:solidFill>
+                  <a:schemeClr val="bg2">
+                    <a:lumMod val="50000"/>
+                  </a:schemeClr>
+                </a:solidFill>
+                <a:latin typeface="Segoe UI Symbol" panose="020B0502040204020203" pitchFamily="34" charset="0"/>
+                <a:ea typeface="Segoe UI Symbol" panose="020B0502040204020203" pitchFamily="34" charset="0"/>
+              </a:rPr>
+              <a:t>626-89-1029</a:t>
+            </a:r>
+          </a:p>
+        </p:txBody>
+      </p:sp>
+      <p:sp>
+        <p:nvSpPr>
+          <p:cNvPr id="4" name="TextBox 3">
+            <a:extLst>
+              <a:ext uri="{FF2B5EF4-FFF2-40B4-BE49-F238E27FC236}">
+                <a16:creationId xmlns:a16="http://schemas.microsoft.com/office/drawing/2014/main" id="{99E8954C-D50E-4AA1-83F8-D64D91BD0974}"/>
+              </a:ext>
+            </a:extLst>
+          </p:cNvPr>
+          <p:cNvSpPr txBox="1"/>
+          <p:nvPr/>
+        </p:nvSpPr>
+        <p:spPr>
+          <a:xfrm>
+            <a:off x="4561448" y="1031619"/>
+            <a:ext cx="2402540" cy="307777"/>
+          </a:xfrm>
+          <a:prstGeom prst="rect">
+            <a:avLst/>
+          </a:prstGeom>
+          <a:noFill/>
+        </p:spPr>
+        <p:txBody>
+          <a:bodyPr wrap="square" rtlCol="0">
+            <a:spAutoFit/>
+          </a:bodyPr>
+          <a:lstStyle/>
+          <a:p>
+            <a:pPr algn="ctr"/>
+            <a:r>
+              <a:rPr lang="en-US" sz="1400" i="1" dirty="0">
+                <a:solidFill>
+                  <a:schemeClr val="bg2">
+                    <a:lumMod val="50000"/>
+                  </a:schemeClr>
+                </a:solidFill>
+                <a:latin typeface="Segoe UI Symbol" panose="020B0502040204020203" pitchFamily="34" charset="0"/>
+                <a:ea typeface="Segoe UI Symbol" panose="020B0502040204020203" pitchFamily="34" charset="0"/>
+              </a:rPr>
+              <a:t>722-981-272919</a:t>
+            </a:r>
+          </a:p>
+        </p:txBody>
+      </p:sp>
+      <p:sp>
+        <p:nvSpPr>
+          <p:cNvPr id="6" name="TextBox 5">
+            <a:extLst>
+              <a:ext uri="{FF2B5EF4-FFF2-40B4-BE49-F238E27FC236}">
+                <a16:creationId xmlns:a16="http://schemas.microsoft.com/office/drawing/2014/main" id="{8BD9CE7E-4B05-4A05-AB9D-818E596FCB09}"/>
+              </a:ext>
+            </a:extLst>
+          </p:cNvPr>
+          <p:cNvSpPr txBox="1"/>
+          <p:nvPr/>
+        </p:nvSpPr>
+        <p:spPr>
+          <a:xfrm>
+            <a:off x="4283321" y="1535347"/>
+            <a:ext cx="2402540" cy="1169551"/>
+          </a:xfrm>
+          <a:prstGeom prst="rect">
+            <a:avLst/>
+          </a:prstGeom>
+          <a:noFill/>
+        </p:spPr>
+        <p:txBody>
+          <a:bodyPr wrap="square" rtlCol="0">
+            <a:spAutoFit/>
+          </a:bodyPr>
+          <a:lstStyle/>
+          <a:p>
+            <a:pPr algn="ctr"/>
+            <a:r>
+              <a:rPr lang="en-US" sz="1400" i="1" dirty="0">
+                <a:solidFill>
+                  <a:schemeClr val="bg2">
+                    <a:lumMod val="50000"/>
+                  </a:schemeClr>
+                </a:solidFill>
+                <a:latin typeface="Segoe UI Symbol" panose="020B0502040204020203" pitchFamily="34" charset="0"/>
+                <a:ea typeface="Segoe UI Symbol" panose="020B0502040204020203" pitchFamily="34" charset="0"/>
+              </a:rPr>
+              <a:t>Ken &amp; Kerry Partners</a:t>
+            </a:r>
+          </a:p>
+          <a:p>
+            <a:pPr algn="ctr"/>
+            <a:endParaRPr lang="en-US" sz="1400" i="1" dirty="0">
+              <a:solidFill>
+                <a:schemeClr val="bg2">
+                  <a:lumMod val="50000"/>
+                </a:schemeClr>
+              </a:solidFill>
+              <a:latin typeface="Segoe UI Symbol" panose="020B0502040204020203" pitchFamily="34" charset="0"/>
+              <a:ea typeface="Segoe UI Symbol" panose="020B0502040204020203" pitchFamily="34" charset="0"/>
+            </a:endParaRPr>
+          </a:p>
+          <a:p>
+            <a:pPr algn="ctr"/>
+            <a:r>
+              <a:rPr lang="en-US" sz="1400" i="1" dirty="0">
+                <a:solidFill>
+                  <a:schemeClr val="bg2">
+                    <a:lumMod val="50000"/>
+                  </a:schemeClr>
+                </a:solidFill>
+                <a:latin typeface="Segoe UI Symbol" panose="020B0502040204020203" pitchFamily="34" charset="0"/>
+                <a:ea typeface="Segoe UI Symbol" panose="020B0502040204020203" pitchFamily="34" charset="0"/>
+              </a:rPr>
+              <a:t>392 Tolly Blvd</a:t>
+            </a:r>
+          </a:p>
+          <a:p>
+            <a:pPr algn="ctr"/>
+            <a:r>
+              <a:rPr lang="en-US" sz="1400" i="1" dirty="0">
+                <a:solidFill>
+                  <a:schemeClr val="bg2">
+                    <a:lumMod val="50000"/>
+                  </a:schemeClr>
+                </a:solidFill>
+                <a:latin typeface="Segoe UI Symbol" panose="020B0502040204020203" pitchFamily="34" charset="0"/>
+                <a:ea typeface="Segoe UI Symbol" panose="020B0502040204020203" pitchFamily="34" charset="0"/>
+              </a:rPr>
+              <a:t>Miami, FL 28190</a:t>
+            </a:r>
+          </a:p>
+          <a:p>
+            <a:pPr algn="ctr"/>
+            <a:endParaRPr lang="en-US" sz="1400" i="1" dirty="0">
+              <a:solidFill>
+                <a:schemeClr val="bg2">
+                  <a:lumMod val="50000"/>
+                </a:schemeClr>
+              </a:solidFill>
+              <a:latin typeface="Segoe UI Symbol" panose="020B0502040204020203" pitchFamily="34" charset="0"/>
+              <a:ea typeface="Segoe UI Symbol" panose="020B0502040204020203" pitchFamily="34" charset="0"/>
+            </a:endParaRPr>
+          </a:p>
+        </p:txBody>
+      </p:sp>
+      <p:sp>
+        <p:nvSpPr>
+          <p:cNvPr id="8" name="TextBox 7">
+            <a:extLst>
+              <a:ext uri="{FF2B5EF4-FFF2-40B4-BE49-F238E27FC236}">
+                <a16:creationId xmlns:a16="http://schemas.microsoft.com/office/drawing/2014/main" id="{572D47DA-E270-4D33-9346-3BF31A3E132B}"/>
+              </a:ext>
+            </a:extLst>
+          </p:cNvPr>
+          <p:cNvSpPr txBox="1"/>
+          <p:nvPr/>
+        </p:nvSpPr>
+        <p:spPr>
+          <a:xfrm>
+            <a:off x="4295230" y="3919007"/>
+            <a:ext cx="2402540" cy="738664"/>
+          </a:xfrm>
+          <a:prstGeom prst="rect">
+            <a:avLst/>
+          </a:prstGeom>
+          <a:noFill/>
+        </p:spPr>
+        <p:txBody>
+          <a:bodyPr wrap="square" rtlCol="0">
+            <a:spAutoFit/>
+          </a:bodyPr>
+          <a:lstStyle/>
+          <a:p>
+            <a:pPr algn="ctr"/>
+            <a:r>
+              <a:rPr lang="en-US" sz="1400" i="1" dirty="0">
+                <a:solidFill>
+                  <a:schemeClr val="bg2">
+                    <a:lumMod val="50000"/>
+                  </a:schemeClr>
+                </a:solidFill>
+                <a:latin typeface="Segoe UI Symbol" panose="020B0502040204020203" pitchFamily="34" charset="0"/>
+                <a:ea typeface="Segoe UI Symbol" panose="020B0502040204020203" pitchFamily="34" charset="0"/>
+              </a:rPr>
+              <a:t>Brigit Smith</a:t>
+            </a:r>
+          </a:p>
+          <a:p>
+            <a:pPr algn="ctr"/>
+            <a:r>
+              <a:rPr lang="en-US" sz="1400" i="1" dirty="0">
+                <a:solidFill>
+                  <a:schemeClr val="bg2">
+                    <a:lumMod val="50000"/>
+                  </a:schemeClr>
+                </a:solidFill>
+                <a:latin typeface="Segoe UI Symbol" panose="020B0502040204020203" pitchFamily="34" charset="0"/>
+                <a:ea typeface="Segoe UI Symbol" panose="020B0502040204020203" pitchFamily="34" charset="0"/>
+              </a:rPr>
+              <a:t>5 Wherever Apt 19</a:t>
+            </a:r>
+          </a:p>
+          <a:p>
+            <a:pPr algn="ctr"/>
+            <a:r>
+              <a:rPr lang="en-US" sz="1400" i="1" dirty="0">
+                <a:solidFill>
+                  <a:schemeClr val="bg2">
+                    <a:lumMod val="50000"/>
+                  </a:schemeClr>
+                </a:solidFill>
+                <a:latin typeface="Segoe UI Symbol" panose="020B0502040204020203" pitchFamily="34" charset="0"/>
+                <a:ea typeface="Segoe UI Symbol" panose="020B0502040204020203" pitchFamily="34" charset="0"/>
+              </a:rPr>
+              <a:t>Tucson, AZ 21803</a:t>
+            </a:r>
+          </a:p>
+        </p:txBody>
+      </p:sp>
+      <p:sp>
+        <p:nvSpPr>
+          <p:cNvPr id="10" name="TextBox 9">
+            <a:extLst>
+              <a:ext uri="{FF2B5EF4-FFF2-40B4-BE49-F238E27FC236}">
+                <a16:creationId xmlns:a16="http://schemas.microsoft.com/office/drawing/2014/main" id="{F79EBA0D-C44C-49D7-9317-CB35C2AFA297}"/>
+              </a:ext>
+            </a:extLst>
+          </p:cNvPr>
+          <p:cNvSpPr txBox="1"/>
+          <p:nvPr/>
+        </p:nvSpPr>
+        <p:spPr>
+          <a:xfrm>
+            <a:off x="6859816" y="1116805"/>
+            <a:ext cx="2402540" cy="307777"/>
+          </a:xfrm>
+          <a:prstGeom prst="rect">
+            <a:avLst/>
+          </a:prstGeom>
+          <a:noFill/>
+        </p:spPr>
+        <p:txBody>
+          <a:bodyPr wrap="square" rtlCol="0">
+            <a:spAutoFit/>
+          </a:bodyPr>
+          <a:lstStyle/>
+          <a:p>
+            <a:pPr algn="ctr"/>
+            <a:r>
+              <a:rPr lang="en-US" sz="1400" i="1" dirty="0">
+                <a:solidFill>
+                  <a:schemeClr val="bg2">
+                    <a:lumMod val="50000"/>
+                  </a:schemeClr>
+                </a:solidFill>
+                <a:latin typeface="Segoe UI Symbol" panose="020B0502040204020203" pitchFamily="34" charset="0"/>
+                <a:ea typeface="Segoe UI Symbol" panose="020B0502040204020203" pitchFamily="34" charset="0"/>
+              </a:rPr>
+              <a:t>240,000.00</a:t>
+            </a:r>
+          </a:p>
+        </p:txBody>
+      </p:sp>
+      <p:sp>
+        <p:nvSpPr>
+          <p:cNvPr id="12" name="TextBox 11">
+            <a:extLst>
+              <a:ext uri="{FF2B5EF4-FFF2-40B4-BE49-F238E27FC236}">
+                <a16:creationId xmlns:a16="http://schemas.microsoft.com/office/drawing/2014/main" id="{3F874CD0-4C5C-453B-A9A1-A9AD75C243C6}"/>
+              </a:ext>
+            </a:extLst>
+          </p:cNvPr>
+          <p:cNvSpPr txBox="1"/>
+          <p:nvPr/>
+        </p:nvSpPr>
+        <p:spPr>
+          <a:xfrm>
+            <a:off x="6859816" y="1504605"/>
+            <a:ext cx="2402540" cy="307777"/>
+          </a:xfrm>
+          <a:prstGeom prst="rect">
+            <a:avLst/>
+          </a:prstGeom>
+          <a:noFill/>
+        </p:spPr>
+        <p:txBody>
+          <a:bodyPr wrap="square" rtlCol="0">
+            <a:spAutoFit/>
+          </a:bodyPr>
+          <a:lstStyle/>
+          <a:p>
+            <a:pPr algn="ctr"/>
+            <a:r>
+              <a:rPr lang="en-US" sz="1400" i="1" dirty="0">
+                <a:solidFill>
+                  <a:schemeClr val="bg2">
+                    <a:lumMod val="50000"/>
+                  </a:schemeClr>
+                </a:solidFill>
+                <a:latin typeface="Segoe UI Symbol" panose="020B0502040204020203" pitchFamily="34" charset="0"/>
+                <a:ea typeface="Segoe UI Symbol" panose="020B0502040204020203" pitchFamily="34" charset="0"/>
+              </a:rPr>
+              <a:t>6372.00</a:t>
+            </a:r>
+          </a:p>
+        </p:txBody>
+      </p:sp>
+      <p:sp>
+        <p:nvSpPr>
+          <p:cNvPr id="14" name="TextBox 13">
+            <a:extLst>
+              <a:ext uri="{FF2B5EF4-FFF2-40B4-BE49-F238E27FC236}">
+                <a16:creationId xmlns:a16="http://schemas.microsoft.com/office/drawing/2014/main" id="{CB038BE3-DADB-457E-9650-EA3716BD0204}"/>
+              </a:ext>
+            </a:extLst>
+          </p:cNvPr>
+          <p:cNvSpPr txBox="1"/>
+          <p:nvPr/>
+        </p:nvSpPr>
+        <p:spPr>
+          <a:xfrm>
+            <a:off x="6859816" y="1892405"/>
+            <a:ext cx="2402540" cy="307777"/>
+          </a:xfrm>
+          <a:prstGeom prst="rect">
+            <a:avLst/>
+          </a:prstGeom>
+          <a:noFill/>
+        </p:spPr>
+        <p:txBody>
+          <a:bodyPr wrap="square" rtlCol="0">
+            <a:spAutoFit/>
+          </a:bodyPr>
+          <a:lstStyle/>
+          <a:p>
+            <a:pPr algn="ctr"/>
+            <a:r>
+              <a:rPr lang="en-US" sz="1400" i="1" dirty="0">
+                <a:solidFill>
+                  <a:schemeClr val="bg2">
+                    <a:lumMod val="50000"/>
+                  </a:schemeClr>
+                </a:solidFill>
+                <a:latin typeface="Segoe UI Symbol" panose="020B0502040204020203" pitchFamily="34" charset="0"/>
+                <a:ea typeface="Segoe UI Symbol" panose="020B0502040204020203" pitchFamily="34" charset="0"/>
+              </a:rPr>
+              <a:t>7000.00</a:t>
+            </a:r>
+          </a:p>
+        </p:txBody>
+      </p:sp>
+      <p:sp>
+        <p:nvSpPr>
+          <p:cNvPr id="16" name="TextBox 15">
+            <a:extLst>
+              <a:ext uri="{FF2B5EF4-FFF2-40B4-BE49-F238E27FC236}">
+                <a16:creationId xmlns:a16="http://schemas.microsoft.com/office/drawing/2014/main" id="{5395F407-0797-40D4-9076-0BD9CF2D91C5}"/>
+              </a:ext>
+            </a:extLst>
+          </p:cNvPr>
+          <p:cNvSpPr txBox="1"/>
+          <p:nvPr/>
+        </p:nvSpPr>
+        <p:spPr>
+          <a:xfrm>
+            <a:off x="6859816" y="2299695"/>
+            <a:ext cx="2402540" cy="307777"/>
+          </a:xfrm>
+          <a:prstGeom prst="rect">
+            <a:avLst/>
+          </a:prstGeom>
+          <a:noFill/>
+        </p:spPr>
+        <p:txBody>
+          <a:bodyPr wrap="square" rtlCol="0">
+            <a:spAutoFit/>
+          </a:bodyPr>
+          <a:lstStyle/>
+          <a:p>
+            <a:pPr algn="ctr"/>
+            <a:r>
+              <a:rPr lang="en-US" sz="1400" i="1" dirty="0">
+                <a:solidFill>
+                  <a:schemeClr val="bg2">
+                    <a:lumMod val="50000"/>
+                  </a:schemeClr>
+                </a:solidFill>
+                <a:latin typeface="Segoe UI Symbol" panose="020B0502040204020203" pitchFamily="34" charset="0"/>
+                <a:ea typeface="Segoe UI Symbol" panose="020B0502040204020203" pitchFamily="34" charset="0"/>
+              </a:rPr>
+              <a:t>20000.00</a:t>
+            </a:r>
+          </a:p>
+        </p:txBody>
+      </p:sp>
+      <p:sp>
+        <p:nvSpPr>
+          <p:cNvPr id="18" name="TextBox 17">
+            <a:extLst>
+              <a:ext uri="{FF2B5EF4-FFF2-40B4-BE49-F238E27FC236}">
+                <a16:creationId xmlns:a16="http://schemas.microsoft.com/office/drawing/2014/main" id="{F9E6DB46-E591-4BBF-AD0F-C35EA9DBBA1D}"/>
+              </a:ext>
+            </a:extLst>
+          </p:cNvPr>
+          <p:cNvSpPr txBox="1"/>
+          <p:nvPr/>
+        </p:nvSpPr>
+        <p:spPr>
+          <a:xfrm>
+            <a:off x="8906955" y="1075109"/>
+            <a:ext cx="2402540" cy="307777"/>
+          </a:xfrm>
+          <a:prstGeom prst="rect">
+            <a:avLst/>
+          </a:prstGeom>
+          <a:noFill/>
+        </p:spPr>
+        <p:txBody>
+          <a:bodyPr wrap="square" rtlCol="0">
+            <a:spAutoFit/>
+          </a:bodyPr>
+          <a:lstStyle/>
+          <a:p>
+            <a:pPr algn="ctr"/>
+            <a:r>
+              <a:rPr lang="en-US" sz="1400" i="1" dirty="0">
+                <a:solidFill>
+                  <a:schemeClr val="bg2">
+                    <a:lumMod val="50000"/>
+                  </a:schemeClr>
+                </a:solidFill>
+                <a:latin typeface="Segoe UI Symbol" panose="020B0502040204020203" pitchFamily="34" charset="0"/>
+                <a:ea typeface="Segoe UI Symbol" panose="020B0502040204020203" pitchFamily="34" charset="0"/>
+              </a:rPr>
+              <a:t>$32,000.00</a:t>
+            </a:r>
+          </a:p>
+        </p:txBody>
+      </p:sp>
+      <p:sp>
+        <p:nvSpPr>
+          <p:cNvPr id="20" name="TextBox 19">
+            <a:extLst>
+              <a:ext uri="{FF2B5EF4-FFF2-40B4-BE49-F238E27FC236}">
+                <a16:creationId xmlns:a16="http://schemas.microsoft.com/office/drawing/2014/main" id="{E1F81191-D5B4-4A5F-9BAA-14979D36BBE0}"/>
+              </a:ext>
+            </a:extLst>
+          </p:cNvPr>
+          <p:cNvSpPr txBox="1"/>
+          <p:nvPr/>
+        </p:nvSpPr>
+        <p:spPr>
+          <a:xfrm>
+            <a:off x="8906955" y="1485115"/>
+            <a:ext cx="2402540" cy="307777"/>
+          </a:xfrm>
+          <a:prstGeom prst="rect">
+            <a:avLst/>
+          </a:prstGeom>
+          <a:noFill/>
+        </p:spPr>
+        <p:txBody>
+          <a:bodyPr wrap="square" rtlCol="0">
+            <a:spAutoFit/>
+          </a:bodyPr>
+          <a:lstStyle/>
+          <a:p>
+            <a:pPr algn="ctr"/>
+            <a:r>
+              <a:rPr lang="en-US" sz="1400" i="1" dirty="0">
+                <a:solidFill>
+                  <a:schemeClr val="bg2">
+                    <a:lumMod val="50000"/>
+                  </a:schemeClr>
+                </a:solidFill>
+                <a:latin typeface="Segoe UI Symbol" panose="020B0502040204020203" pitchFamily="34" charset="0"/>
+                <a:ea typeface="Segoe UI Symbol" panose="020B0502040204020203" pitchFamily="34" charset="0"/>
+              </a:rPr>
+              <a:t>21,000.32</a:t>
+            </a:r>
+          </a:p>
+        </p:txBody>
+      </p:sp>
+      <p:sp>
+        <p:nvSpPr>
+          <p:cNvPr id="22" name="TextBox 21">
+            <a:extLst>
+              <a:ext uri="{FF2B5EF4-FFF2-40B4-BE49-F238E27FC236}">
+                <a16:creationId xmlns:a16="http://schemas.microsoft.com/office/drawing/2014/main" id="{85678A3B-6FEA-4BA1-AD4C-D6BD42D35C12}"/>
+              </a:ext>
+            </a:extLst>
+          </p:cNvPr>
+          <p:cNvSpPr txBox="1"/>
+          <p:nvPr/>
+        </p:nvSpPr>
+        <p:spPr>
+          <a:xfrm>
+            <a:off x="8933963" y="1878372"/>
+            <a:ext cx="2402540" cy="307777"/>
+          </a:xfrm>
+          <a:prstGeom prst="rect">
+            <a:avLst/>
+          </a:prstGeom>
+          <a:noFill/>
+        </p:spPr>
+        <p:txBody>
+          <a:bodyPr wrap="square" rtlCol="0">
+            <a:spAutoFit/>
+          </a:bodyPr>
+          <a:lstStyle/>
+          <a:p>
+            <a:pPr algn="ctr"/>
+            <a:r>
+              <a:rPr lang="en-US" sz="1400" i="1" dirty="0">
+                <a:solidFill>
+                  <a:schemeClr val="bg2">
+                    <a:lumMod val="50000"/>
+                  </a:schemeClr>
+                </a:solidFill>
+                <a:latin typeface="Segoe UI Symbol" panose="020B0502040204020203" pitchFamily="34" charset="0"/>
+                <a:ea typeface="Segoe UI Symbol" panose="020B0502040204020203" pitchFamily="34" charset="0"/>
+              </a:rPr>
+              <a:t>54,929.30</a:t>
+            </a:r>
+          </a:p>
+        </p:txBody>
+      </p:sp>
+      <p:sp>
+        <p:nvSpPr>
+          <p:cNvPr id="24" name="TextBox 23">
+            <a:extLst>
+              <a:ext uri="{FF2B5EF4-FFF2-40B4-BE49-F238E27FC236}">
+                <a16:creationId xmlns:a16="http://schemas.microsoft.com/office/drawing/2014/main" id="{864DB11A-B608-4EE1-BCD1-5BDABC5CCEF9}"/>
+              </a:ext>
+            </a:extLst>
+          </p:cNvPr>
+          <p:cNvSpPr txBox="1"/>
+          <p:nvPr/>
+        </p:nvSpPr>
+        <p:spPr>
+          <a:xfrm>
+            <a:off x="8933963" y="2280205"/>
+            <a:ext cx="2402540" cy="307777"/>
+          </a:xfrm>
+          <a:prstGeom prst="rect">
+            <a:avLst/>
+          </a:prstGeom>
+          <a:noFill/>
+        </p:spPr>
+        <p:txBody>
+          <a:bodyPr wrap="square" rtlCol="0">
+            <a:spAutoFit/>
+          </a:bodyPr>
+          <a:lstStyle/>
+          <a:p>
+            <a:pPr algn="ctr"/>
+            <a:r>
+              <a:rPr lang="en-US" sz="1400" i="1" dirty="0">
+                <a:solidFill>
+                  <a:schemeClr val="bg2">
+                    <a:lumMod val="50000"/>
+                  </a:schemeClr>
+                </a:solidFill>
+                <a:latin typeface="Segoe UI Symbol" panose="020B0502040204020203" pitchFamily="34" charset="0"/>
+                <a:ea typeface="Segoe UI Symbol" panose="020B0502040204020203" pitchFamily="34" charset="0"/>
+              </a:rPr>
+              <a:t>0.00</a:t>
+            </a:r>
+          </a:p>
+        </p:txBody>
+      </p:sp>
+      <p:sp>
+        <p:nvSpPr>
+          <p:cNvPr id="26" name="TextBox 25">
+            <a:extLst>
+              <a:ext uri="{FF2B5EF4-FFF2-40B4-BE49-F238E27FC236}">
+                <a16:creationId xmlns:a16="http://schemas.microsoft.com/office/drawing/2014/main" id="{A6D81E13-75AC-4180-B28F-45B8EBDB4723}"/>
+              </a:ext>
+            </a:extLst>
+          </p:cNvPr>
+          <p:cNvSpPr txBox="1"/>
+          <p:nvPr/>
+        </p:nvSpPr>
+        <p:spPr>
+          <a:xfrm>
+            <a:off x="6963988" y="3521333"/>
+            <a:ext cx="206188" cy="369332"/>
+          </a:xfrm>
+          <a:prstGeom prst="rect">
+            <a:avLst/>
+          </a:prstGeom>
+          <a:noFill/>
+        </p:spPr>
+        <p:txBody>
+          <a:bodyPr wrap="square" rtlCol="0">
+            <a:spAutoFit/>
+          </a:bodyPr>
+          <a:lstStyle/>
+          <a:p>
+            <a:r>
+              <a:rPr lang="en-US" dirty="0"/>
+              <a:t>X</a:t>
+            </a:r>
+          </a:p>
+        </p:txBody>
+      </p:sp>
+    </p:spTree>
+    <p:extLst>
+      <p:ext uri="{BB962C8B-B14F-4D97-AF65-F5344CB8AC3E}">
+        <p14:creationId xmlns:p14="http://schemas.microsoft.com/office/powerpoint/2010/main" val="2270194518"/>
+      </p:ext>
+    </p:extLst>
+  </p:cSld>
+  <p:clrMapOvr>
+    <a:masterClrMapping/>
+  </p:clrMapOvr>
+</p:sld>
+</file>
+
+<file path=ppt/slides/slide16.xml><?xml version="1.0" encoding="utf-8"?>
+<p:sld xmlns:a="http://schemas.openxmlformats.org/drawingml/2006/main" xmlns:r="http://schemas.openxmlformats.org/officeDocument/2006/relationships" xmlns:p="http://schemas.openxmlformats.org/presentationml/2006/main">
+  <p:cSld>
+    <p:spTree>
+      <p:nvGrpSpPr>
+        <p:cNvPr id="1" name=""/>
+        <p:cNvGrpSpPr/>
+        <p:nvPr/>
+      </p:nvGrpSpPr>
+      <p:grpSpPr>
+        <a:xfrm>
+          <a:off x="0" y="0"/>
+          <a:ext cx="0" cy="0"/>
+          <a:chOff x="0" y="0"/>
+          <a:chExt cx="0" cy="0"/>
+        </a:xfrm>
+      </p:grpSpPr>
+      <p:pic>
+        <p:nvPicPr>
+          <p:cNvPr id="1026" name="Picture 2">
+            <a:extLst>
+              <a:ext uri="{FF2B5EF4-FFF2-40B4-BE49-F238E27FC236}">
+                <a16:creationId xmlns:a16="http://schemas.microsoft.com/office/drawing/2014/main" id="{3A3689D3-9A82-1841-90F2-83E3051B7A47}"/>
+              </a:ext>
+            </a:extLst>
+          </p:cNvPr>
+          <p:cNvPicPr>
+            <a:picLocks noChangeAspect="1" noChangeArrowheads="1"/>
+          </p:cNvPicPr>
+          <p:nvPr/>
+        </p:nvPicPr>
+        <p:blipFill>
+          <a:blip r:embed="rId2">
+            <a:extLst>
+              <a:ext uri="{28A0092B-C50C-407E-A947-70E740481C1C}">
+                <a14:useLocalDpi xmlns:a14="http://schemas.microsoft.com/office/drawing/2010/main" val="0"/>
+              </a:ext>
+            </a:extLst>
+          </a:blip>
+          <a:srcRect/>
+          <a:stretch>
+            <a:fillRect/>
+          </a:stretch>
+        </p:blipFill>
+        <p:spPr bwMode="auto">
+          <a:xfrm>
+            <a:off x="1057440" y="0"/>
+            <a:ext cx="10279063" cy="6858000"/>
+          </a:xfrm>
+          <a:prstGeom prst="rect">
+            <a:avLst/>
+          </a:prstGeom>
+          <a:noFill/>
+          <a:extLst>
+            <a:ext uri="{909E8E84-426E-40DD-AFC4-6F175D3DCCD1}">
+              <a14:hiddenFill xmlns:a14="http://schemas.microsoft.com/office/drawing/2010/main">
+                <a:solidFill>
+                  <a:srgbClr val="FFFFFF"/>
+                </a:solidFill>
+              </a14:hiddenFill>
+            </a:ext>
+          </a:extLst>
+        </p:spPr>
+      </p:pic>
+      <p:sp>
+        <p:nvSpPr>
+          <p:cNvPr id="2" name="TextBox 1">
+            <a:extLst>
+              <a:ext uri="{FF2B5EF4-FFF2-40B4-BE49-F238E27FC236}">
+                <a16:creationId xmlns:a16="http://schemas.microsoft.com/office/drawing/2014/main" id="{4026AC19-CC83-4F2B-9389-6E68799D69EB}"/>
+              </a:ext>
+            </a:extLst>
+          </p:cNvPr>
+          <p:cNvSpPr txBox="1"/>
+          <p:nvPr/>
+        </p:nvSpPr>
+        <p:spPr>
+          <a:xfrm>
+            <a:off x="3459924" y="657405"/>
+            <a:ext cx="2402540" cy="338554"/>
+          </a:xfrm>
+          <a:prstGeom prst="rect">
+            <a:avLst/>
+          </a:prstGeom>
+          <a:noFill/>
+        </p:spPr>
+        <p:txBody>
+          <a:bodyPr wrap="square" rtlCol="0">
+            <a:spAutoFit/>
+          </a:bodyPr>
+          <a:lstStyle/>
+          <a:p>
+            <a:pPr algn="ctr"/>
+            <a:r>
+              <a:rPr lang="en-US" sz="1600" dirty="0">
+                <a:solidFill>
+                  <a:schemeClr val="accent1"/>
+                </a:solidFill>
+                <a:latin typeface="Helvetica" panose="020B0604020202020204" pitchFamily="34" charset="0"/>
+                <a:ea typeface="Segoe UI Symbol" panose="020B0502040204020203" pitchFamily="34" charset="0"/>
+                <a:cs typeface="Helvetica" panose="020B0604020202020204" pitchFamily="34" charset="0"/>
+              </a:rPr>
+              <a:t>544-09-1829</a:t>
+            </a:r>
+          </a:p>
+        </p:txBody>
+      </p:sp>
+      <p:sp>
+        <p:nvSpPr>
+          <p:cNvPr id="4" name="TextBox 3">
+            <a:extLst>
+              <a:ext uri="{FF2B5EF4-FFF2-40B4-BE49-F238E27FC236}">
+                <a16:creationId xmlns:a16="http://schemas.microsoft.com/office/drawing/2014/main" id="{99E8954C-D50E-4AA1-83F8-D64D91BD0974}"/>
+              </a:ext>
+            </a:extLst>
+          </p:cNvPr>
+          <p:cNvSpPr txBox="1"/>
+          <p:nvPr/>
+        </p:nvSpPr>
+        <p:spPr>
+          <a:xfrm>
+            <a:off x="4457276" y="1031498"/>
+            <a:ext cx="2402540" cy="338554"/>
+          </a:xfrm>
+          <a:prstGeom prst="rect">
+            <a:avLst/>
+          </a:prstGeom>
+          <a:noFill/>
+        </p:spPr>
+        <p:txBody>
+          <a:bodyPr wrap="square" rtlCol="0">
+            <a:spAutoFit/>
+          </a:bodyPr>
+          <a:lstStyle/>
+          <a:p>
+            <a:pPr algn="ctr"/>
+            <a:r>
+              <a:rPr lang="en-US" sz="1600" dirty="0">
+                <a:solidFill>
+                  <a:schemeClr val="accent1"/>
+                </a:solidFill>
+                <a:latin typeface="Helvetica" panose="020B0604020202020204" pitchFamily="34" charset="0"/>
+                <a:ea typeface="Segoe UI Symbol" panose="020B0502040204020203" pitchFamily="34" charset="0"/>
+                <a:cs typeface="Helvetica" panose="020B0604020202020204" pitchFamily="34" charset="0"/>
+              </a:rPr>
+              <a:t>909-777-283912</a:t>
+            </a:r>
+          </a:p>
+        </p:txBody>
+      </p:sp>
+      <p:sp>
+        <p:nvSpPr>
+          <p:cNvPr id="6" name="TextBox 5">
+            <a:extLst>
+              <a:ext uri="{FF2B5EF4-FFF2-40B4-BE49-F238E27FC236}">
+                <a16:creationId xmlns:a16="http://schemas.microsoft.com/office/drawing/2014/main" id="{8BD9CE7E-4B05-4A05-AB9D-818E596FCB09}"/>
+              </a:ext>
+            </a:extLst>
+          </p:cNvPr>
+          <p:cNvSpPr txBox="1"/>
+          <p:nvPr/>
+        </p:nvSpPr>
+        <p:spPr>
+          <a:xfrm>
+            <a:off x="2355678" y="1673067"/>
+            <a:ext cx="2402540" cy="830997"/>
+          </a:xfrm>
+          <a:prstGeom prst="rect">
+            <a:avLst/>
+          </a:prstGeom>
+          <a:noFill/>
+        </p:spPr>
+        <p:txBody>
+          <a:bodyPr wrap="square" rtlCol="0">
+            <a:spAutoFit/>
+          </a:bodyPr>
+          <a:lstStyle/>
+          <a:p>
+            <a:pPr algn="ctr"/>
+            <a:r>
+              <a:rPr lang="en-US" sz="1600" dirty="0" err="1">
+                <a:solidFill>
+                  <a:schemeClr val="accent1"/>
+                </a:solidFill>
+                <a:latin typeface="Helvetica" panose="020B0604020202020204" pitchFamily="34" charset="0"/>
+                <a:ea typeface="Segoe UI Symbol" panose="020B0502040204020203" pitchFamily="34" charset="0"/>
+                <a:cs typeface="Helvetica" panose="020B0604020202020204" pitchFamily="34" charset="0"/>
+              </a:rPr>
+              <a:t>Jermy</a:t>
+            </a:r>
+            <a:r>
+              <a:rPr lang="en-US" sz="1600" dirty="0">
+                <a:solidFill>
+                  <a:schemeClr val="accent1"/>
+                </a:solidFill>
+                <a:latin typeface="Helvetica" panose="020B0604020202020204" pitchFamily="34" charset="0"/>
+                <a:ea typeface="Segoe UI Symbol" panose="020B0502040204020203" pitchFamily="34" charset="0"/>
+                <a:cs typeface="Helvetica" panose="020B0604020202020204" pitchFamily="34" charset="0"/>
+              </a:rPr>
+              <a:t> Corporation</a:t>
+            </a:r>
+          </a:p>
+          <a:p>
+            <a:pPr algn="ctr"/>
+            <a:r>
+              <a:rPr lang="en-US" sz="1600" dirty="0" err="1">
+                <a:solidFill>
+                  <a:schemeClr val="accent1"/>
+                </a:solidFill>
+                <a:latin typeface="Helvetica" panose="020B0604020202020204" pitchFamily="34" charset="0"/>
+                <a:ea typeface="Segoe UI Symbol" panose="020B0502040204020203" pitchFamily="34" charset="0"/>
+                <a:cs typeface="Helvetica" panose="020B0604020202020204" pitchFamily="34" charset="0"/>
+              </a:rPr>
+              <a:t>Moz</a:t>
+            </a:r>
+            <a:r>
+              <a:rPr lang="en-US" sz="1600" dirty="0">
+                <a:solidFill>
+                  <a:schemeClr val="accent1"/>
+                </a:solidFill>
+                <a:latin typeface="Helvetica" panose="020B0604020202020204" pitchFamily="34" charset="0"/>
+                <a:ea typeface="Segoe UI Symbol" panose="020B0502040204020203" pitchFamily="34" charset="0"/>
+                <a:cs typeface="Helvetica" panose="020B0604020202020204" pitchFamily="34" charset="0"/>
+              </a:rPr>
+              <a:t> Lane Suite 828 J</a:t>
+            </a:r>
+          </a:p>
+          <a:p>
+            <a:pPr algn="ctr"/>
+            <a:r>
+              <a:rPr lang="en-US" sz="1600" dirty="0">
+                <a:solidFill>
+                  <a:schemeClr val="accent1"/>
+                </a:solidFill>
+                <a:latin typeface="Helvetica" panose="020B0604020202020204" pitchFamily="34" charset="0"/>
+                <a:ea typeface="Segoe UI Symbol" panose="020B0502040204020203" pitchFamily="34" charset="0"/>
+                <a:cs typeface="Helvetica" panose="020B0604020202020204" pitchFamily="34" charset="0"/>
+              </a:rPr>
+              <a:t>Flagstaff, AR 92012</a:t>
+            </a:r>
+          </a:p>
+        </p:txBody>
+      </p:sp>
+      <p:sp>
+        <p:nvSpPr>
+          <p:cNvPr id="8" name="TextBox 7">
+            <a:extLst>
+              <a:ext uri="{FF2B5EF4-FFF2-40B4-BE49-F238E27FC236}">
+                <a16:creationId xmlns:a16="http://schemas.microsoft.com/office/drawing/2014/main" id="{572D47DA-E270-4D33-9346-3BF31A3E132B}"/>
+              </a:ext>
+            </a:extLst>
+          </p:cNvPr>
+          <p:cNvSpPr txBox="1"/>
+          <p:nvPr/>
+        </p:nvSpPr>
+        <p:spPr>
+          <a:xfrm>
+            <a:off x="1436284" y="3769162"/>
+            <a:ext cx="2402540" cy="1077218"/>
+          </a:xfrm>
+          <a:prstGeom prst="rect">
+            <a:avLst/>
+          </a:prstGeom>
+          <a:noFill/>
+        </p:spPr>
+        <p:txBody>
+          <a:bodyPr wrap="square" rtlCol="0">
+            <a:spAutoFit/>
+          </a:bodyPr>
+          <a:lstStyle/>
+          <a:p>
+            <a:pPr algn="ctr"/>
+            <a:r>
+              <a:rPr lang="en-US" sz="1600" dirty="0">
+                <a:solidFill>
+                  <a:schemeClr val="accent1"/>
+                </a:solidFill>
+                <a:latin typeface="Helvetica" panose="020B0604020202020204" pitchFamily="34" charset="0"/>
+                <a:ea typeface="Segoe UI Symbol" panose="020B0502040204020203" pitchFamily="34" charset="0"/>
+                <a:cs typeface="Helvetica" panose="020B0604020202020204" pitchFamily="34" charset="0"/>
+              </a:rPr>
+              <a:t>Mat </a:t>
+            </a:r>
+            <a:r>
+              <a:rPr lang="en-US" sz="1600" dirty="0" err="1">
+                <a:solidFill>
+                  <a:schemeClr val="accent1"/>
+                </a:solidFill>
+                <a:latin typeface="Helvetica" panose="020B0604020202020204" pitchFamily="34" charset="0"/>
+                <a:ea typeface="Segoe UI Symbol" panose="020B0502040204020203" pitchFamily="34" charset="0"/>
+                <a:cs typeface="Helvetica" panose="020B0604020202020204" pitchFamily="34" charset="0"/>
+              </a:rPr>
+              <a:t>Leut</a:t>
+            </a:r>
+            <a:endParaRPr lang="en-US" sz="1600" dirty="0">
+              <a:solidFill>
+                <a:schemeClr val="accent1"/>
+              </a:solidFill>
+              <a:latin typeface="Helvetica" panose="020B0604020202020204" pitchFamily="34" charset="0"/>
+              <a:ea typeface="Segoe UI Symbol" panose="020B0502040204020203" pitchFamily="34" charset="0"/>
+              <a:cs typeface="Helvetica" panose="020B0604020202020204" pitchFamily="34" charset="0"/>
+            </a:endParaRPr>
+          </a:p>
+          <a:p>
+            <a:pPr algn="ctr"/>
+            <a:r>
+              <a:rPr lang="en-US" sz="1600" dirty="0">
+                <a:solidFill>
+                  <a:schemeClr val="accent1"/>
+                </a:solidFill>
+                <a:latin typeface="Helvetica" panose="020B0604020202020204" pitchFamily="34" charset="0"/>
+                <a:ea typeface="Segoe UI Symbol" panose="020B0502040204020203" pitchFamily="34" charset="0"/>
+                <a:cs typeface="Helvetica" panose="020B0604020202020204" pitchFamily="34" charset="0"/>
+              </a:rPr>
+              <a:t>242 Platinum Court</a:t>
+            </a:r>
+          </a:p>
+          <a:p>
+            <a:pPr algn="ctr"/>
+            <a:r>
+              <a:rPr lang="en-US" sz="1600" dirty="0">
+                <a:solidFill>
+                  <a:schemeClr val="accent1"/>
+                </a:solidFill>
+                <a:latin typeface="Helvetica" panose="020B0604020202020204" pitchFamily="34" charset="0"/>
+                <a:ea typeface="Segoe UI Symbol" panose="020B0502040204020203" pitchFamily="34" charset="0"/>
+                <a:cs typeface="Helvetica" panose="020B0604020202020204" pitchFamily="34" charset="0"/>
+              </a:rPr>
+              <a:t>Mesa, AL 82667</a:t>
+            </a:r>
+          </a:p>
+          <a:p>
+            <a:pPr algn="ctr"/>
+            <a:endParaRPr lang="en-US" sz="1600" dirty="0">
+              <a:solidFill>
+                <a:schemeClr val="accent1"/>
+              </a:solidFill>
+              <a:latin typeface="Helvetica" panose="020B0604020202020204" pitchFamily="34" charset="0"/>
+              <a:ea typeface="Segoe UI Symbol" panose="020B0502040204020203" pitchFamily="34" charset="0"/>
+              <a:cs typeface="Helvetica" panose="020B0604020202020204" pitchFamily="34" charset="0"/>
+            </a:endParaRPr>
+          </a:p>
+        </p:txBody>
+      </p:sp>
+      <p:sp>
+        <p:nvSpPr>
+          <p:cNvPr id="10" name="TextBox 9">
+            <a:extLst>
+              <a:ext uri="{FF2B5EF4-FFF2-40B4-BE49-F238E27FC236}">
+                <a16:creationId xmlns:a16="http://schemas.microsoft.com/office/drawing/2014/main" id="{F79EBA0D-C44C-49D7-9317-CB35C2AFA297}"/>
+              </a:ext>
+            </a:extLst>
+          </p:cNvPr>
+          <p:cNvSpPr txBox="1"/>
+          <p:nvPr/>
+        </p:nvSpPr>
+        <p:spPr>
+          <a:xfrm>
+            <a:off x="6137056" y="1080744"/>
+            <a:ext cx="2402540" cy="338554"/>
+          </a:xfrm>
+          <a:prstGeom prst="rect">
+            <a:avLst/>
+          </a:prstGeom>
+          <a:noFill/>
+        </p:spPr>
+        <p:txBody>
+          <a:bodyPr wrap="square" rtlCol="0">
+            <a:spAutoFit/>
+          </a:bodyPr>
+          <a:lstStyle/>
+          <a:p>
+            <a:pPr algn="ctr"/>
+            <a:r>
+              <a:rPr lang="en-US" sz="1600" dirty="0">
+                <a:solidFill>
+                  <a:schemeClr val="accent1"/>
+                </a:solidFill>
+                <a:latin typeface="Helvetica" panose="020B0604020202020204" pitchFamily="34" charset="0"/>
+                <a:ea typeface="Segoe UI Symbol" panose="020B0502040204020203" pitchFamily="34" charset="0"/>
+                <a:cs typeface="Helvetica" panose="020B0604020202020204" pitchFamily="34" charset="0"/>
+              </a:rPr>
+              <a:t>542900</a:t>
+            </a:r>
+          </a:p>
+        </p:txBody>
+      </p:sp>
+      <p:sp>
+        <p:nvSpPr>
+          <p:cNvPr id="12" name="TextBox 11">
+            <a:extLst>
+              <a:ext uri="{FF2B5EF4-FFF2-40B4-BE49-F238E27FC236}">
+                <a16:creationId xmlns:a16="http://schemas.microsoft.com/office/drawing/2014/main" id="{3F874CD0-4C5C-453B-A9A1-A9AD75C243C6}"/>
+              </a:ext>
+            </a:extLst>
+          </p:cNvPr>
+          <p:cNvSpPr txBox="1"/>
+          <p:nvPr/>
+        </p:nvSpPr>
+        <p:spPr>
+          <a:xfrm>
+            <a:off x="6859816" y="1504605"/>
+            <a:ext cx="2402540" cy="338554"/>
+          </a:xfrm>
+          <a:prstGeom prst="rect">
+            <a:avLst/>
+          </a:prstGeom>
+          <a:noFill/>
+        </p:spPr>
+        <p:txBody>
+          <a:bodyPr wrap="square" rtlCol="0">
+            <a:spAutoFit/>
+          </a:bodyPr>
+          <a:lstStyle/>
+          <a:p>
+            <a:pPr algn="ctr"/>
+            <a:r>
+              <a:rPr lang="en-US" sz="1600" dirty="0">
+                <a:solidFill>
+                  <a:schemeClr val="accent1"/>
+                </a:solidFill>
+                <a:latin typeface="Helvetica" panose="020B0604020202020204" pitchFamily="34" charset="0"/>
+                <a:ea typeface="Segoe UI Symbol" panose="020B0502040204020203" pitchFamily="34" charset="0"/>
+                <a:cs typeface="Helvetica" panose="020B0604020202020204" pitchFamily="34" charset="0"/>
+              </a:rPr>
+              <a:t>3910</a:t>
+            </a:r>
+          </a:p>
+        </p:txBody>
+      </p:sp>
+      <p:sp>
+        <p:nvSpPr>
+          <p:cNvPr id="14" name="TextBox 13">
+            <a:extLst>
+              <a:ext uri="{FF2B5EF4-FFF2-40B4-BE49-F238E27FC236}">
+                <a16:creationId xmlns:a16="http://schemas.microsoft.com/office/drawing/2014/main" id="{CB038BE3-DADB-457E-9650-EA3716BD0204}"/>
+              </a:ext>
+            </a:extLst>
+          </p:cNvPr>
+          <p:cNvSpPr txBox="1"/>
+          <p:nvPr/>
+        </p:nvSpPr>
+        <p:spPr>
+          <a:xfrm>
+            <a:off x="6196971" y="1892405"/>
+            <a:ext cx="2402540" cy="338554"/>
+          </a:xfrm>
+          <a:prstGeom prst="rect">
+            <a:avLst/>
+          </a:prstGeom>
+          <a:noFill/>
+        </p:spPr>
+        <p:txBody>
+          <a:bodyPr wrap="square" rtlCol="0">
+            <a:spAutoFit/>
+          </a:bodyPr>
+          <a:lstStyle/>
+          <a:p>
+            <a:pPr algn="ctr"/>
+            <a:r>
+              <a:rPr lang="en-US" sz="1600" dirty="0">
+                <a:solidFill>
+                  <a:schemeClr val="accent1"/>
+                </a:solidFill>
+                <a:latin typeface="Helvetica" panose="020B0604020202020204" pitchFamily="34" charset="0"/>
+                <a:ea typeface="Segoe UI Symbol" panose="020B0502040204020203" pitchFamily="34" charset="0"/>
+                <a:cs typeface="Helvetica" panose="020B0604020202020204" pitchFamily="34" charset="0"/>
+              </a:rPr>
+              <a:t>5391</a:t>
+            </a:r>
+          </a:p>
+        </p:txBody>
+      </p:sp>
+      <p:sp>
+        <p:nvSpPr>
+          <p:cNvPr id="16" name="TextBox 15">
+            <a:extLst>
+              <a:ext uri="{FF2B5EF4-FFF2-40B4-BE49-F238E27FC236}">
+                <a16:creationId xmlns:a16="http://schemas.microsoft.com/office/drawing/2014/main" id="{5395F407-0797-40D4-9076-0BD9CF2D91C5}"/>
+              </a:ext>
+            </a:extLst>
+          </p:cNvPr>
+          <p:cNvSpPr txBox="1"/>
+          <p:nvPr/>
+        </p:nvSpPr>
+        <p:spPr>
+          <a:xfrm>
+            <a:off x="6859816" y="2299695"/>
+            <a:ext cx="2402540" cy="338554"/>
+          </a:xfrm>
+          <a:prstGeom prst="rect">
+            <a:avLst/>
+          </a:prstGeom>
+          <a:noFill/>
+        </p:spPr>
+        <p:txBody>
+          <a:bodyPr wrap="square" rtlCol="0">
+            <a:spAutoFit/>
+          </a:bodyPr>
+          <a:lstStyle/>
+          <a:p>
+            <a:pPr algn="ctr"/>
+            <a:r>
+              <a:rPr lang="en-US" sz="1600" dirty="0">
+                <a:solidFill>
+                  <a:schemeClr val="accent1"/>
+                </a:solidFill>
+                <a:latin typeface="Helvetica" panose="020B0604020202020204" pitchFamily="34" charset="0"/>
+                <a:ea typeface="Segoe UI Symbol" panose="020B0502040204020203" pitchFamily="34" charset="0"/>
+                <a:cs typeface="Helvetica" panose="020B0604020202020204" pitchFamily="34" charset="0"/>
+              </a:rPr>
+              <a:t>89200</a:t>
+            </a:r>
+          </a:p>
+        </p:txBody>
+      </p:sp>
+      <p:sp>
+        <p:nvSpPr>
+          <p:cNvPr id="18" name="TextBox 17">
+            <a:extLst>
+              <a:ext uri="{FF2B5EF4-FFF2-40B4-BE49-F238E27FC236}">
+                <a16:creationId xmlns:a16="http://schemas.microsoft.com/office/drawing/2014/main" id="{F9E6DB46-E591-4BBF-AD0F-C35EA9DBBA1D}"/>
+              </a:ext>
+            </a:extLst>
+          </p:cNvPr>
+          <p:cNvSpPr txBox="1"/>
+          <p:nvPr/>
+        </p:nvSpPr>
+        <p:spPr>
+          <a:xfrm>
+            <a:off x="8906955" y="1075109"/>
+            <a:ext cx="2402540" cy="338554"/>
+          </a:xfrm>
+          <a:prstGeom prst="rect">
+            <a:avLst/>
+          </a:prstGeom>
+          <a:noFill/>
+        </p:spPr>
+        <p:txBody>
+          <a:bodyPr wrap="square" rtlCol="0">
+            <a:spAutoFit/>
+          </a:bodyPr>
+          <a:lstStyle/>
+          <a:p>
+            <a:pPr algn="ctr"/>
+            <a:r>
+              <a:rPr lang="en-US" sz="1600" dirty="0">
+                <a:solidFill>
+                  <a:schemeClr val="accent1"/>
+                </a:solidFill>
+                <a:latin typeface="Helvetica" panose="020B0604020202020204" pitchFamily="34" charset="0"/>
+                <a:ea typeface="Segoe UI Symbol" panose="020B0502040204020203" pitchFamily="34" charset="0"/>
+                <a:cs typeface="Helvetica" panose="020B0604020202020204" pitchFamily="34" charset="0"/>
+              </a:rPr>
+              <a:t>$230000</a:t>
+            </a:r>
+          </a:p>
+        </p:txBody>
+      </p:sp>
+      <p:sp>
+        <p:nvSpPr>
+          <p:cNvPr id="20" name="TextBox 19">
+            <a:extLst>
+              <a:ext uri="{FF2B5EF4-FFF2-40B4-BE49-F238E27FC236}">
+                <a16:creationId xmlns:a16="http://schemas.microsoft.com/office/drawing/2014/main" id="{E1F81191-D5B4-4A5F-9BAA-14979D36BBE0}"/>
+              </a:ext>
+            </a:extLst>
+          </p:cNvPr>
+          <p:cNvSpPr txBox="1"/>
+          <p:nvPr/>
+        </p:nvSpPr>
+        <p:spPr>
+          <a:xfrm>
+            <a:off x="8328221" y="1496901"/>
+            <a:ext cx="2402540" cy="338554"/>
+          </a:xfrm>
+          <a:prstGeom prst="rect">
+            <a:avLst/>
+          </a:prstGeom>
+          <a:noFill/>
+        </p:spPr>
+        <p:txBody>
+          <a:bodyPr wrap="square" rtlCol="0">
+            <a:spAutoFit/>
+          </a:bodyPr>
+          <a:lstStyle/>
+          <a:p>
+            <a:pPr algn="ctr"/>
+            <a:r>
+              <a:rPr lang="en-US" sz="1600" dirty="0">
+                <a:solidFill>
+                  <a:schemeClr val="accent1"/>
+                </a:solidFill>
+                <a:latin typeface="Helvetica" panose="020B0604020202020204" pitchFamily="34" charset="0"/>
+                <a:ea typeface="Segoe UI Symbol" panose="020B0502040204020203" pitchFamily="34" charset="0"/>
+                <a:cs typeface="Helvetica" panose="020B0604020202020204" pitchFamily="34" charset="0"/>
+              </a:rPr>
+              <a:t>$21930</a:t>
+            </a:r>
+          </a:p>
+        </p:txBody>
+      </p:sp>
+      <p:sp>
+        <p:nvSpPr>
+          <p:cNvPr id="22" name="TextBox 21">
+            <a:extLst>
+              <a:ext uri="{FF2B5EF4-FFF2-40B4-BE49-F238E27FC236}">
+                <a16:creationId xmlns:a16="http://schemas.microsoft.com/office/drawing/2014/main" id="{85678A3B-6FEA-4BA1-AD4C-D6BD42D35C12}"/>
+              </a:ext>
+            </a:extLst>
+          </p:cNvPr>
+          <p:cNvSpPr txBox="1"/>
+          <p:nvPr/>
+        </p:nvSpPr>
+        <p:spPr>
+          <a:xfrm>
+            <a:off x="8933963" y="1878372"/>
+            <a:ext cx="2402540" cy="338554"/>
+          </a:xfrm>
+          <a:prstGeom prst="rect">
+            <a:avLst/>
+          </a:prstGeom>
+          <a:noFill/>
+        </p:spPr>
+        <p:txBody>
+          <a:bodyPr wrap="square" rtlCol="0">
+            <a:spAutoFit/>
+          </a:bodyPr>
+          <a:lstStyle/>
+          <a:p>
+            <a:pPr algn="ctr"/>
+            <a:r>
+              <a:rPr lang="en-US" sz="1600" dirty="0">
+                <a:solidFill>
+                  <a:schemeClr val="accent1"/>
+                </a:solidFill>
+                <a:latin typeface="Helvetica" panose="020B0604020202020204" pitchFamily="34" charset="0"/>
+                <a:ea typeface="Segoe UI Symbol" panose="020B0502040204020203" pitchFamily="34" charset="0"/>
+                <a:cs typeface="Helvetica" panose="020B0604020202020204" pitchFamily="34" charset="0"/>
+              </a:rPr>
+              <a:t>92322</a:t>
+            </a:r>
+          </a:p>
+        </p:txBody>
+      </p:sp>
+      <p:sp>
+        <p:nvSpPr>
+          <p:cNvPr id="24" name="TextBox 23">
+            <a:extLst>
+              <a:ext uri="{FF2B5EF4-FFF2-40B4-BE49-F238E27FC236}">
+                <a16:creationId xmlns:a16="http://schemas.microsoft.com/office/drawing/2014/main" id="{864DB11A-B608-4EE1-BCD1-5BDABC5CCEF9}"/>
+              </a:ext>
+            </a:extLst>
+          </p:cNvPr>
+          <p:cNvSpPr txBox="1"/>
+          <p:nvPr/>
+        </p:nvSpPr>
+        <p:spPr>
+          <a:xfrm>
+            <a:off x="8328221" y="2280205"/>
+            <a:ext cx="2402540" cy="338554"/>
+          </a:xfrm>
+          <a:prstGeom prst="rect">
+            <a:avLst/>
+          </a:prstGeom>
+          <a:noFill/>
+        </p:spPr>
+        <p:txBody>
+          <a:bodyPr wrap="square" rtlCol="0">
+            <a:spAutoFit/>
+          </a:bodyPr>
+          <a:lstStyle/>
+          <a:p>
+            <a:pPr algn="ctr"/>
+            <a:r>
+              <a:rPr lang="en-US" sz="1600" dirty="0">
+                <a:solidFill>
+                  <a:schemeClr val="accent1"/>
+                </a:solidFill>
+                <a:latin typeface="Helvetica" panose="020B0604020202020204" pitchFamily="34" charset="0"/>
+                <a:ea typeface="Segoe UI Symbol" panose="020B0502040204020203" pitchFamily="34" charset="0"/>
+                <a:cs typeface="Helvetica" panose="020B0604020202020204" pitchFamily="34" charset="0"/>
+              </a:rPr>
+              <a:t>0</a:t>
+            </a:r>
+          </a:p>
+        </p:txBody>
+      </p:sp>
+      <p:sp>
+        <p:nvSpPr>
+          <p:cNvPr id="3" name="TextBox 2">
+            <a:extLst>
+              <a:ext uri="{FF2B5EF4-FFF2-40B4-BE49-F238E27FC236}">
+                <a16:creationId xmlns:a16="http://schemas.microsoft.com/office/drawing/2014/main" id="{E94295F2-1DCC-4093-A331-0F858EEBF66B}"/>
+              </a:ext>
+            </a:extLst>
+          </p:cNvPr>
+          <p:cNvSpPr txBox="1"/>
+          <p:nvPr/>
+        </p:nvSpPr>
+        <p:spPr>
+          <a:xfrm>
+            <a:off x="8122033" y="3521333"/>
+            <a:ext cx="206188" cy="369332"/>
+          </a:xfrm>
+          <a:prstGeom prst="rect">
+            <a:avLst/>
+          </a:prstGeom>
+          <a:noFill/>
+        </p:spPr>
+        <p:txBody>
+          <a:bodyPr wrap="square" rtlCol="0">
+            <a:spAutoFit/>
+          </a:bodyPr>
+          <a:lstStyle/>
+          <a:p>
+            <a:r>
+              <a:rPr lang="en-US" dirty="0"/>
+              <a:t>X</a:t>
+            </a:r>
+          </a:p>
+        </p:txBody>
+      </p:sp>
+    </p:spTree>
+    <p:extLst>
+      <p:ext uri="{BB962C8B-B14F-4D97-AF65-F5344CB8AC3E}">
+        <p14:creationId xmlns:p14="http://schemas.microsoft.com/office/powerpoint/2010/main" val="523180001"/>
+      </p:ext>
+    </p:extLst>
+  </p:cSld>
+  <p:clrMapOvr>
+    <a:masterClrMapping/>
+  </p:clrMapOvr>
+</p:sld>
+</file>
+
+<file path=ppt/slides/slide17.xml><?xml version="1.0" encoding="utf-8"?>
+<p:sld xmlns:a="http://schemas.openxmlformats.org/drawingml/2006/main" xmlns:r="http://schemas.openxmlformats.org/officeDocument/2006/relationships" xmlns:p="http://schemas.openxmlformats.org/presentationml/2006/main">
+  <p:cSld>
+    <p:spTree>
+      <p:nvGrpSpPr>
+        <p:cNvPr id="1" name=""/>
+        <p:cNvGrpSpPr/>
+        <p:nvPr/>
+      </p:nvGrpSpPr>
+      <p:grpSpPr>
+        <a:xfrm>
+          <a:off x="0" y="0"/>
+          <a:ext cx="0" cy="0"/>
+          <a:chOff x="0" y="0"/>
+          <a:chExt cx="0" cy="0"/>
+        </a:xfrm>
+      </p:grpSpPr>
+      <p:pic>
+        <p:nvPicPr>
+          <p:cNvPr id="1026" name="Picture 2">
+            <a:extLst>
+              <a:ext uri="{FF2B5EF4-FFF2-40B4-BE49-F238E27FC236}">
+                <a16:creationId xmlns:a16="http://schemas.microsoft.com/office/drawing/2014/main" id="{3A3689D3-9A82-1841-90F2-83E3051B7A47}"/>
+              </a:ext>
+            </a:extLst>
+          </p:cNvPr>
+          <p:cNvPicPr>
+            <a:picLocks noChangeAspect="1" noChangeArrowheads="1"/>
+          </p:cNvPicPr>
+          <p:nvPr/>
+        </p:nvPicPr>
+        <p:blipFill>
+          <a:blip r:embed="rId2">
+            <a:extLst>
+              <a:ext uri="{28A0092B-C50C-407E-A947-70E740481C1C}">
+                <a14:useLocalDpi xmlns:a14="http://schemas.microsoft.com/office/drawing/2010/main" val="0"/>
+              </a:ext>
+            </a:extLst>
+          </a:blip>
+          <a:srcRect/>
+          <a:stretch>
+            <a:fillRect/>
+          </a:stretch>
+        </p:blipFill>
+        <p:spPr bwMode="auto">
+          <a:xfrm>
+            <a:off x="1057440" y="0"/>
+            <a:ext cx="10279063" cy="6858000"/>
+          </a:xfrm>
+          <a:prstGeom prst="rect">
+            <a:avLst/>
+          </a:prstGeom>
+          <a:noFill/>
+          <a:extLst>
+            <a:ext uri="{909E8E84-426E-40DD-AFC4-6F175D3DCCD1}">
+              <a14:hiddenFill xmlns:a14="http://schemas.microsoft.com/office/drawing/2010/main">
+                <a:solidFill>
+                  <a:srgbClr val="FFFFFF"/>
+                </a:solidFill>
+              </a14:hiddenFill>
+            </a:ext>
+          </a:extLst>
+        </p:spPr>
+      </p:pic>
+      <p:sp>
+        <p:nvSpPr>
+          <p:cNvPr id="2" name="TextBox 1">
+            <a:extLst>
+              <a:ext uri="{FF2B5EF4-FFF2-40B4-BE49-F238E27FC236}">
+                <a16:creationId xmlns:a16="http://schemas.microsoft.com/office/drawing/2014/main" id="{4026AC19-CC83-4F2B-9389-6E68799D69EB}"/>
+              </a:ext>
+            </a:extLst>
+          </p:cNvPr>
+          <p:cNvSpPr txBox="1"/>
+          <p:nvPr/>
+        </p:nvSpPr>
+        <p:spPr>
+          <a:xfrm>
+            <a:off x="3954570" y="667257"/>
+            <a:ext cx="2402540" cy="338554"/>
+          </a:xfrm>
+          <a:prstGeom prst="rect">
+            <a:avLst/>
+          </a:prstGeom>
+          <a:noFill/>
+        </p:spPr>
+        <p:txBody>
+          <a:bodyPr wrap="square" rtlCol="0">
+            <a:spAutoFit/>
+          </a:bodyPr>
+          <a:lstStyle/>
+          <a:p>
+            <a:pPr algn="ctr"/>
+            <a:r>
+              <a:rPr lang="en-US" sz="1600" b="1" dirty="0">
+                <a:solidFill>
+                  <a:schemeClr val="bg2">
+                    <a:lumMod val="50000"/>
+                  </a:schemeClr>
+                </a:solidFill>
+                <a:latin typeface="Calisto MT" panose="02040603050505030304" pitchFamily="18" charset="0"/>
+                <a:ea typeface="Segoe UI Symbol" panose="020B0502040204020203" pitchFamily="34" charset="0"/>
+                <a:cs typeface="Helvetica" panose="020B0604020202020204" pitchFamily="34" charset="0"/>
+              </a:rPr>
+              <a:t>262-00-5441</a:t>
+            </a:r>
+          </a:p>
+        </p:txBody>
+      </p:sp>
+      <p:sp>
+        <p:nvSpPr>
+          <p:cNvPr id="4" name="TextBox 3">
+            <a:extLst>
+              <a:ext uri="{FF2B5EF4-FFF2-40B4-BE49-F238E27FC236}">
+                <a16:creationId xmlns:a16="http://schemas.microsoft.com/office/drawing/2014/main" id="{99E8954C-D50E-4AA1-83F8-D64D91BD0974}"/>
+              </a:ext>
+            </a:extLst>
+          </p:cNvPr>
+          <p:cNvSpPr txBox="1"/>
+          <p:nvPr/>
+        </p:nvSpPr>
+        <p:spPr>
+          <a:xfrm>
+            <a:off x="3550837" y="1019123"/>
+            <a:ext cx="2402540" cy="338554"/>
+          </a:xfrm>
+          <a:prstGeom prst="rect">
+            <a:avLst/>
+          </a:prstGeom>
+          <a:noFill/>
+        </p:spPr>
+        <p:txBody>
+          <a:bodyPr wrap="square" rtlCol="0">
+            <a:spAutoFit/>
+          </a:bodyPr>
+          <a:lstStyle/>
+          <a:p>
+            <a:pPr algn="ctr"/>
+            <a:r>
+              <a:rPr lang="en-US" sz="1600" b="1" dirty="0">
+                <a:solidFill>
+                  <a:schemeClr val="bg2">
+                    <a:lumMod val="50000"/>
+                  </a:schemeClr>
+                </a:solidFill>
+                <a:latin typeface="Calisto MT" panose="02040603050505030304" pitchFamily="18" charset="0"/>
+                <a:ea typeface="Segoe UI Symbol" panose="020B0502040204020203" pitchFamily="34" charset="0"/>
+                <a:cs typeface="Helvetica" panose="020B0604020202020204" pitchFamily="34" charset="0"/>
+              </a:rPr>
+              <a:t>729210-939201</a:t>
+            </a:r>
+          </a:p>
+        </p:txBody>
+      </p:sp>
+      <p:sp>
+        <p:nvSpPr>
+          <p:cNvPr id="6" name="TextBox 5">
+            <a:extLst>
+              <a:ext uri="{FF2B5EF4-FFF2-40B4-BE49-F238E27FC236}">
+                <a16:creationId xmlns:a16="http://schemas.microsoft.com/office/drawing/2014/main" id="{8BD9CE7E-4B05-4A05-AB9D-818E596FCB09}"/>
+              </a:ext>
+            </a:extLst>
+          </p:cNvPr>
+          <p:cNvSpPr txBox="1"/>
+          <p:nvPr/>
+        </p:nvSpPr>
+        <p:spPr>
+          <a:xfrm>
+            <a:off x="1885425" y="1749939"/>
+            <a:ext cx="2402540" cy="830997"/>
+          </a:xfrm>
+          <a:prstGeom prst="rect">
+            <a:avLst/>
+          </a:prstGeom>
+          <a:noFill/>
+        </p:spPr>
+        <p:txBody>
+          <a:bodyPr wrap="square" rtlCol="0">
+            <a:spAutoFit/>
+          </a:bodyPr>
+          <a:lstStyle/>
+          <a:p>
+            <a:pPr algn="ctr"/>
+            <a:r>
+              <a:rPr lang="en-US" sz="1600" b="1" dirty="0">
+                <a:solidFill>
+                  <a:schemeClr val="bg2">
+                    <a:lumMod val="50000"/>
+                  </a:schemeClr>
+                </a:solidFill>
+                <a:latin typeface="Calisto MT" panose="02040603050505030304" pitchFamily="18" charset="0"/>
+                <a:ea typeface="Segoe UI Symbol" panose="020B0502040204020203" pitchFamily="34" charset="0"/>
+                <a:cs typeface="Helvetica" panose="020B0604020202020204" pitchFamily="34" charset="0"/>
+              </a:rPr>
+              <a:t>Contoso LLC</a:t>
+            </a:r>
+          </a:p>
+          <a:p>
+            <a:pPr algn="ctr"/>
+            <a:r>
+              <a:rPr lang="en-US" sz="1600" b="1" dirty="0">
+                <a:solidFill>
+                  <a:schemeClr val="bg2">
+                    <a:lumMod val="50000"/>
+                  </a:schemeClr>
+                </a:solidFill>
+                <a:latin typeface="Calisto MT" panose="02040603050505030304" pitchFamily="18" charset="0"/>
+                <a:ea typeface="Segoe UI Symbol" panose="020B0502040204020203" pitchFamily="34" charset="0"/>
+                <a:cs typeface="Helvetica" panose="020B0604020202020204" pitchFamily="34" charset="0"/>
+              </a:rPr>
+              <a:t>282 Pigeon Ave</a:t>
+            </a:r>
+          </a:p>
+          <a:p>
+            <a:pPr algn="ctr"/>
+            <a:r>
+              <a:rPr lang="en-US" sz="1600" b="1" dirty="0">
+                <a:solidFill>
+                  <a:schemeClr val="bg2">
+                    <a:lumMod val="50000"/>
+                  </a:schemeClr>
+                </a:solidFill>
+                <a:latin typeface="Calisto MT" panose="02040603050505030304" pitchFamily="18" charset="0"/>
+                <a:ea typeface="Segoe UI Symbol" panose="020B0502040204020203" pitchFamily="34" charset="0"/>
+                <a:cs typeface="Helvetica" panose="020B0604020202020204" pitchFamily="34" charset="0"/>
+              </a:rPr>
+              <a:t>Tempe, AZ 28910</a:t>
+            </a:r>
+          </a:p>
+        </p:txBody>
+      </p:sp>
+      <p:sp>
+        <p:nvSpPr>
+          <p:cNvPr id="8" name="TextBox 7">
+            <a:extLst>
+              <a:ext uri="{FF2B5EF4-FFF2-40B4-BE49-F238E27FC236}">
+                <a16:creationId xmlns:a16="http://schemas.microsoft.com/office/drawing/2014/main" id="{572D47DA-E270-4D33-9346-3BF31A3E132B}"/>
+              </a:ext>
+            </a:extLst>
+          </p:cNvPr>
+          <p:cNvSpPr txBox="1"/>
+          <p:nvPr/>
+        </p:nvSpPr>
+        <p:spPr>
+          <a:xfrm>
+            <a:off x="2871544" y="3523042"/>
+            <a:ext cx="2402540" cy="830997"/>
+          </a:xfrm>
+          <a:prstGeom prst="rect">
+            <a:avLst/>
+          </a:prstGeom>
+          <a:noFill/>
+        </p:spPr>
+        <p:txBody>
+          <a:bodyPr wrap="square" rtlCol="0">
+            <a:spAutoFit/>
+          </a:bodyPr>
+          <a:lstStyle/>
+          <a:p>
+            <a:pPr algn="ctr"/>
+            <a:r>
+              <a:rPr lang="en-US" sz="1600" b="1" dirty="0">
+                <a:solidFill>
+                  <a:schemeClr val="bg2">
+                    <a:lumMod val="50000"/>
+                  </a:schemeClr>
+                </a:solidFill>
+                <a:latin typeface="Calisto MT" panose="02040603050505030304" pitchFamily="18" charset="0"/>
+                <a:ea typeface="Segoe UI Symbol" panose="020B0502040204020203" pitchFamily="34" charset="0"/>
+                <a:cs typeface="Helvetica" panose="020B0604020202020204" pitchFamily="34" charset="0"/>
+              </a:rPr>
+              <a:t>Melanie K. Last</a:t>
+            </a:r>
+          </a:p>
+          <a:p>
+            <a:pPr algn="ctr"/>
+            <a:r>
+              <a:rPr lang="en-US" sz="1600" b="1" dirty="0">
+                <a:solidFill>
+                  <a:schemeClr val="bg2">
+                    <a:lumMod val="50000"/>
+                  </a:schemeClr>
+                </a:solidFill>
+                <a:latin typeface="Calisto MT" panose="02040603050505030304" pitchFamily="18" charset="0"/>
+                <a:ea typeface="Segoe UI Symbol" panose="020B0502040204020203" pitchFamily="34" charset="0"/>
+                <a:cs typeface="Helvetica" panose="020B0604020202020204" pitchFamily="34" charset="0"/>
+              </a:rPr>
+              <a:t>95 Prescott Lane</a:t>
+            </a:r>
+          </a:p>
+          <a:p>
+            <a:pPr algn="ctr"/>
+            <a:r>
+              <a:rPr lang="en-US" sz="1600" b="1" dirty="0">
+                <a:solidFill>
+                  <a:schemeClr val="bg2">
+                    <a:lumMod val="50000"/>
+                  </a:schemeClr>
+                </a:solidFill>
+                <a:latin typeface="Calisto MT" panose="02040603050505030304" pitchFamily="18" charset="0"/>
+                <a:ea typeface="Segoe UI Symbol" panose="020B0502040204020203" pitchFamily="34" charset="0"/>
+                <a:cs typeface="Helvetica" panose="020B0604020202020204" pitchFamily="34" charset="0"/>
+              </a:rPr>
+              <a:t>Houston, TX 93202</a:t>
+            </a:r>
+          </a:p>
+        </p:txBody>
+      </p:sp>
+      <p:sp>
+        <p:nvSpPr>
+          <p:cNvPr id="10" name="TextBox 9">
+            <a:extLst>
+              <a:ext uri="{FF2B5EF4-FFF2-40B4-BE49-F238E27FC236}">
+                <a16:creationId xmlns:a16="http://schemas.microsoft.com/office/drawing/2014/main" id="{F79EBA0D-C44C-49D7-9317-CB35C2AFA297}"/>
+              </a:ext>
+            </a:extLst>
+          </p:cNvPr>
+          <p:cNvSpPr txBox="1"/>
+          <p:nvPr/>
+        </p:nvSpPr>
+        <p:spPr>
+          <a:xfrm>
+            <a:off x="6681066" y="1070093"/>
+            <a:ext cx="2402540" cy="338554"/>
+          </a:xfrm>
+          <a:prstGeom prst="rect">
+            <a:avLst/>
+          </a:prstGeom>
+          <a:noFill/>
+        </p:spPr>
+        <p:txBody>
+          <a:bodyPr wrap="square" rtlCol="0">
+            <a:spAutoFit/>
+          </a:bodyPr>
+          <a:lstStyle/>
+          <a:p>
+            <a:pPr algn="ctr"/>
+            <a:r>
+              <a:rPr lang="en-US" sz="1600" b="1" dirty="0">
+                <a:solidFill>
+                  <a:schemeClr val="bg2">
+                    <a:lumMod val="50000"/>
+                  </a:schemeClr>
+                </a:solidFill>
+                <a:latin typeface="Calisto MT" panose="02040603050505030304" pitchFamily="18" charset="0"/>
+                <a:ea typeface="Segoe UI Symbol" panose="020B0502040204020203" pitchFamily="34" charset="0"/>
+                <a:cs typeface="Helvetica" panose="020B0604020202020204" pitchFamily="34" charset="0"/>
+              </a:rPr>
+              <a:t>2000</a:t>
+            </a:r>
+          </a:p>
+        </p:txBody>
+      </p:sp>
+      <p:sp>
+        <p:nvSpPr>
+          <p:cNvPr id="12" name="TextBox 11">
+            <a:extLst>
+              <a:ext uri="{FF2B5EF4-FFF2-40B4-BE49-F238E27FC236}">
+                <a16:creationId xmlns:a16="http://schemas.microsoft.com/office/drawing/2014/main" id="{3F874CD0-4C5C-453B-A9A1-A9AD75C243C6}"/>
+              </a:ext>
+            </a:extLst>
+          </p:cNvPr>
+          <p:cNvSpPr txBox="1"/>
+          <p:nvPr/>
+        </p:nvSpPr>
+        <p:spPr>
+          <a:xfrm>
+            <a:off x="6681066" y="1470978"/>
+            <a:ext cx="2402540" cy="338554"/>
+          </a:xfrm>
+          <a:prstGeom prst="rect">
+            <a:avLst/>
+          </a:prstGeom>
+          <a:noFill/>
+        </p:spPr>
+        <p:txBody>
+          <a:bodyPr wrap="square" rtlCol="0">
+            <a:spAutoFit/>
+          </a:bodyPr>
+          <a:lstStyle/>
+          <a:p>
+            <a:pPr algn="ctr"/>
+            <a:r>
+              <a:rPr lang="en-US" sz="1600" b="1" dirty="0">
+                <a:solidFill>
+                  <a:schemeClr val="bg2">
+                    <a:lumMod val="50000"/>
+                  </a:schemeClr>
+                </a:solidFill>
+                <a:latin typeface="Calisto MT" panose="02040603050505030304" pitchFamily="18" charset="0"/>
+                <a:ea typeface="Segoe UI Symbol" panose="020B0502040204020203" pitchFamily="34" charset="0"/>
+                <a:cs typeface="Helvetica" panose="020B0604020202020204" pitchFamily="34" charset="0"/>
+              </a:rPr>
+              <a:t>400</a:t>
+            </a:r>
+          </a:p>
+        </p:txBody>
+      </p:sp>
+      <p:sp>
+        <p:nvSpPr>
+          <p:cNvPr id="14" name="TextBox 13">
+            <a:extLst>
+              <a:ext uri="{FF2B5EF4-FFF2-40B4-BE49-F238E27FC236}">
+                <a16:creationId xmlns:a16="http://schemas.microsoft.com/office/drawing/2014/main" id="{CB038BE3-DADB-457E-9650-EA3716BD0204}"/>
+              </a:ext>
+            </a:extLst>
+          </p:cNvPr>
+          <p:cNvSpPr txBox="1"/>
+          <p:nvPr/>
+        </p:nvSpPr>
+        <p:spPr>
+          <a:xfrm>
+            <a:off x="6196971" y="1892405"/>
+            <a:ext cx="2402540" cy="338554"/>
+          </a:xfrm>
+          <a:prstGeom prst="rect">
+            <a:avLst/>
+          </a:prstGeom>
+          <a:noFill/>
+        </p:spPr>
+        <p:txBody>
+          <a:bodyPr wrap="square" rtlCol="0">
+            <a:spAutoFit/>
+          </a:bodyPr>
+          <a:lstStyle/>
+          <a:p>
+            <a:pPr algn="ctr"/>
+            <a:r>
+              <a:rPr lang="en-US" sz="1600" b="1" dirty="0">
+                <a:solidFill>
+                  <a:schemeClr val="bg2">
+                    <a:lumMod val="50000"/>
+                  </a:schemeClr>
+                </a:solidFill>
+                <a:latin typeface="Calisto MT" panose="02040603050505030304" pitchFamily="18" charset="0"/>
+                <a:ea typeface="Segoe UI Symbol" panose="020B0502040204020203" pitchFamily="34" charset="0"/>
+                <a:cs typeface="Helvetica" panose="020B0604020202020204" pitchFamily="34" charset="0"/>
+              </a:rPr>
+              <a:t>200</a:t>
+            </a:r>
+          </a:p>
+        </p:txBody>
+      </p:sp>
+      <p:sp>
+        <p:nvSpPr>
+          <p:cNvPr id="16" name="TextBox 15">
+            <a:extLst>
+              <a:ext uri="{FF2B5EF4-FFF2-40B4-BE49-F238E27FC236}">
+                <a16:creationId xmlns:a16="http://schemas.microsoft.com/office/drawing/2014/main" id="{5395F407-0797-40D4-9076-0BD9CF2D91C5}"/>
+              </a:ext>
+            </a:extLst>
+          </p:cNvPr>
+          <p:cNvSpPr txBox="1"/>
+          <p:nvPr/>
+        </p:nvSpPr>
+        <p:spPr>
+          <a:xfrm>
+            <a:off x="6196971" y="2280205"/>
+            <a:ext cx="2402540" cy="338554"/>
+          </a:xfrm>
+          <a:prstGeom prst="rect">
+            <a:avLst/>
+          </a:prstGeom>
+          <a:noFill/>
+        </p:spPr>
+        <p:txBody>
+          <a:bodyPr wrap="square" rtlCol="0">
+            <a:spAutoFit/>
+          </a:bodyPr>
+          <a:lstStyle/>
+          <a:p>
+            <a:pPr algn="ctr"/>
+            <a:r>
+              <a:rPr lang="en-US" sz="1600" b="1" dirty="0">
+                <a:solidFill>
+                  <a:schemeClr val="bg2">
+                    <a:lumMod val="50000"/>
+                  </a:schemeClr>
+                </a:solidFill>
+                <a:latin typeface="Calisto MT" panose="02040603050505030304" pitchFamily="18" charset="0"/>
+                <a:ea typeface="Segoe UI Symbol" panose="020B0502040204020203" pitchFamily="34" charset="0"/>
+                <a:cs typeface="Helvetica" panose="020B0604020202020204" pitchFamily="34" charset="0"/>
+              </a:rPr>
+              <a:t>200</a:t>
+            </a:r>
+          </a:p>
+        </p:txBody>
+      </p:sp>
+      <p:sp>
+        <p:nvSpPr>
+          <p:cNvPr id="18" name="TextBox 17">
+            <a:extLst>
+              <a:ext uri="{FF2B5EF4-FFF2-40B4-BE49-F238E27FC236}">
+                <a16:creationId xmlns:a16="http://schemas.microsoft.com/office/drawing/2014/main" id="{F9E6DB46-E591-4BBF-AD0F-C35EA9DBBA1D}"/>
+              </a:ext>
+            </a:extLst>
+          </p:cNvPr>
+          <p:cNvSpPr txBox="1"/>
+          <p:nvPr/>
+        </p:nvSpPr>
+        <p:spPr>
+          <a:xfrm>
+            <a:off x="8096538" y="1075109"/>
+            <a:ext cx="2402540" cy="338554"/>
+          </a:xfrm>
+          <a:prstGeom prst="rect">
+            <a:avLst/>
+          </a:prstGeom>
+          <a:noFill/>
+        </p:spPr>
+        <p:txBody>
+          <a:bodyPr wrap="square" rtlCol="0">
+            <a:spAutoFit/>
+          </a:bodyPr>
+          <a:lstStyle/>
+          <a:p>
+            <a:pPr algn="ctr"/>
+            <a:r>
+              <a:rPr lang="en-US" sz="1600" b="1" dirty="0">
+                <a:solidFill>
+                  <a:schemeClr val="bg2">
+                    <a:lumMod val="50000"/>
+                  </a:schemeClr>
+                </a:solidFill>
+                <a:latin typeface="Calisto MT" panose="02040603050505030304" pitchFamily="18" charset="0"/>
+                <a:ea typeface="Segoe UI Symbol" panose="020B0502040204020203" pitchFamily="34" charset="0"/>
+                <a:cs typeface="Helvetica" panose="020B0604020202020204" pitchFamily="34" charset="0"/>
+              </a:rPr>
+              <a:t>4000</a:t>
+            </a:r>
+          </a:p>
+        </p:txBody>
+      </p:sp>
+      <p:sp>
+        <p:nvSpPr>
+          <p:cNvPr id="20" name="TextBox 19">
+            <a:extLst>
+              <a:ext uri="{FF2B5EF4-FFF2-40B4-BE49-F238E27FC236}">
+                <a16:creationId xmlns:a16="http://schemas.microsoft.com/office/drawing/2014/main" id="{E1F81191-D5B4-4A5F-9BAA-14979D36BBE0}"/>
+              </a:ext>
+            </a:extLst>
+          </p:cNvPr>
+          <p:cNvSpPr txBox="1"/>
+          <p:nvPr/>
+        </p:nvSpPr>
+        <p:spPr>
+          <a:xfrm>
+            <a:off x="8096538" y="1504605"/>
+            <a:ext cx="2402540" cy="338554"/>
+          </a:xfrm>
+          <a:prstGeom prst="rect">
+            <a:avLst/>
+          </a:prstGeom>
+          <a:noFill/>
+        </p:spPr>
+        <p:txBody>
+          <a:bodyPr wrap="square" rtlCol="0">
+            <a:spAutoFit/>
+          </a:bodyPr>
+          <a:lstStyle/>
+          <a:p>
+            <a:pPr algn="ctr"/>
+            <a:r>
+              <a:rPr lang="en-US" sz="1600" b="1" dirty="0">
+                <a:solidFill>
+                  <a:schemeClr val="bg2">
+                    <a:lumMod val="50000"/>
+                  </a:schemeClr>
+                </a:solidFill>
+                <a:latin typeface="Calisto MT" panose="02040603050505030304" pitchFamily="18" charset="0"/>
+                <a:ea typeface="Segoe UI Symbol" panose="020B0502040204020203" pitchFamily="34" charset="0"/>
+                <a:cs typeface="Helvetica" panose="020B0604020202020204" pitchFamily="34" charset="0"/>
+              </a:rPr>
+              <a:t>2999</a:t>
+            </a:r>
+          </a:p>
+        </p:txBody>
+      </p:sp>
+      <p:sp>
+        <p:nvSpPr>
+          <p:cNvPr id="22" name="TextBox 21">
+            <a:extLst>
+              <a:ext uri="{FF2B5EF4-FFF2-40B4-BE49-F238E27FC236}">
+                <a16:creationId xmlns:a16="http://schemas.microsoft.com/office/drawing/2014/main" id="{85678A3B-6FEA-4BA1-AD4C-D6BD42D35C12}"/>
+              </a:ext>
+            </a:extLst>
+          </p:cNvPr>
+          <p:cNvSpPr txBox="1"/>
+          <p:nvPr/>
+        </p:nvSpPr>
+        <p:spPr>
+          <a:xfrm>
+            <a:off x="8096538" y="1866847"/>
+            <a:ext cx="2402540" cy="338554"/>
+          </a:xfrm>
+          <a:prstGeom prst="rect">
+            <a:avLst/>
+          </a:prstGeom>
+          <a:noFill/>
+        </p:spPr>
+        <p:txBody>
+          <a:bodyPr wrap="square" rtlCol="0">
+            <a:spAutoFit/>
+          </a:bodyPr>
+          <a:lstStyle/>
+          <a:p>
+            <a:pPr algn="ctr"/>
+            <a:r>
+              <a:rPr lang="en-US" sz="1600" b="1" dirty="0">
+                <a:solidFill>
+                  <a:schemeClr val="bg2">
+                    <a:lumMod val="50000"/>
+                  </a:schemeClr>
+                </a:solidFill>
+                <a:latin typeface="Calisto MT" panose="02040603050505030304" pitchFamily="18" charset="0"/>
+                <a:ea typeface="Segoe UI Symbol" panose="020B0502040204020203" pitchFamily="34" charset="0"/>
+                <a:cs typeface="Helvetica" panose="020B0604020202020204" pitchFamily="34" charset="0"/>
+              </a:rPr>
+              <a:t>21000</a:t>
+            </a:r>
+          </a:p>
+        </p:txBody>
+      </p:sp>
+      <p:sp>
+        <p:nvSpPr>
+          <p:cNvPr id="24" name="TextBox 23">
+            <a:extLst>
+              <a:ext uri="{FF2B5EF4-FFF2-40B4-BE49-F238E27FC236}">
+                <a16:creationId xmlns:a16="http://schemas.microsoft.com/office/drawing/2014/main" id="{864DB11A-B608-4EE1-BCD1-5BDABC5CCEF9}"/>
+              </a:ext>
+            </a:extLst>
+          </p:cNvPr>
+          <p:cNvSpPr txBox="1"/>
+          <p:nvPr/>
+        </p:nvSpPr>
+        <p:spPr>
+          <a:xfrm>
+            <a:off x="8096538" y="2309463"/>
+            <a:ext cx="2402540" cy="338554"/>
+          </a:xfrm>
+          <a:prstGeom prst="rect">
+            <a:avLst/>
+          </a:prstGeom>
+          <a:noFill/>
+        </p:spPr>
+        <p:txBody>
+          <a:bodyPr wrap="square" rtlCol="0">
+            <a:spAutoFit/>
+          </a:bodyPr>
+          <a:lstStyle/>
+          <a:p>
+            <a:pPr algn="ctr"/>
+            <a:r>
+              <a:rPr lang="en-US" sz="1600" b="1" dirty="0">
+                <a:solidFill>
+                  <a:schemeClr val="bg2">
+                    <a:lumMod val="50000"/>
+                  </a:schemeClr>
+                </a:solidFill>
+                <a:latin typeface="Calisto MT" panose="02040603050505030304" pitchFamily="18" charset="0"/>
+                <a:ea typeface="Segoe UI Symbol" panose="020B0502040204020203" pitchFamily="34" charset="0"/>
+                <a:cs typeface="Helvetica" panose="020B0604020202020204" pitchFamily="34" charset="0"/>
+              </a:rPr>
+              <a:t>0</a:t>
+            </a:r>
+          </a:p>
+        </p:txBody>
+      </p:sp>
+      <p:sp>
+        <p:nvSpPr>
+          <p:cNvPr id="3" name="TextBox 2">
+            <a:extLst>
+              <a:ext uri="{FF2B5EF4-FFF2-40B4-BE49-F238E27FC236}">
+                <a16:creationId xmlns:a16="http://schemas.microsoft.com/office/drawing/2014/main" id="{BED92CA0-478D-41DC-966C-7BAE9B4CFD22}"/>
+              </a:ext>
+            </a:extLst>
+          </p:cNvPr>
+          <p:cNvSpPr txBox="1"/>
+          <p:nvPr/>
+        </p:nvSpPr>
+        <p:spPr>
+          <a:xfrm>
+            <a:off x="6917918" y="3517271"/>
+            <a:ext cx="206188" cy="369332"/>
+          </a:xfrm>
+          <a:prstGeom prst="rect">
+            <a:avLst/>
+          </a:prstGeom>
+          <a:noFill/>
+        </p:spPr>
+        <p:txBody>
+          <a:bodyPr wrap="square" rtlCol="0">
+            <a:spAutoFit/>
+          </a:bodyPr>
+          <a:lstStyle/>
+          <a:p>
+            <a:r>
+              <a:rPr lang="en-US" dirty="0"/>
+              <a:t>X</a:t>
+            </a:r>
+          </a:p>
+        </p:txBody>
+      </p:sp>
+      <p:pic>
+        <p:nvPicPr>
+          <p:cNvPr id="5" name="Picture 4">
+            <a:extLst>
+              <a:ext uri="{FF2B5EF4-FFF2-40B4-BE49-F238E27FC236}">
+                <a16:creationId xmlns:a16="http://schemas.microsoft.com/office/drawing/2014/main" id="{5B7CBE7E-B93C-A948-B9C2-E35D34071768}"/>
+              </a:ext>
+            </a:extLst>
+          </p:cNvPr>
+          <p:cNvPicPr>
+            <a:picLocks noChangeAspect="1"/>
+          </p:cNvPicPr>
+          <p:nvPr/>
+        </p:nvPicPr>
+        <p:blipFill>
+          <a:blip r:embed="rId3"/>
+          <a:stretch>
+            <a:fillRect/>
+          </a:stretch>
+        </p:blipFill>
+        <p:spPr>
+          <a:xfrm>
+            <a:off x="6484369" y="5644081"/>
+            <a:ext cx="587513" cy="423355"/>
+          </a:xfrm>
+          <a:prstGeom prst="rect">
+            <a:avLst/>
+          </a:prstGeom>
+        </p:spPr>
+      </p:pic>
+    </p:spTree>
+    <p:extLst>
+      <p:ext uri="{BB962C8B-B14F-4D97-AF65-F5344CB8AC3E}">
+        <p14:creationId xmlns:p14="http://schemas.microsoft.com/office/powerpoint/2010/main" val="617894419"/>
+      </p:ext>
+    </p:extLst>
+  </p:cSld>
+  <p:clrMapOvr>
+    <a:masterClrMapping/>
+  </p:clrMapOvr>
+</p:sld>
+</file>
+
+<file path=ppt/slides/slide18.xml><?xml version="1.0" encoding="utf-8"?>
+<p:sld xmlns:a="http://schemas.openxmlformats.org/drawingml/2006/main" xmlns:r="http://schemas.openxmlformats.org/officeDocument/2006/relationships" xmlns:p="http://schemas.openxmlformats.org/presentationml/2006/main">
+  <p:cSld>
+    <p:spTree>
+      <p:nvGrpSpPr>
+        <p:cNvPr id="1" name=""/>
+        <p:cNvGrpSpPr/>
+        <p:nvPr/>
+      </p:nvGrpSpPr>
+      <p:grpSpPr>
+        <a:xfrm>
+          <a:off x="0" y="0"/>
+          <a:ext cx="0" cy="0"/>
+          <a:chOff x="0" y="0"/>
+          <a:chExt cx="0" cy="0"/>
+        </a:xfrm>
+      </p:grpSpPr>
+      <p:pic>
+        <p:nvPicPr>
+          <p:cNvPr id="1026" name="Picture 2">
+            <a:extLst>
+              <a:ext uri="{FF2B5EF4-FFF2-40B4-BE49-F238E27FC236}">
+                <a16:creationId xmlns:a16="http://schemas.microsoft.com/office/drawing/2014/main" id="{3A3689D3-9A82-1841-90F2-83E3051B7A47}"/>
+              </a:ext>
+            </a:extLst>
+          </p:cNvPr>
+          <p:cNvPicPr>
+            <a:picLocks noChangeAspect="1" noChangeArrowheads="1"/>
+          </p:cNvPicPr>
+          <p:nvPr/>
+        </p:nvPicPr>
+        <p:blipFill>
+          <a:blip r:embed="rId2">
+            <a:extLst>
+              <a:ext uri="{28A0092B-C50C-407E-A947-70E740481C1C}">
+                <a14:useLocalDpi xmlns:a14="http://schemas.microsoft.com/office/drawing/2010/main" val="0"/>
+              </a:ext>
+            </a:extLst>
+          </a:blip>
+          <a:srcRect/>
+          <a:stretch>
+            <a:fillRect/>
+          </a:stretch>
+        </p:blipFill>
+        <p:spPr bwMode="auto">
+          <a:xfrm>
+            <a:off x="1057440" y="0"/>
+            <a:ext cx="10279063" cy="6858000"/>
+          </a:xfrm>
+          <a:prstGeom prst="rect">
+            <a:avLst/>
+          </a:prstGeom>
+          <a:noFill/>
+          <a:extLst>
+            <a:ext uri="{909E8E84-426E-40DD-AFC4-6F175D3DCCD1}">
+              <a14:hiddenFill xmlns:a14="http://schemas.microsoft.com/office/drawing/2010/main">
+                <a:solidFill>
+                  <a:srgbClr val="FFFFFF"/>
+                </a:solidFill>
+              </a14:hiddenFill>
+            </a:ext>
+          </a:extLst>
+        </p:spPr>
+      </p:pic>
+      <p:sp>
+        <p:nvSpPr>
+          <p:cNvPr id="2" name="TextBox 1">
+            <a:extLst>
+              <a:ext uri="{FF2B5EF4-FFF2-40B4-BE49-F238E27FC236}">
+                <a16:creationId xmlns:a16="http://schemas.microsoft.com/office/drawing/2014/main" id="{E060FC27-FDF4-4856-8493-B570232CCB07}"/>
+              </a:ext>
+            </a:extLst>
+          </p:cNvPr>
+          <p:cNvSpPr txBox="1"/>
+          <p:nvPr/>
+        </p:nvSpPr>
+        <p:spPr>
+          <a:xfrm>
+            <a:off x="3693460" y="653586"/>
+            <a:ext cx="2402540" cy="400110"/>
+          </a:xfrm>
+          <a:prstGeom prst="rect">
+            <a:avLst/>
+          </a:prstGeom>
+          <a:noFill/>
+        </p:spPr>
+        <p:txBody>
+          <a:bodyPr wrap="square" rtlCol="0">
+            <a:spAutoFit/>
+          </a:bodyPr>
+          <a:lstStyle/>
+          <a:p>
+            <a:pPr algn="ctr"/>
+            <a:r>
+              <a:rPr lang="en-US" sz="2000" dirty="0">
+                <a:solidFill>
+                  <a:schemeClr val="accent2">
+                    <a:lumMod val="75000"/>
+                  </a:schemeClr>
+                </a:solidFill>
+              </a:rPr>
+              <a:t>031-27-7831</a:t>
+            </a:r>
+          </a:p>
+        </p:txBody>
+      </p:sp>
+      <p:sp>
+        <p:nvSpPr>
+          <p:cNvPr id="4" name="TextBox 3">
+            <a:extLst>
+              <a:ext uri="{FF2B5EF4-FFF2-40B4-BE49-F238E27FC236}">
+                <a16:creationId xmlns:a16="http://schemas.microsoft.com/office/drawing/2014/main" id="{38B82868-4149-4847-BDB5-61969C47AEF3}"/>
+              </a:ext>
+            </a:extLst>
+          </p:cNvPr>
+          <p:cNvSpPr txBox="1"/>
+          <p:nvPr/>
+        </p:nvSpPr>
+        <p:spPr>
+          <a:xfrm>
+            <a:off x="3663003" y="964219"/>
+            <a:ext cx="2064946" cy="400110"/>
+          </a:xfrm>
+          <a:prstGeom prst="rect">
+            <a:avLst/>
+          </a:prstGeom>
+          <a:noFill/>
+        </p:spPr>
+        <p:txBody>
+          <a:bodyPr wrap="square" rtlCol="0">
+            <a:spAutoFit/>
+          </a:bodyPr>
+          <a:lstStyle/>
+          <a:p>
+            <a:pPr algn="ctr"/>
+            <a:r>
+              <a:rPr lang="en-US" sz="2000" dirty="0">
+                <a:solidFill>
+                  <a:schemeClr val="accent2">
+                    <a:lumMod val="75000"/>
+                  </a:schemeClr>
+                </a:solidFill>
+              </a:rPr>
+              <a:t>1010-323-62537</a:t>
+            </a:r>
+          </a:p>
+        </p:txBody>
+      </p:sp>
+      <p:sp>
+        <p:nvSpPr>
+          <p:cNvPr id="8" name="TextBox 7">
+            <a:extLst>
+              <a:ext uri="{FF2B5EF4-FFF2-40B4-BE49-F238E27FC236}">
+                <a16:creationId xmlns:a16="http://schemas.microsoft.com/office/drawing/2014/main" id="{8580D1B7-E1A1-4914-823C-258501D6BFCB}"/>
+              </a:ext>
+            </a:extLst>
+          </p:cNvPr>
+          <p:cNvSpPr txBox="1"/>
+          <p:nvPr/>
+        </p:nvSpPr>
+        <p:spPr>
+          <a:xfrm>
+            <a:off x="6730350" y="1029321"/>
+            <a:ext cx="1846492" cy="400110"/>
+          </a:xfrm>
+          <a:prstGeom prst="rect">
+            <a:avLst/>
+          </a:prstGeom>
+          <a:noFill/>
+        </p:spPr>
+        <p:txBody>
+          <a:bodyPr wrap="square" rtlCol="0">
+            <a:spAutoFit/>
+          </a:bodyPr>
+          <a:lstStyle/>
+          <a:p>
+            <a:pPr algn="ctr"/>
+            <a:r>
+              <a:rPr lang="en-US" sz="2000" dirty="0">
+                <a:solidFill>
+                  <a:schemeClr val="accent2">
+                    <a:lumMod val="75000"/>
+                  </a:schemeClr>
+                </a:solidFill>
+              </a:rPr>
+              <a:t>80,000.00</a:t>
+            </a:r>
+          </a:p>
+        </p:txBody>
+      </p:sp>
+      <p:sp>
+        <p:nvSpPr>
+          <p:cNvPr id="10" name="TextBox 9">
+            <a:extLst>
+              <a:ext uri="{FF2B5EF4-FFF2-40B4-BE49-F238E27FC236}">
+                <a16:creationId xmlns:a16="http://schemas.microsoft.com/office/drawing/2014/main" id="{D1C842F9-803B-4B29-9423-ADE007BA6B97}"/>
+              </a:ext>
+            </a:extLst>
+          </p:cNvPr>
+          <p:cNvSpPr txBox="1"/>
+          <p:nvPr/>
+        </p:nvSpPr>
+        <p:spPr>
+          <a:xfrm>
+            <a:off x="8576843" y="1029321"/>
+            <a:ext cx="1956120" cy="400110"/>
+          </a:xfrm>
+          <a:prstGeom prst="rect">
+            <a:avLst/>
+          </a:prstGeom>
+          <a:noFill/>
+        </p:spPr>
+        <p:txBody>
+          <a:bodyPr wrap="square" rtlCol="0">
+            <a:spAutoFit/>
+          </a:bodyPr>
+          <a:lstStyle/>
+          <a:p>
+            <a:pPr algn="ctr"/>
+            <a:r>
+              <a:rPr lang="en-US" sz="2000" dirty="0">
+                <a:solidFill>
+                  <a:schemeClr val="accent2">
+                    <a:lumMod val="75000"/>
+                  </a:schemeClr>
+                </a:solidFill>
+              </a:rPr>
+              <a:t>14,000.00</a:t>
+            </a:r>
+          </a:p>
+        </p:txBody>
+      </p:sp>
+      <p:sp>
+        <p:nvSpPr>
+          <p:cNvPr id="14" name="TextBox 13">
+            <a:extLst>
+              <a:ext uri="{FF2B5EF4-FFF2-40B4-BE49-F238E27FC236}">
+                <a16:creationId xmlns:a16="http://schemas.microsoft.com/office/drawing/2014/main" id="{1FCF496D-EB01-47FB-99AE-4BB6D352A1ED}"/>
+              </a:ext>
+            </a:extLst>
+          </p:cNvPr>
+          <p:cNvSpPr txBox="1"/>
+          <p:nvPr/>
+        </p:nvSpPr>
+        <p:spPr>
+          <a:xfrm>
+            <a:off x="1500850" y="1578200"/>
+            <a:ext cx="4595150" cy="1015663"/>
+          </a:xfrm>
+          <a:prstGeom prst="rect">
+            <a:avLst/>
+          </a:prstGeom>
+          <a:noFill/>
+        </p:spPr>
+        <p:txBody>
+          <a:bodyPr wrap="square">
+            <a:spAutoFit/>
+          </a:bodyPr>
+          <a:lstStyle/>
+          <a:p>
+            <a:pPr algn="ctr"/>
+            <a:r>
+              <a:rPr lang="en-US" sz="2000" dirty="0">
+                <a:solidFill>
+                  <a:schemeClr val="accent2">
+                    <a:lumMod val="75000"/>
+                  </a:schemeClr>
+                </a:solidFill>
+              </a:rPr>
+              <a:t>Johnson’s Bakery</a:t>
+            </a:r>
+          </a:p>
+          <a:p>
+            <a:pPr algn="ctr"/>
+            <a:r>
+              <a:rPr lang="en-US" sz="2000" dirty="0">
+                <a:solidFill>
+                  <a:schemeClr val="accent2">
+                    <a:lumMod val="75000"/>
+                  </a:schemeClr>
+                </a:solidFill>
+              </a:rPr>
+              <a:t>728 </a:t>
+            </a:r>
+            <a:r>
+              <a:rPr lang="en-US" sz="2000" dirty="0" err="1">
+                <a:solidFill>
+                  <a:schemeClr val="accent2">
+                    <a:lumMod val="75000"/>
+                  </a:schemeClr>
+                </a:solidFill>
+              </a:rPr>
+              <a:t>Palentine</a:t>
+            </a:r>
+            <a:r>
+              <a:rPr lang="en-US" sz="2000" dirty="0">
+                <a:solidFill>
+                  <a:schemeClr val="accent2">
+                    <a:lumMod val="75000"/>
+                  </a:schemeClr>
+                </a:solidFill>
+              </a:rPr>
+              <a:t> Street</a:t>
+            </a:r>
+          </a:p>
+          <a:p>
+            <a:pPr algn="ctr"/>
+            <a:r>
+              <a:rPr lang="en-US" sz="2000" dirty="0">
+                <a:solidFill>
+                  <a:schemeClr val="accent2">
+                    <a:lumMod val="75000"/>
+                  </a:schemeClr>
+                </a:solidFill>
+              </a:rPr>
+              <a:t>Any Town, NJ 91325 </a:t>
+            </a:r>
+          </a:p>
+        </p:txBody>
+      </p:sp>
+      <p:sp>
+        <p:nvSpPr>
+          <p:cNvPr id="13" name="TextBox 12">
+            <a:extLst>
+              <a:ext uri="{FF2B5EF4-FFF2-40B4-BE49-F238E27FC236}">
+                <a16:creationId xmlns:a16="http://schemas.microsoft.com/office/drawing/2014/main" id="{8368F338-9174-46F6-9C71-63B3B90DC40D}"/>
+              </a:ext>
+            </a:extLst>
+          </p:cNvPr>
+          <p:cNvSpPr txBox="1"/>
+          <p:nvPr/>
+        </p:nvSpPr>
+        <p:spPr>
+          <a:xfrm>
+            <a:off x="6335477" y="1461044"/>
+            <a:ext cx="1846492" cy="400110"/>
+          </a:xfrm>
+          <a:prstGeom prst="rect">
+            <a:avLst/>
+          </a:prstGeom>
+          <a:noFill/>
+        </p:spPr>
+        <p:txBody>
+          <a:bodyPr wrap="square" rtlCol="0">
+            <a:spAutoFit/>
+          </a:bodyPr>
+          <a:lstStyle/>
+          <a:p>
+            <a:pPr algn="ctr"/>
+            <a:r>
+              <a:rPr lang="en-US" sz="2000" dirty="0">
+                <a:solidFill>
+                  <a:schemeClr val="accent2">
+                    <a:lumMod val="75000"/>
+                  </a:schemeClr>
+                </a:solidFill>
+              </a:rPr>
+              <a:t>80,000.00</a:t>
+            </a:r>
+          </a:p>
+        </p:txBody>
+      </p:sp>
+      <p:sp>
+        <p:nvSpPr>
+          <p:cNvPr id="16" name="TextBox 15">
+            <a:extLst>
+              <a:ext uri="{FF2B5EF4-FFF2-40B4-BE49-F238E27FC236}">
+                <a16:creationId xmlns:a16="http://schemas.microsoft.com/office/drawing/2014/main" id="{C6A57C81-7AB2-4B83-BA7C-353742322ADA}"/>
+              </a:ext>
+            </a:extLst>
+          </p:cNvPr>
+          <p:cNvSpPr txBox="1"/>
+          <p:nvPr/>
+        </p:nvSpPr>
+        <p:spPr>
+          <a:xfrm>
+            <a:off x="6730350" y="1853139"/>
+            <a:ext cx="1846492" cy="400110"/>
+          </a:xfrm>
+          <a:prstGeom prst="rect">
+            <a:avLst/>
+          </a:prstGeom>
+          <a:noFill/>
+        </p:spPr>
+        <p:txBody>
+          <a:bodyPr wrap="square" rtlCol="0">
+            <a:spAutoFit/>
+          </a:bodyPr>
+          <a:lstStyle/>
+          <a:p>
+            <a:pPr algn="ctr"/>
+            <a:r>
+              <a:rPr lang="en-US" sz="2000" dirty="0">
+                <a:solidFill>
+                  <a:schemeClr val="accent2">
+                    <a:lumMod val="75000"/>
+                  </a:schemeClr>
+                </a:solidFill>
+              </a:rPr>
+              <a:t>80,000.00</a:t>
+            </a:r>
+          </a:p>
+        </p:txBody>
+      </p:sp>
+      <p:sp>
+        <p:nvSpPr>
+          <p:cNvPr id="18" name="TextBox 17">
+            <a:extLst>
+              <a:ext uri="{FF2B5EF4-FFF2-40B4-BE49-F238E27FC236}">
+                <a16:creationId xmlns:a16="http://schemas.microsoft.com/office/drawing/2014/main" id="{AD72D420-367A-4AF9-8665-B43ABF5ECCB4}"/>
+              </a:ext>
+            </a:extLst>
+          </p:cNvPr>
+          <p:cNvSpPr txBox="1"/>
+          <p:nvPr/>
+        </p:nvSpPr>
+        <p:spPr>
+          <a:xfrm>
+            <a:off x="6497454" y="2245234"/>
+            <a:ext cx="1846492" cy="400110"/>
+          </a:xfrm>
+          <a:prstGeom prst="rect">
+            <a:avLst/>
+          </a:prstGeom>
+          <a:noFill/>
+        </p:spPr>
+        <p:txBody>
+          <a:bodyPr wrap="square" rtlCol="0">
+            <a:spAutoFit/>
+          </a:bodyPr>
+          <a:lstStyle/>
+          <a:p>
+            <a:pPr algn="ctr"/>
+            <a:r>
+              <a:rPr lang="en-US" sz="2000" dirty="0">
+                <a:solidFill>
+                  <a:schemeClr val="accent2">
+                    <a:lumMod val="75000"/>
+                  </a:schemeClr>
+                </a:solidFill>
+              </a:rPr>
+              <a:t>1,000.00</a:t>
+            </a:r>
+          </a:p>
+        </p:txBody>
+      </p:sp>
+      <p:sp>
+        <p:nvSpPr>
+          <p:cNvPr id="20" name="TextBox 19">
+            <a:extLst>
+              <a:ext uri="{FF2B5EF4-FFF2-40B4-BE49-F238E27FC236}">
+                <a16:creationId xmlns:a16="http://schemas.microsoft.com/office/drawing/2014/main" id="{0AA6791F-62D1-42BC-88CD-CCE02728A4E3}"/>
+              </a:ext>
+            </a:extLst>
+          </p:cNvPr>
+          <p:cNvSpPr txBox="1"/>
+          <p:nvPr/>
+        </p:nvSpPr>
+        <p:spPr>
+          <a:xfrm>
+            <a:off x="1563403" y="3470791"/>
+            <a:ext cx="2874429" cy="1015663"/>
+          </a:xfrm>
+          <a:prstGeom prst="rect">
+            <a:avLst/>
+          </a:prstGeom>
+          <a:noFill/>
+        </p:spPr>
+        <p:txBody>
+          <a:bodyPr wrap="square" rtlCol="0">
+            <a:spAutoFit/>
+          </a:bodyPr>
+          <a:lstStyle/>
+          <a:p>
+            <a:pPr algn="ctr"/>
+            <a:r>
+              <a:rPr lang="en-US" sz="2000" dirty="0">
+                <a:solidFill>
+                  <a:schemeClr val="accent2">
+                    <a:lumMod val="75000"/>
+                  </a:schemeClr>
+                </a:solidFill>
+              </a:rPr>
+              <a:t>Sarah K. Cortez</a:t>
+            </a:r>
+          </a:p>
+          <a:p>
+            <a:pPr algn="ctr"/>
+            <a:r>
+              <a:rPr lang="en-US" sz="2000" dirty="0">
+                <a:solidFill>
+                  <a:schemeClr val="accent2">
+                    <a:lumMod val="75000"/>
+                  </a:schemeClr>
+                </a:solidFill>
+              </a:rPr>
+              <a:t>273 Funday Blvd.</a:t>
+            </a:r>
+          </a:p>
+          <a:p>
+            <a:pPr algn="ctr"/>
+            <a:r>
+              <a:rPr lang="en-US" sz="2000" dirty="0">
+                <a:solidFill>
+                  <a:schemeClr val="accent2">
+                    <a:lumMod val="75000"/>
+                  </a:schemeClr>
+                </a:solidFill>
+              </a:rPr>
+              <a:t>San Diego, CA 92093 </a:t>
+            </a:r>
+          </a:p>
+        </p:txBody>
+      </p:sp>
+      <p:sp>
+        <p:nvSpPr>
+          <p:cNvPr id="22" name="TextBox 21">
+            <a:extLst>
+              <a:ext uri="{FF2B5EF4-FFF2-40B4-BE49-F238E27FC236}">
+                <a16:creationId xmlns:a16="http://schemas.microsoft.com/office/drawing/2014/main" id="{03D7B0BE-CC42-429D-AF18-D04AE44222EF}"/>
+              </a:ext>
+            </a:extLst>
+          </p:cNvPr>
+          <p:cNvSpPr txBox="1"/>
+          <p:nvPr/>
+        </p:nvSpPr>
+        <p:spPr>
+          <a:xfrm>
+            <a:off x="8445240" y="1457605"/>
+            <a:ext cx="2219325" cy="400110"/>
+          </a:xfrm>
+          <a:prstGeom prst="rect">
+            <a:avLst/>
+          </a:prstGeom>
+          <a:noFill/>
+        </p:spPr>
+        <p:txBody>
+          <a:bodyPr wrap="square" rtlCol="0">
+            <a:spAutoFit/>
+          </a:bodyPr>
+          <a:lstStyle/>
+          <a:p>
+            <a:pPr algn="ctr"/>
+            <a:r>
+              <a:rPr lang="en-US" sz="2000" dirty="0">
+                <a:solidFill>
+                  <a:schemeClr val="accent2">
+                    <a:lumMod val="75000"/>
+                  </a:schemeClr>
+                </a:solidFill>
+              </a:rPr>
+              <a:t>4,000.50</a:t>
+            </a:r>
+          </a:p>
+        </p:txBody>
+      </p:sp>
+      <p:sp>
+        <p:nvSpPr>
+          <p:cNvPr id="24" name="TextBox 23">
+            <a:extLst>
+              <a:ext uri="{FF2B5EF4-FFF2-40B4-BE49-F238E27FC236}">
+                <a16:creationId xmlns:a16="http://schemas.microsoft.com/office/drawing/2014/main" id="{B4077961-7893-45D8-9D0F-01544ED39FA6}"/>
+              </a:ext>
+            </a:extLst>
+          </p:cNvPr>
+          <p:cNvSpPr txBox="1"/>
+          <p:nvPr/>
+        </p:nvSpPr>
+        <p:spPr>
+          <a:xfrm>
+            <a:off x="8847010" y="1842754"/>
+            <a:ext cx="2219325" cy="400110"/>
+          </a:xfrm>
+          <a:prstGeom prst="rect">
+            <a:avLst/>
+          </a:prstGeom>
+          <a:noFill/>
+        </p:spPr>
+        <p:txBody>
+          <a:bodyPr wrap="square" rtlCol="0">
+            <a:spAutoFit/>
+          </a:bodyPr>
+          <a:lstStyle/>
+          <a:p>
+            <a:pPr algn="ctr"/>
+            <a:r>
+              <a:rPr lang="en-US" sz="2000" dirty="0">
+                <a:solidFill>
+                  <a:schemeClr val="accent2">
+                    <a:lumMod val="75000"/>
+                  </a:schemeClr>
+                </a:solidFill>
+              </a:rPr>
+              <a:t>1,200.52</a:t>
+            </a:r>
+          </a:p>
+        </p:txBody>
+      </p:sp>
+      <p:sp>
+        <p:nvSpPr>
+          <p:cNvPr id="26" name="TextBox 25">
+            <a:extLst>
+              <a:ext uri="{FF2B5EF4-FFF2-40B4-BE49-F238E27FC236}">
+                <a16:creationId xmlns:a16="http://schemas.microsoft.com/office/drawing/2014/main" id="{62041C80-77EA-4EEA-B87A-EDA402E51620}"/>
+              </a:ext>
+            </a:extLst>
+          </p:cNvPr>
+          <p:cNvSpPr txBox="1"/>
+          <p:nvPr/>
+        </p:nvSpPr>
+        <p:spPr>
+          <a:xfrm>
+            <a:off x="7959102" y="2258697"/>
+            <a:ext cx="2219325" cy="400110"/>
+          </a:xfrm>
+          <a:prstGeom prst="rect">
+            <a:avLst/>
+          </a:prstGeom>
+          <a:noFill/>
+        </p:spPr>
+        <p:txBody>
+          <a:bodyPr wrap="square" rtlCol="0">
+            <a:spAutoFit/>
+          </a:bodyPr>
+          <a:lstStyle/>
+          <a:p>
+            <a:pPr algn="ctr"/>
+            <a:r>
+              <a:rPr lang="en-US" sz="2000" dirty="0">
+                <a:solidFill>
+                  <a:schemeClr val="accent2">
+                    <a:lumMod val="75000"/>
+                  </a:schemeClr>
+                </a:solidFill>
+              </a:rPr>
+              <a:t>410.00</a:t>
+            </a:r>
+          </a:p>
+        </p:txBody>
+      </p:sp>
+      <p:sp>
+        <p:nvSpPr>
+          <p:cNvPr id="30" name="TextBox 29">
+            <a:extLst>
+              <a:ext uri="{FF2B5EF4-FFF2-40B4-BE49-F238E27FC236}">
+                <a16:creationId xmlns:a16="http://schemas.microsoft.com/office/drawing/2014/main" id="{8F8DCDC1-5236-42A7-960A-DF9E6D6819EF}"/>
+              </a:ext>
+            </a:extLst>
+          </p:cNvPr>
+          <p:cNvSpPr txBox="1"/>
+          <p:nvPr/>
+        </p:nvSpPr>
+        <p:spPr>
+          <a:xfrm>
+            <a:off x="8137758" y="3521333"/>
+            <a:ext cx="206188" cy="369332"/>
+          </a:xfrm>
+          <a:prstGeom prst="rect">
+            <a:avLst/>
+          </a:prstGeom>
+          <a:noFill/>
+        </p:spPr>
+        <p:txBody>
+          <a:bodyPr wrap="square" rtlCol="0">
+            <a:spAutoFit/>
+          </a:bodyPr>
+          <a:lstStyle/>
+          <a:p>
+            <a:r>
+              <a:rPr lang="en-US" dirty="0">
+                <a:solidFill>
+                  <a:schemeClr val="accent2">
+                    <a:lumMod val="75000"/>
+                  </a:schemeClr>
+                </a:solidFill>
+              </a:rPr>
+              <a:t>X</a:t>
+            </a:r>
+          </a:p>
+        </p:txBody>
+      </p:sp>
+    </p:spTree>
+    <p:extLst>
+      <p:ext uri="{BB962C8B-B14F-4D97-AF65-F5344CB8AC3E}">
+        <p14:creationId xmlns:p14="http://schemas.microsoft.com/office/powerpoint/2010/main" val="684932571"/>
+      </p:ext>
+    </p:extLst>
+  </p:cSld>
+  <p:clrMapOvr>
+    <a:masterClrMapping/>
+  </p:clrMapOvr>
+</p:sld>
+</file>
+
+<file path=ppt/slides/slide19.xml><?xml version="1.0" encoding="utf-8"?>
+<p:sld xmlns:a="http://schemas.openxmlformats.org/drawingml/2006/main" xmlns:r="http://schemas.openxmlformats.org/officeDocument/2006/relationships" xmlns:p="http://schemas.openxmlformats.org/presentationml/2006/main">
+  <p:cSld>
+    <p:spTree>
+      <p:nvGrpSpPr>
+        <p:cNvPr id="1" name=""/>
+        <p:cNvGrpSpPr/>
+        <p:nvPr/>
+      </p:nvGrpSpPr>
+      <p:grpSpPr>
+        <a:xfrm>
+          <a:off x="0" y="0"/>
+          <a:ext cx="0" cy="0"/>
+          <a:chOff x="0" y="0"/>
+          <a:chExt cx="0" cy="0"/>
+        </a:xfrm>
+      </p:grpSpPr>
+      <p:pic>
+        <p:nvPicPr>
+          <p:cNvPr id="1026" name="Picture 2">
+            <a:extLst>
+              <a:ext uri="{FF2B5EF4-FFF2-40B4-BE49-F238E27FC236}">
+                <a16:creationId xmlns:a16="http://schemas.microsoft.com/office/drawing/2014/main" id="{3A3689D3-9A82-1841-90F2-83E3051B7A47}"/>
+              </a:ext>
+            </a:extLst>
+          </p:cNvPr>
+          <p:cNvPicPr>
+            <a:picLocks noChangeAspect="1" noChangeArrowheads="1"/>
+          </p:cNvPicPr>
+          <p:nvPr/>
+        </p:nvPicPr>
+        <p:blipFill>
+          <a:blip r:embed="rId2">
+            <a:extLst>
+              <a:ext uri="{28A0092B-C50C-407E-A947-70E740481C1C}">
+                <a14:useLocalDpi xmlns:a14="http://schemas.microsoft.com/office/drawing/2010/main" val="0"/>
+              </a:ext>
+            </a:extLst>
+          </a:blip>
+          <a:srcRect/>
+          <a:stretch>
+            <a:fillRect/>
+          </a:stretch>
+        </p:blipFill>
+        <p:spPr bwMode="auto">
+          <a:xfrm>
+            <a:off x="1057440" y="0"/>
+            <a:ext cx="10279063" cy="6858000"/>
+          </a:xfrm>
+          <a:prstGeom prst="rect">
+            <a:avLst/>
+          </a:prstGeom>
+          <a:noFill/>
+          <a:extLst>
+            <a:ext uri="{909E8E84-426E-40DD-AFC4-6F175D3DCCD1}">
+              <a14:hiddenFill xmlns:a14="http://schemas.microsoft.com/office/drawing/2010/main">
+                <a:solidFill>
+                  <a:srgbClr val="FFFFFF"/>
+                </a:solidFill>
+              </a14:hiddenFill>
+            </a:ext>
+          </a:extLst>
+        </p:spPr>
+      </p:pic>
+      <p:sp>
+        <p:nvSpPr>
+          <p:cNvPr id="2" name="TextBox 1">
+            <a:extLst>
+              <a:ext uri="{FF2B5EF4-FFF2-40B4-BE49-F238E27FC236}">
+                <a16:creationId xmlns:a16="http://schemas.microsoft.com/office/drawing/2014/main" id="{E060FC27-FDF4-4856-8493-B570232CCB07}"/>
+              </a:ext>
+            </a:extLst>
+          </p:cNvPr>
+          <p:cNvSpPr txBox="1"/>
+          <p:nvPr/>
+        </p:nvSpPr>
+        <p:spPr>
+          <a:xfrm>
+            <a:off x="2938064" y="639483"/>
+            <a:ext cx="2402540" cy="369332"/>
+          </a:xfrm>
+          <a:prstGeom prst="rect">
+            <a:avLst/>
+          </a:prstGeom>
+          <a:noFill/>
+        </p:spPr>
+        <p:txBody>
+          <a:bodyPr wrap="square" rtlCol="0">
+            <a:spAutoFit/>
+          </a:bodyPr>
+          <a:lstStyle/>
+          <a:p>
+            <a:pPr algn="ctr"/>
+            <a:r>
+              <a:rPr lang="en-US" dirty="0">
+                <a:solidFill>
+                  <a:schemeClr val="bg2">
+                    <a:lumMod val="50000"/>
+                  </a:schemeClr>
+                </a:solidFill>
+                <a:latin typeface="Candara Light" panose="020E0502030303020204" pitchFamily="34" charset="0"/>
+              </a:rPr>
+              <a:t>115-92-3900</a:t>
+            </a:r>
+          </a:p>
+        </p:txBody>
+      </p:sp>
+      <p:sp>
+        <p:nvSpPr>
+          <p:cNvPr id="4" name="TextBox 3">
+            <a:extLst>
+              <a:ext uri="{FF2B5EF4-FFF2-40B4-BE49-F238E27FC236}">
+                <a16:creationId xmlns:a16="http://schemas.microsoft.com/office/drawing/2014/main" id="{38B82868-4149-4847-BDB5-61969C47AEF3}"/>
+              </a:ext>
+            </a:extLst>
+          </p:cNvPr>
+          <p:cNvSpPr txBox="1"/>
+          <p:nvPr/>
+        </p:nvSpPr>
+        <p:spPr>
+          <a:xfrm>
+            <a:off x="3663003" y="964219"/>
+            <a:ext cx="2064946" cy="369332"/>
+          </a:xfrm>
+          <a:prstGeom prst="rect">
+            <a:avLst/>
+          </a:prstGeom>
+          <a:noFill/>
+        </p:spPr>
+        <p:txBody>
+          <a:bodyPr wrap="square" rtlCol="0">
+            <a:spAutoFit/>
+          </a:bodyPr>
+          <a:lstStyle/>
+          <a:p>
+            <a:pPr algn="ctr"/>
+            <a:r>
+              <a:rPr lang="en-US" dirty="0">
+                <a:solidFill>
+                  <a:schemeClr val="bg2">
+                    <a:lumMod val="50000"/>
+                  </a:schemeClr>
+                </a:solidFill>
+                <a:latin typeface="Candara Light" panose="020E0502030303020204" pitchFamily="34" charset="0"/>
+              </a:rPr>
+              <a:t>73829-83920</a:t>
+            </a:r>
+          </a:p>
+        </p:txBody>
+      </p:sp>
+      <p:sp>
+        <p:nvSpPr>
+          <p:cNvPr id="8" name="TextBox 7">
+            <a:extLst>
+              <a:ext uri="{FF2B5EF4-FFF2-40B4-BE49-F238E27FC236}">
+                <a16:creationId xmlns:a16="http://schemas.microsoft.com/office/drawing/2014/main" id="{8580D1B7-E1A1-4914-823C-258501D6BFCB}"/>
+              </a:ext>
+            </a:extLst>
+          </p:cNvPr>
+          <p:cNvSpPr txBox="1"/>
+          <p:nvPr/>
+        </p:nvSpPr>
+        <p:spPr>
+          <a:xfrm>
+            <a:off x="6730350" y="1029321"/>
+            <a:ext cx="1846492" cy="369332"/>
+          </a:xfrm>
+          <a:prstGeom prst="rect">
+            <a:avLst/>
+          </a:prstGeom>
+          <a:noFill/>
+        </p:spPr>
+        <p:txBody>
+          <a:bodyPr wrap="square" rtlCol="0">
+            <a:spAutoFit/>
+          </a:bodyPr>
+          <a:lstStyle/>
+          <a:p>
+            <a:pPr algn="ctr"/>
+            <a:r>
+              <a:rPr lang="en-US" dirty="0">
+                <a:solidFill>
+                  <a:schemeClr val="bg2">
+                    <a:lumMod val="50000"/>
+                  </a:schemeClr>
+                </a:solidFill>
+                <a:latin typeface="Candara Light" panose="020E0502030303020204" pitchFamily="34" charset="0"/>
+              </a:rPr>
+              <a:t>60,000.00</a:t>
+            </a:r>
+          </a:p>
+        </p:txBody>
+      </p:sp>
+      <p:sp>
+        <p:nvSpPr>
+          <p:cNvPr id="10" name="TextBox 9">
+            <a:extLst>
+              <a:ext uri="{FF2B5EF4-FFF2-40B4-BE49-F238E27FC236}">
+                <a16:creationId xmlns:a16="http://schemas.microsoft.com/office/drawing/2014/main" id="{D1C842F9-803B-4B29-9423-ADE007BA6B97}"/>
+              </a:ext>
+            </a:extLst>
+          </p:cNvPr>
+          <p:cNvSpPr txBox="1"/>
+          <p:nvPr/>
+        </p:nvSpPr>
+        <p:spPr>
+          <a:xfrm>
+            <a:off x="8576843" y="1029321"/>
+            <a:ext cx="1956120" cy="369332"/>
+          </a:xfrm>
+          <a:prstGeom prst="rect">
+            <a:avLst/>
+          </a:prstGeom>
+          <a:noFill/>
+        </p:spPr>
+        <p:txBody>
+          <a:bodyPr wrap="square" rtlCol="0">
+            <a:spAutoFit/>
+          </a:bodyPr>
+          <a:lstStyle/>
+          <a:p>
+            <a:pPr algn="ctr"/>
+            <a:r>
+              <a:rPr lang="en-US" dirty="0">
+                <a:solidFill>
+                  <a:schemeClr val="bg2">
+                    <a:lumMod val="50000"/>
+                  </a:schemeClr>
+                </a:solidFill>
+                <a:latin typeface="Candara Light" panose="020E0502030303020204" pitchFamily="34" charset="0"/>
+              </a:rPr>
+              <a:t>$4,000.00</a:t>
+            </a:r>
+          </a:p>
+        </p:txBody>
+      </p:sp>
+      <p:sp>
+        <p:nvSpPr>
+          <p:cNvPr id="14" name="TextBox 13">
+            <a:extLst>
+              <a:ext uri="{FF2B5EF4-FFF2-40B4-BE49-F238E27FC236}">
+                <a16:creationId xmlns:a16="http://schemas.microsoft.com/office/drawing/2014/main" id="{1FCF496D-EB01-47FB-99AE-4BB6D352A1ED}"/>
+              </a:ext>
+            </a:extLst>
+          </p:cNvPr>
+          <p:cNvSpPr txBox="1"/>
+          <p:nvPr/>
+        </p:nvSpPr>
+        <p:spPr>
+          <a:xfrm>
+            <a:off x="3164076" y="1504644"/>
+            <a:ext cx="4595150" cy="923330"/>
+          </a:xfrm>
+          <a:prstGeom prst="rect">
+            <a:avLst/>
+          </a:prstGeom>
+          <a:noFill/>
+        </p:spPr>
+        <p:txBody>
+          <a:bodyPr wrap="square">
+            <a:spAutoFit/>
+          </a:bodyPr>
+          <a:lstStyle/>
+          <a:p>
+            <a:pPr algn="ctr"/>
+            <a:r>
+              <a:rPr lang="en-US" dirty="0">
+                <a:solidFill>
+                  <a:schemeClr val="bg2">
+                    <a:lumMod val="50000"/>
+                  </a:schemeClr>
+                </a:solidFill>
+                <a:latin typeface="Candara Light" panose="020E0502030303020204" pitchFamily="34" charset="0"/>
+              </a:rPr>
+              <a:t>ESTN </a:t>
+            </a:r>
+            <a:r>
+              <a:rPr lang="en-US" dirty="0" err="1">
+                <a:solidFill>
+                  <a:schemeClr val="bg2">
+                    <a:lumMod val="50000"/>
+                  </a:schemeClr>
+                </a:solidFill>
+                <a:latin typeface="Candara Light" panose="020E0502030303020204" pitchFamily="34" charset="0"/>
+              </a:rPr>
+              <a:t>Coporation</a:t>
+            </a:r>
+            <a:endParaRPr lang="en-US" dirty="0">
+              <a:solidFill>
+                <a:schemeClr val="bg2">
+                  <a:lumMod val="50000"/>
+                </a:schemeClr>
+              </a:solidFill>
+              <a:latin typeface="Candara Light" panose="020E0502030303020204" pitchFamily="34" charset="0"/>
+            </a:endParaRPr>
+          </a:p>
+          <a:p>
+            <a:pPr algn="ctr"/>
+            <a:r>
+              <a:rPr lang="en-US" dirty="0">
+                <a:solidFill>
+                  <a:schemeClr val="bg2">
+                    <a:lumMod val="50000"/>
+                  </a:schemeClr>
+                </a:solidFill>
+                <a:latin typeface="Candara Light" panose="020E0502030303020204" pitchFamily="34" charset="0"/>
+              </a:rPr>
+              <a:t>Quill Suite 929 L </a:t>
+            </a:r>
+          </a:p>
+          <a:p>
+            <a:pPr algn="ctr"/>
+            <a:r>
+              <a:rPr lang="en-US" dirty="0">
+                <a:solidFill>
+                  <a:schemeClr val="bg2">
+                    <a:lumMod val="50000"/>
+                  </a:schemeClr>
+                </a:solidFill>
+                <a:latin typeface="Candara Light" panose="020E0502030303020204" pitchFamily="34" charset="0"/>
+              </a:rPr>
+              <a:t>Wells, ND 92819 </a:t>
+            </a:r>
+          </a:p>
+        </p:txBody>
+      </p:sp>
+      <p:sp>
+        <p:nvSpPr>
+          <p:cNvPr id="13" name="TextBox 12">
+            <a:extLst>
+              <a:ext uri="{FF2B5EF4-FFF2-40B4-BE49-F238E27FC236}">
+                <a16:creationId xmlns:a16="http://schemas.microsoft.com/office/drawing/2014/main" id="{8368F338-9174-46F6-9C71-63B3B90DC40D}"/>
+              </a:ext>
+            </a:extLst>
+          </p:cNvPr>
+          <p:cNvSpPr txBox="1"/>
+          <p:nvPr/>
+        </p:nvSpPr>
+        <p:spPr>
+          <a:xfrm>
+            <a:off x="6835980" y="1461044"/>
+            <a:ext cx="1846492" cy="369332"/>
+          </a:xfrm>
+          <a:prstGeom prst="rect">
+            <a:avLst/>
+          </a:prstGeom>
+          <a:noFill/>
+        </p:spPr>
+        <p:txBody>
+          <a:bodyPr wrap="square" rtlCol="0">
+            <a:spAutoFit/>
+          </a:bodyPr>
+          <a:lstStyle/>
+          <a:p>
+            <a:pPr algn="ctr"/>
+            <a:r>
+              <a:rPr lang="en-US" dirty="0">
+                <a:solidFill>
+                  <a:schemeClr val="bg2">
+                    <a:lumMod val="50000"/>
+                  </a:schemeClr>
+                </a:solidFill>
+                <a:latin typeface="Candara Light" panose="020E0502030303020204" pitchFamily="34" charset="0"/>
+              </a:rPr>
+              <a:t>60,000.00</a:t>
+            </a:r>
+          </a:p>
+        </p:txBody>
+      </p:sp>
+      <p:sp>
+        <p:nvSpPr>
+          <p:cNvPr id="16" name="TextBox 15">
+            <a:extLst>
+              <a:ext uri="{FF2B5EF4-FFF2-40B4-BE49-F238E27FC236}">
+                <a16:creationId xmlns:a16="http://schemas.microsoft.com/office/drawing/2014/main" id="{C6A57C81-7AB2-4B83-BA7C-353742322ADA}"/>
+              </a:ext>
+            </a:extLst>
+          </p:cNvPr>
+          <p:cNvSpPr txBox="1"/>
+          <p:nvPr/>
+        </p:nvSpPr>
+        <p:spPr>
+          <a:xfrm>
+            <a:off x="6730350" y="1853139"/>
+            <a:ext cx="1846492" cy="369332"/>
+          </a:xfrm>
+          <a:prstGeom prst="rect">
+            <a:avLst/>
+          </a:prstGeom>
+          <a:noFill/>
+        </p:spPr>
+        <p:txBody>
+          <a:bodyPr wrap="square" rtlCol="0">
+            <a:spAutoFit/>
+          </a:bodyPr>
+          <a:lstStyle/>
+          <a:p>
+            <a:pPr algn="ctr"/>
+            <a:r>
+              <a:rPr lang="en-US" dirty="0">
+                <a:solidFill>
+                  <a:schemeClr val="bg2">
+                    <a:lumMod val="50000"/>
+                  </a:schemeClr>
+                </a:solidFill>
+                <a:latin typeface="Candara Light" panose="020E0502030303020204" pitchFamily="34" charset="0"/>
+              </a:rPr>
+              <a:t>60,000.00</a:t>
+            </a:r>
+          </a:p>
+        </p:txBody>
+      </p:sp>
+      <p:sp>
+        <p:nvSpPr>
+          <p:cNvPr id="18" name="TextBox 17">
+            <a:extLst>
+              <a:ext uri="{FF2B5EF4-FFF2-40B4-BE49-F238E27FC236}">
+                <a16:creationId xmlns:a16="http://schemas.microsoft.com/office/drawing/2014/main" id="{AD72D420-367A-4AF9-8665-B43ABF5ECCB4}"/>
+              </a:ext>
+            </a:extLst>
+          </p:cNvPr>
+          <p:cNvSpPr txBox="1"/>
+          <p:nvPr/>
+        </p:nvSpPr>
+        <p:spPr>
+          <a:xfrm>
+            <a:off x="6778126" y="2222216"/>
+            <a:ext cx="1846492" cy="369332"/>
+          </a:xfrm>
+          <a:prstGeom prst="rect">
+            <a:avLst/>
+          </a:prstGeom>
+          <a:noFill/>
+        </p:spPr>
+        <p:txBody>
+          <a:bodyPr wrap="square" rtlCol="0">
+            <a:spAutoFit/>
+          </a:bodyPr>
+          <a:lstStyle/>
+          <a:p>
+            <a:pPr algn="ctr"/>
+            <a:r>
+              <a:rPr lang="en-US" dirty="0">
+                <a:solidFill>
+                  <a:schemeClr val="bg2">
+                    <a:lumMod val="50000"/>
+                  </a:schemeClr>
+                </a:solidFill>
+                <a:latin typeface="Candara Light" panose="020E0502030303020204" pitchFamily="34" charset="0"/>
+              </a:rPr>
+              <a:t>1,000.00</a:t>
+            </a:r>
+          </a:p>
+        </p:txBody>
+      </p:sp>
+      <p:sp>
+        <p:nvSpPr>
+          <p:cNvPr id="20" name="TextBox 19">
+            <a:extLst>
+              <a:ext uri="{FF2B5EF4-FFF2-40B4-BE49-F238E27FC236}">
+                <a16:creationId xmlns:a16="http://schemas.microsoft.com/office/drawing/2014/main" id="{0AA6791F-62D1-42BC-88CD-CCE02728A4E3}"/>
+              </a:ext>
+            </a:extLst>
+          </p:cNvPr>
+          <p:cNvSpPr txBox="1"/>
+          <p:nvPr/>
+        </p:nvSpPr>
+        <p:spPr>
+          <a:xfrm>
+            <a:off x="4054243" y="3240366"/>
+            <a:ext cx="2874429" cy="923330"/>
+          </a:xfrm>
+          <a:prstGeom prst="rect">
+            <a:avLst/>
+          </a:prstGeom>
+          <a:noFill/>
+        </p:spPr>
+        <p:txBody>
+          <a:bodyPr wrap="square" rtlCol="0">
+            <a:spAutoFit/>
+          </a:bodyPr>
+          <a:lstStyle/>
+          <a:p>
+            <a:pPr algn="ctr"/>
+            <a:r>
+              <a:rPr lang="en-US" dirty="0">
+                <a:solidFill>
+                  <a:schemeClr val="bg2">
+                    <a:lumMod val="50000"/>
+                  </a:schemeClr>
+                </a:solidFill>
+                <a:latin typeface="Candara Light" panose="020E0502030303020204" pitchFamily="34" charset="0"/>
+              </a:rPr>
+              <a:t>James The Giant</a:t>
+            </a:r>
+          </a:p>
+          <a:p>
+            <a:pPr algn="ctr"/>
+            <a:r>
+              <a:rPr lang="en-US" dirty="0">
+                <a:solidFill>
+                  <a:schemeClr val="bg2">
+                    <a:lumMod val="50000"/>
+                  </a:schemeClr>
+                </a:solidFill>
+                <a:latin typeface="Candara Light" panose="020E0502030303020204" pitchFamily="34" charset="0"/>
+              </a:rPr>
+              <a:t>92 Fairy Street.</a:t>
+            </a:r>
+          </a:p>
+          <a:p>
+            <a:pPr algn="ctr"/>
+            <a:r>
+              <a:rPr lang="en-US" dirty="0">
+                <a:solidFill>
+                  <a:schemeClr val="bg2">
+                    <a:lumMod val="50000"/>
+                  </a:schemeClr>
+                </a:solidFill>
+                <a:latin typeface="Candara Light" panose="020E0502030303020204" pitchFamily="34" charset="0"/>
+              </a:rPr>
+              <a:t>Springfield, NH 82919 </a:t>
+            </a:r>
+          </a:p>
+        </p:txBody>
+      </p:sp>
+      <p:sp>
+        <p:nvSpPr>
+          <p:cNvPr id="22" name="TextBox 21">
+            <a:extLst>
+              <a:ext uri="{FF2B5EF4-FFF2-40B4-BE49-F238E27FC236}">
+                <a16:creationId xmlns:a16="http://schemas.microsoft.com/office/drawing/2014/main" id="{03D7B0BE-CC42-429D-AF18-D04AE44222EF}"/>
+              </a:ext>
+            </a:extLst>
+          </p:cNvPr>
+          <p:cNvSpPr txBox="1"/>
+          <p:nvPr/>
+        </p:nvSpPr>
+        <p:spPr>
+          <a:xfrm>
+            <a:off x="8445240" y="1457605"/>
+            <a:ext cx="2219325" cy="369332"/>
+          </a:xfrm>
+          <a:prstGeom prst="rect">
+            <a:avLst/>
+          </a:prstGeom>
+          <a:noFill/>
+        </p:spPr>
+        <p:txBody>
+          <a:bodyPr wrap="square" rtlCol="0">
+            <a:spAutoFit/>
+          </a:bodyPr>
+          <a:lstStyle/>
+          <a:p>
+            <a:pPr algn="ctr"/>
+            <a:r>
+              <a:rPr lang="en-US" dirty="0">
+                <a:solidFill>
+                  <a:schemeClr val="bg2">
+                    <a:lumMod val="50000"/>
+                  </a:schemeClr>
+                </a:solidFill>
+                <a:latin typeface="Candara Light" panose="020E0502030303020204" pitchFamily="34" charset="0"/>
+              </a:rPr>
+              <a:t>$829.20</a:t>
+            </a:r>
+          </a:p>
+        </p:txBody>
+      </p:sp>
+      <p:sp>
+        <p:nvSpPr>
+          <p:cNvPr id="24" name="TextBox 23">
+            <a:extLst>
+              <a:ext uri="{FF2B5EF4-FFF2-40B4-BE49-F238E27FC236}">
+                <a16:creationId xmlns:a16="http://schemas.microsoft.com/office/drawing/2014/main" id="{B4077961-7893-45D8-9D0F-01544ED39FA6}"/>
+              </a:ext>
+            </a:extLst>
+          </p:cNvPr>
+          <p:cNvSpPr txBox="1"/>
+          <p:nvPr/>
+        </p:nvSpPr>
+        <p:spPr>
+          <a:xfrm>
+            <a:off x="8416324" y="1842754"/>
+            <a:ext cx="2219325" cy="369332"/>
+          </a:xfrm>
+          <a:prstGeom prst="rect">
+            <a:avLst/>
+          </a:prstGeom>
+          <a:noFill/>
+        </p:spPr>
+        <p:txBody>
+          <a:bodyPr wrap="square" rtlCol="0">
+            <a:spAutoFit/>
+          </a:bodyPr>
+          <a:lstStyle/>
+          <a:p>
+            <a:pPr algn="ctr"/>
+            <a:r>
+              <a:rPr lang="en-US" dirty="0">
+                <a:solidFill>
+                  <a:schemeClr val="bg2">
+                    <a:lumMod val="50000"/>
+                  </a:schemeClr>
+                </a:solidFill>
+                <a:latin typeface="Candara Light" panose="020E0502030303020204" pitchFamily="34" charset="0"/>
+              </a:rPr>
+              <a:t>392011</a:t>
+            </a:r>
+          </a:p>
+        </p:txBody>
+      </p:sp>
+      <p:sp>
+        <p:nvSpPr>
+          <p:cNvPr id="26" name="TextBox 25">
+            <a:extLst>
+              <a:ext uri="{FF2B5EF4-FFF2-40B4-BE49-F238E27FC236}">
+                <a16:creationId xmlns:a16="http://schemas.microsoft.com/office/drawing/2014/main" id="{62041C80-77EA-4EEA-B87A-EDA402E51620}"/>
+              </a:ext>
+            </a:extLst>
+          </p:cNvPr>
+          <p:cNvSpPr txBox="1"/>
+          <p:nvPr/>
+        </p:nvSpPr>
+        <p:spPr>
+          <a:xfrm>
+            <a:off x="8438202" y="2260331"/>
+            <a:ext cx="2219325" cy="369332"/>
+          </a:xfrm>
+          <a:prstGeom prst="rect">
+            <a:avLst/>
+          </a:prstGeom>
+          <a:noFill/>
+        </p:spPr>
+        <p:txBody>
+          <a:bodyPr wrap="square" rtlCol="0">
+            <a:spAutoFit/>
+          </a:bodyPr>
+          <a:lstStyle/>
+          <a:p>
+            <a:pPr algn="ctr"/>
+            <a:r>
+              <a:rPr lang="en-US" dirty="0">
+                <a:solidFill>
+                  <a:schemeClr val="bg2">
+                    <a:lumMod val="50000"/>
+                  </a:schemeClr>
+                </a:solidFill>
+                <a:latin typeface="Candara Light" panose="020E0502030303020204" pitchFamily="34" charset="0"/>
+              </a:rPr>
+              <a:t>21</a:t>
+            </a:r>
+          </a:p>
+        </p:txBody>
+      </p:sp>
+      <p:sp>
+        <p:nvSpPr>
+          <p:cNvPr id="30" name="TextBox 29">
+            <a:extLst>
+              <a:ext uri="{FF2B5EF4-FFF2-40B4-BE49-F238E27FC236}">
+                <a16:creationId xmlns:a16="http://schemas.microsoft.com/office/drawing/2014/main" id="{8F8DCDC1-5236-42A7-960A-DF9E6D6819EF}"/>
+              </a:ext>
+            </a:extLst>
+          </p:cNvPr>
+          <p:cNvSpPr txBox="1"/>
+          <p:nvPr/>
+        </p:nvSpPr>
+        <p:spPr>
+          <a:xfrm>
+            <a:off x="8137758" y="3521333"/>
+            <a:ext cx="206188" cy="369332"/>
+          </a:xfrm>
+          <a:prstGeom prst="rect">
+            <a:avLst/>
+          </a:prstGeom>
+          <a:noFill/>
+        </p:spPr>
+        <p:txBody>
+          <a:bodyPr wrap="square" rtlCol="0">
+            <a:spAutoFit/>
+          </a:bodyPr>
+          <a:lstStyle/>
+          <a:p>
+            <a:r>
+              <a:rPr lang="en-US" dirty="0">
+                <a:latin typeface="Candara Light" panose="020E0502030303020204" pitchFamily="34" charset="0"/>
+              </a:rPr>
+              <a:t>X</a:t>
+            </a:r>
+          </a:p>
+        </p:txBody>
+      </p:sp>
+    </p:spTree>
+    <p:extLst>
+      <p:ext uri="{BB962C8B-B14F-4D97-AF65-F5344CB8AC3E}">
+        <p14:creationId xmlns:p14="http://schemas.microsoft.com/office/powerpoint/2010/main" val="3270255811"/>
       </p:ext>
     </p:extLst>
   </p:cSld>
@@ -7099,6 +11734,2385 @@
     <p:extLst>
       <p:ext uri="{BB962C8B-B14F-4D97-AF65-F5344CB8AC3E}">
         <p14:creationId xmlns:p14="http://schemas.microsoft.com/office/powerpoint/2010/main" val="1395426305"/>
+      </p:ext>
+    </p:extLst>
+  </p:cSld>
+  <p:clrMapOvr>
+    <a:masterClrMapping/>
+  </p:clrMapOvr>
+</p:sld>
+</file>
+
+<file path=ppt/slides/slide20.xml><?xml version="1.0" encoding="utf-8"?>
+<p:sld xmlns:a="http://schemas.openxmlformats.org/drawingml/2006/main" xmlns:r="http://schemas.openxmlformats.org/officeDocument/2006/relationships" xmlns:p="http://schemas.openxmlformats.org/presentationml/2006/main">
+  <p:cSld>
+    <p:spTree>
+      <p:nvGrpSpPr>
+        <p:cNvPr id="1" name=""/>
+        <p:cNvGrpSpPr/>
+        <p:nvPr/>
+      </p:nvGrpSpPr>
+      <p:grpSpPr>
+        <a:xfrm>
+          <a:off x="0" y="0"/>
+          <a:ext cx="0" cy="0"/>
+          <a:chOff x="0" y="0"/>
+          <a:chExt cx="0" cy="0"/>
+        </a:xfrm>
+      </p:grpSpPr>
+      <p:pic>
+        <p:nvPicPr>
+          <p:cNvPr id="1026" name="Picture 2">
+            <a:extLst>
+              <a:ext uri="{FF2B5EF4-FFF2-40B4-BE49-F238E27FC236}">
+                <a16:creationId xmlns:a16="http://schemas.microsoft.com/office/drawing/2014/main" id="{3A3689D3-9A82-1841-90F2-83E3051B7A47}"/>
+              </a:ext>
+            </a:extLst>
+          </p:cNvPr>
+          <p:cNvPicPr>
+            <a:picLocks noChangeAspect="1" noChangeArrowheads="1"/>
+          </p:cNvPicPr>
+          <p:nvPr/>
+        </p:nvPicPr>
+        <p:blipFill>
+          <a:blip r:embed="rId2">
+            <a:extLst>
+              <a:ext uri="{28A0092B-C50C-407E-A947-70E740481C1C}">
+                <a14:useLocalDpi xmlns:a14="http://schemas.microsoft.com/office/drawing/2010/main" val="0"/>
+              </a:ext>
+            </a:extLst>
+          </a:blip>
+          <a:srcRect/>
+          <a:stretch>
+            <a:fillRect/>
+          </a:stretch>
+        </p:blipFill>
+        <p:spPr bwMode="auto">
+          <a:xfrm>
+            <a:off x="1057440" y="0"/>
+            <a:ext cx="10279063" cy="6858000"/>
+          </a:xfrm>
+          <a:prstGeom prst="rect">
+            <a:avLst/>
+          </a:prstGeom>
+          <a:noFill/>
+          <a:extLst>
+            <a:ext uri="{909E8E84-426E-40DD-AFC4-6F175D3DCCD1}">
+              <a14:hiddenFill xmlns:a14="http://schemas.microsoft.com/office/drawing/2010/main">
+                <a:solidFill>
+                  <a:srgbClr val="FFFFFF"/>
+                </a:solidFill>
+              </a14:hiddenFill>
+            </a:ext>
+          </a:extLst>
+        </p:spPr>
+      </p:pic>
+      <p:sp>
+        <p:nvSpPr>
+          <p:cNvPr id="2" name="TextBox 1">
+            <a:extLst>
+              <a:ext uri="{FF2B5EF4-FFF2-40B4-BE49-F238E27FC236}">
+                <a16:creationId xmlns:a16="http://schemas.microsoft.com/office/drawing/2014/main" id="{E060FC27-FDF4-4856-8493-B570232CCB07}"/>
+              </a:ext>
+            </a:extLst>
+          </p:cNvPr>
+          <p:cNvSpPr txBox="1"/>
+          <p:nvPr/>
+        </p:nvSpPr>
+        <p:spPr>
+          <a:xfrm>
+            <a:off x="3494206" y="656442"/>
+            <a:ext cx="2402540" cy="307777"/>
+          </a:xfrm>
+          <a:prstGeom prst="rect">
+            <a:avLst/>
+          </a:prstGeom>
+          <a:noFill/>
+        </p:spPr>
+        <p:txBody>
+          <a:bodyPr wrap="square" rtlCol="0">
+            <a:spAutoFit/>
+          </a:bodyPr>
+          <a:lstStyle/>
+          <a:p>
+            <a:pPr algn="ctr"/>
+            <a:r>
+              <a:rPr lang="en-US" sz="1400" dirty="0">
+                <a:solidFill>
+                  <a:schemeClr val="bg2">
+                    <a:lumMod val="50000"/>
+                  </a:schemeClr>
+                </a:solidFill>
+                <a:latin typeface="Cormorant Infant Medium" panose="00000600000000000000" pitchFamily="2" charset="0"/>
+              </a:rPr>
+              <a:t>228-25-7321</a:t>
+            </a:r>
+          </a:p>
+        </p:txBody>
+      </p:sp>
+      <p:sp>
+        <p:nvSpPr>
+          <p:cNvPr id="4" name="TextBox 3">
+            <a:extLst>
+              <a:ext uri="{FF2B5EF4-FFF2-40B4-BE49-F238E27FC236}">
+                <a16:creationId xmlns:a16="http://schemas.microsoft.com/office/drawing/2014/main" id="{38B82868-4149-4847-BDB5-61969C47AEF3}"/>
+              </a:ext>
+            </a:extLst>
+          </p:cNvPr>
+          <p:cNvSpPr txBox="1"/>
+          <p:nvPr/>
+        </p:nvSpPr>
+        <p:spPr>
+          <a:xfrm>
+            <a:off x="1429260" y="1067749"/>
+            <a:ext cx="2064946" cy="307777"/>
+          </a:xfrm>
+          <a:prstGeom prst="rect">
+            <a:avLst/>
+          </a:prstGeom>
+          <a:noFill/>
+        </p:spPr>
+        <p:txBody>
+          <a:bodyPr wrap="square" rtlCol="0">
+            <a:spAutoFit/>
+          </a:bodyPr>
+          <a:lstStyle/>
+          <a:p>
+            <a:pPr algn="ctr"/>
+            <a:r>
+              <a:rPr lang="en-US" sz="1400" dirty="0">
+                <a:solidFill>
+                  <a:schemeClr val="bg2">
+                    <a:lumMod val="50000"/>
+                  </a:schemeClr>
+                </a:solidFill>
+                <a:latin typeface="Cormorant Infant Medium" panose="00000600000000000000" pitchFamily="2" charset="0"/>
+              </a:rPr>
+              <a:t>1110-223-63327</a:t>
+            </a:r>
+          </a:p>
+        </p:txBody>
+      </p:sp>
+      <p:sp>
+        <p:nvSpPr>
+          <p:cNvPr id="8" name="TextBox 7">
+            <a:extLst>
+              <a:ext uri="{FF2B5EF4-FFF2-40B4-BE49-F238E27FC236}">
+                <a16:creationId xmlns:a16="http://schemas.microsoft.com/office/drawing/2014/main" id="{8580D1B7-E1A1-4914-823C-258501D6BFCB}"/>
+              </a:ext>
+            </a:extLst>
+          </p:cNvPr>
+          <p:cNvSpPr txBox="1"/>
+          <p:nvPr/>
+        </p:nvSpPr>
+        <p:spPr>
+          <a:xfrm>
+            <a:off x="6730350" y="1029321"/>
+            <a:ext cx="1846492" cy="307777"/>
+          </a:xfrm>
+          <a:prstGeom prst="rect">
+            <a:avLst/>
+          </a:prstGeom>
+          <a:noFill/>
+        </p:spPr>
+        <p:txBody>
+          <a:bodyPr wrap="square" rtlCol="0">
+            <a:spAutoFit/>
+          </a:bodyPr>
+          <a:lstStyle/>
+          <a:p>
+            <a:pPr algn="ctr"/>
+            <a:r>
+              <a:rPr lang="en-US" sz="1400" dirty="0">
+                <a:solidFill>
+                  <a:schemeClr val="bg2">
+                    <a:lumMod val="50000"/>
+                  </a:schemeClr>
+                </a:solidFill>
+                <a:latin typeface="Cormorant Infant Medium" panose="00000600000000000000" pitchFamily="2" charset="0"/>
+              </a:rPr>
+              <a:t>43020</a:t>
+            </a:r>
+          </a:p>
+        </p:txBody>
+      </p:sp>
+      <p:sp>
+        <p:nvSpPr>
+          <p:cNvPr id="10" name="TextBox 9">
+            <a:extLst>
+              <a:ext uri="{FF2B5EF4-FFF2-40B4-BE49-F238E27FC236}">
+                <a16:creationId xmlns:a16="http://schemas.microsoft.com/office/drawing/2014/main" id="{D1C842F9-803B-4B29-9423-ADE007BA6B97}"/>
+              </a:ext>
+            </a:extLst>
+          </p:cNvPr>
+          <p:cNvSpPr txBox="1"/>
+          <p:nvPr/>
+        </p:nvSpPr>
+        <p:spPr>
+          <a:xfrm>
+            <a:off x="8576843" y="1029321"/>
+            <a:ext cx="1956120" cy="307777"/>
+          </a:xfrm>
+          <a:prstGeom prst="rect">
+            <a:avLst/>
+          </a:prstGeom>
+          <a:noFill/>
+        </p:spPr>
+        <p:txBody>
+          <a:bodyPr wrap="square" rtlCol="0">
+            <a:spAutoFit/>
+          </a:bodyPr>
+          <a:lstStyle/>
+          <a:p>
+            <a:pPr algn="ctr"/>
+            <a:r>
+              <a:rPr lang="en-US" sz="1400" dirty="0">
+                <a:solidFill>
+                  <a:schemeClr val="bg2">
+                    <a:lumMod val="50000"/>
+                  </a:schemeClr>
+                </a:solidFill>
+                <a:latin typeface="Cormorant Infant Medium" panose="00000600000000000000" pitchFamily="2" charset="0"/>
+              </a:rPr>
+              <a:t>4302220</a:t>
+            </a:r>
+          </a:p>
+        </p:txBody>
+      </p:sp>
+      <p:sp>
+        <p:nvSpPr>
+          <p:cNvPr id="14" name="TextBox 13">
+            <a:extLst>
+              <a:ext uri="{FF2B5EF4-FFF2-40B4-BE49-F238E27FC236}">
+                <a16:creationId xmlns:a16="http://schemas.microsoft.com/office/drawing/2014/main" id="{1FCF496D-EB01-47FB-99AE-4BB6D352A1ED}"/>
+              </a:ext>
+            </a:extLst>
+          </p:cNvPr>
+          <p:cNvSpPr txBox="1"/>
+          <p:nvPr/>
+        </p:nvSpPr>
+        <p:spPr>
+          <a:xfrm>
+            <a:off x="1057440" y="1607052"/>
+            <a:ext cx="4595150" cy="738664"/>
+          </a:xfrm>
+          <a:prstGeom prst="rect">
+            <a:avLst/>
+          </a:prstGeom>
+          <a:noFill/>
+        </p:spPr>
+        <p:txBody>
+          <a:bodyPr wrap="square">
+            <a:spAutoFit/>
+          </a:bodyPr>
+          <a:lstStyle/>
+          <a:p>
+            <a:pPr algn="ctr"/>
+            <a:r>
+              <a:rPr lang="en-US" sz="1400" dirty="0">
+                <a:solidFill>
+                  <a:schemeClr val="bg2">
+                    <a:lumMod val="50000"/>
+                  </a:schemeClr>
+                </a:solidFill>
+                <a:latin typeface="Cormorant Infant Medium" panose="00000600000000000000" pitchFamily="2" charset="0"/>
+              </a:rPr>
+              <a:t>Cat’s Corporation</a:t>
+            </a:r>
+          </a:p>
+          <a:p>
+            <a:pPr algn="ctr"/>
+            <a:r>
+              <a:rPr lang="en-US" sz="1400" dirty="0">
+                <a:solidFill>
+                  <a:schemeClr val="bg2">
+                    <a:lumMod val="50000"/>
+                  </a:schemeClr>
+                </a:solidFill>
+                <a:latin typeface="Cormorant Infant Medium" panose="00000600000000000000" pitchFamily="2" charset="0"/>
+              </a:rPr>
+              <a:t>26 Day Street</a:t>
+            </a:r>
+          </a:p>
+          <a:p>
+            <a:pPr algn="ctr"/>
+            <a:r>
+              <a:rPr lang="en-US" sz="1400" dirty="0" err="1">
+                <a:solidFill>
+                  <a:schemeClr val="bg2">
+                    <a:lumMod val="50000"/>
+                  </a:schemeClr>
+                </a:solidFill>
+                <a:latin typeface="Cormorant Infant Medium" panose="00000600000000000000" pitchFamily="2" charset="0"/>
+              </a:rPr>
+              <a:t>Keliso</a:t>
+            </a:r>
+            <a:r>
+              <a:rPr lang="en-US" sz="1400" dirty="0">
+                <a:solidFill>
+                  <a:schemeClr val="bg2">
+                    <a:lumMod val="50000"/>
+                  </a:schemeClr>
+                </a:solidFill>
+                <a:latin typeface="Cormorant Infant Medium" panose="00000600000000000000" pitchFamily="2" charset="0"/>
+              </a:rPr>
+              <a:t>, CA 93262 </a:t>
+            </a:r>
+          </a:p>
+        </p:txBody>
+      </p:sp>
+      <p:sp>
+        <p:nvSpPr>
+          <p:cNvPr id="13" name="TextBox 12">
+            <a:extLst>
+              <a:ext uri="{FF2B5EF4-FFF2-40B4-BE49-F238E27FC236}">
+                <a16:creationId xmlns:a16="http://schemas.microsoft.com/office/drawing/2014/main" id="{8368F338-9174-46F6-9C71-63B3B90DC40D}"/>
+              </a:ext>
+            </a:extLst>
+          </p:cNvPr>
+          <p:cNvSpPr txBox="1"/>
+          <p:nvPr/>
+        </p:nvSpPr>
+        <p:spPr>
+          <a:xfrm>
+            <a:off x="6835980" y="1461044"/>
+            <a:ext cx="1846492" cy="307777"/>
+          </a:xfrm>
+          <a:prstGeom prst="rect">
+            <a:avLst/>
+          </a:prstGeom>
+          <a:noFill/>
+        </p:spPr>
+        <p:txBody>
+          <a:bodyPr wrap="square" rtlCol="0">
+            <a:spAutoFit/>
+          </a:bodyPr>
+          <a:lstStyle/>
+          <a:p>
+            <a:pPr algn="ctr"/>
+            <a:r>
+              <a:rPr lang="en-US" sz="1400" dirty="0">
+                <a:solidFill>
+                  <a:schemeClr val="bg2">
+                    <a:lumMod val="50000"/>
+                  </a:schemeClr>
+                </a:solidFill>
+                <a:latin typeface="Cormorant Infant Medium" panose="00000600000000000000" pitchFamily="2" charset="0"/>
+              </a:rPr>
+              <a:t>5000</a:t>
+            </a:r>
+          </a:p>
+        </p:txBody>
+      </p:sp>
+      <p:sp>
+        <p:nvSpPr>
+          <p:cNvPr id="16" name="TextBox 15">
+            <a:extLst>
+              <a:ext uri="{FF2B5EF4-FFF2-40B4-BE49-F238E27FC236}">
+                <a16:creationId xmlns:a16="http://schemas.microsoft.com/office/drawing/2014/main" id="{C6A57C81-7AB2-4B83-BA7C-353742322ADA}"/>
+              </a:ext>
+            </a:extLst>
+          </p:cNvPr>
+          <p:cNvSpPr txBox="1"/>
+          <p:nvPr/>
+        </p:nvSpPr>
+        <p:spPr>
+          <a:xfrm>
+            <a:off x="6730350" y="1853139"/>
+            <a:ext cx="1846492" cy="307777"/>
+          </a:xfrm>
+          <a:prstGeom prst="rect">
+            <a:avLst/>
+          </a:prstGeom>
+          <a:noFill/>
+        </p:spPr>
+        <p:txBody>
+          <a:bodyPr wrap="square" rtlCol="0">
+            <a:spAutoFit/>
+          </a:bodyPr>
+          <a:lstStyle/>
+          <a:p>
+            <a:pPr algn="ctr"/>
+            <a:r>
+              <a:rPr lang="en-US" sz="1400" dirty="0">
+                <a:solidFill>
+                  <a:schemeClr val="bg2">
+                    <a:lumMod val="50000"/>
+                  </a:schemeClr>
+                </a:solidFill>
+                <a:latin typeface="Cormorant Infant Medium" panose="00000600000000000000" pitchFamily="2" charset="0"/>
+              </a:rPr>
+              <a:t>600</a:t>
+            </a:r>
+          </a:p>
+        </p:txBody>
+      </p:sp>
+      <p:sp>
+        <p:nvSpPr>
+          <p:cNvPr id="18" name="TextBox 17">
+            <a:extLst>
+              <a:ext uri="{FF2B5EF4-FFF2-40B4-BE49-F238E27FC236}">
+                <a16:creationId xmlns:a16="http://schemas.microsoft.com/office/drawing/2014/main" id="{AD72D420-367A-4AF9-8665-B43ABF5ECCB4}"/>
+              </a:ext>
+            </a:extLst>
+          </p:cNvPr>
+          <p:cNvSpPr txBox="1"/>
+          <p:nvPr/>
+        </p:nvSpPr>
+        <p:spPr>
+          <a:xfrm>
+            <a:off x="6778126" y="2222216"/>
+            <a:ext cx="1846492" cy="307777"/>
+          </a:xfrm>
+          <a:prstGeom prst="rect">
+            <a:avLst/>
+          </a:prstGeom>
+          <a:noFill/>
+        </p:spPr>
+        <p:txBody>
+          <a:bodyPr wrap="square" rtlCol="0">
+            <a:spAutoFit/>
+          </a:bodyPr>
+          <a:lstStyle/>
+          <a:p>
+            <a:pPr algn="ctr"/>
+            <a:r>
+              <a:rPr lang="en-US" sz="1400" dirty="0">
+                <a:solidFill>
+                  <a:schemeClr val="bg2">
+                    <a:lumMod val="50000"/>
+                  </a:schemeClr>
+                </a:solidFill>
+                <a:latin typeface="Cormorant Infant Medium" panose="00000600000000000000" pitchFamily="2" charset="0"/>
+              </a:rPr>
+              <a:t>53020</a:t>
+            </a:r>
+          </a:p>
+        </p:txBody>
+      </p:sp>
+      <p:sp>
+        <p:nvSpPr>
+          <p:cNvPr id="20" name="TextBox 19">
+            <a:extLst>
+              <a:ext uri="{FF2B5EF4-FFF2-40B4-BE49-F238E27FC236}">
+                <a16:creationId xmlns:a16="http://schemas.microsoft.com/office/drawing/2014/main" id="{0AA6791F-62D1-42BC-88CD-CCE02728A4E3}"/>
+              </a:ext>
+            </a:extLst>
+          </p:cNvPr>
+          <p:cNvSpPr txBox="1"/>
+          <p:nvPr/>
+        </p:nvSpPr>
+        <p:spPr>
+          <a:xfrm>
+            <a:off x="1917800" y="3541777"/>
+            <a:ext cx="2874429" cy="738664"/>
+          </a:xfrm>
+          <a:prstGeom prst="rect">
+            <a:avLst/>
+          </a:prstGeom>
+          <a:noFill/>
+        </p:spPr>
+        <p:txBody>
+          <a:bodyPr wrap="square" rtlCol="0">
+            <a:spAutoFit/>
+          </a:bodyPr>
+          <a:lstStyle/>
+          <a:p>
+            <a:pPr algn="ctr"/>
+            <a:r>
+              <a:rPr lang="en-US" sz="1400" dirty="0">
+                <a:solidFill>
+                  <a:schemeClr val="bg2">
+                    <a:lumMod val="50000"/>
+                  </a:schemeClr>
+                </a:solidFill>
+                <a:latin typeface="Cormorant Infant Medium" panose="00000600000000000000" pitchFamily="2" charset="0"/>
+              </a:rPr>
+              <a:t>Harman  Tacker</a:t>
+            </a:r>
+          </a:p>
+          <a:p>
+            <a:pPr algn="ctr"/>
+            <a:r>
+              <a:rPr lang="en-US" sz="1400" dirty="0">
+                <a:solidFill>
+                  <a:schemeClr val="bg2">
+                    <a:lumMod val="50000"/>
+                  </a:schemeClr>
+                </a:solidFill>
+                <a:latin typeface="Cormorant Infant Medium" panose="00000600000000000000" pitchFamily="2" charset="0"/>
+              </a:rPr>
+              <a:t>94 Paso Street</a:t>
+            </a:r>
+          </a:p>
+          <a:p>
+            <a:pPr algn="ctr"/>
+            <a:r>
+              <a:rPr lang="en-US" sz="1400" dirty="0" err="1">
+                <a:solidFill>
+                  <a:schemeClr val="bg2">
+                    <a:lumMod val="50000"/>
+                  </a:schemeClr>
+                </a:solidFill>
+                <a:latin typeface="Cormorant Infant Medium" panose="00000600000000000000" pitchFamily="2" charset="0"/>
+              </a:rPr>
+              <a:t>Filamore</a:t>
+            </a:r>
+            <a:r>
+              <a:rPr lang="en-US" sz="1400" dirty="0">
+                <a:solidFill>
+                  <a:schemeClr val="bg2">
+                    <a:lumMod val="50000"/>
+                  </a:schemeClr>
+                </a:solidFill>
+                <a:latin typeface="Cormorant Infant Medium" panose="00000600000000000000" pitchFamily="2" charset="0"/>
+              </a:rPr>
+              <a:t>, PA 83292 </a:t>
+            </a:r>
+          </a:p>
+        </p:txBody>
+      </p:sp>
+      <p:sp>
+        <p:nvSpPr>
+          <p:cNvPr id="22" name="TextBox 21">
+            <a:extLst>
+              <a:ext uri="{FF2B5EF4-FFF2-40B4-BE49-F238E27FC236}">
+                <a16:creationId xmlns:a16="http://schemas.microsoft.com/office/drawing/2014/main" id="{03D7B0BE-CC42-429D-AF18-D04AE44222EF}"/>
+              </a:ext>
+            </a:extLst>
+          </p:cNvPr>
+          <p:cNvSpPr txBox="1"/>
+          <p:nvPr/>
+        </p:nvSpPr>
+        <p:spPr>
+          <a:xfrm>
+            <a:off x="8445240" y="1457605"/>
+            <a:ext cx="2219325" cy="307777"/>
+          </a:xfrm>
+          <a:prstGeom prst="rect">
+            <a:avLst/>
+          </a:prstGeom>
+          <a:noFill/>
+        </p:spPr>
+        <p:txBody>
+          <a:bodyPr wrap="square" rtlCol="0">
+            <a:spAutoFit/>
+          </a:bodyPr>
+          <a:lstStyle/>
+          <a:p>
+            <a:pPr algn="ctr"/>
+            <a:r>
+              <a:rPr lang="en-US" sz="1400" dirty="0">
+                <a:solidFill>
+                  <a:schemeClr val="bg2">
+                    <a:lumMod val="50000"/>
+                  </a:schemeClr>
+                </a:solidFill>
+                <a:latin typeface="Cormorant Infant Medium" panose="00000600000000000000" pitchFamily="2" charset="0"/>
+              </a:rPr>
+              <a:t>4,000.50</a:t>
+            </a:r>
+          </a:p>
+        </p:txBody>
+      </p:sp>
+      <p:sp>
+        <p:nvSpPr>
+          <p:cNvPr id="24" name="TextBox 23">
+            <a:extLst>
+              <a:ext uri="{FF2B5EF4-FFF2-40B4-BE49-F238E27FC236}">
+                <a16:creationId xmlns:a16="http://schemas.microsoft.com/office/drawing/2014/main" id="{B4077961-7893-45D8-9D0F-01544ED39FA6}"/>
+              </a:ext>
+            </a:extLst>
+          </p:cNvPr>
+          <p:cNvSpPr txBox="1"/>
+          <p:nvPr/>
+        </p:nvSpPr>
+        <p:spPr>
+          <a:xfrm>
+            <a:off x="8416324" y="1842754"/>
+            <a:ext cx="2219325" cy="307777"/>
+          </a:xfrm>
+          <a:prstGeom prst="rect">
+            <a:avLst/>
+          </a:prstGeom>
+          <a:noFill/>
+        </p:spPr>
+        <p:txBody>
+          <a:bodyPr wrap="square" rtlCol="0">
+            <a:spAutoFit/>
+          </a:bodyPr>
+          <a:lstStyle/>
+          <a:p>
+            <a:pPr algn="ctr"/>
+            <a:r>
+              <a:rPr lang="en-US" sz="1400" dirty="0">
+                <a:solidFill>
+                  <a:schemeClr val="bg2">
+                    <a:lumMod val="50000"/>
+                  </a:schemeClr>
+                </a:solidFill>
+                <a:latin typeface="Cormorant Infant Medium" panose="00000600000000000000" pitchFamily="2" charset="0"/>
+              </a:rPr>
+              <a:t>1,200.52</a:t>
+            </a:r>
+          </a:p>
+        </p:txBody>
+      </p:sp>
+      <p:sp>
+        <p:nvSpPr>
+          <p:cNvPr id="26" name="TextBox 25">
+            <a:extLst>
+              <a:ext uri="{FF2B5EF4-FFF2-40B4-BE49-F238E27FC236}">
+                <a16:creationId xmlns:a16="http://schemas.microsoft.com/office/drawing/2014/main" id="{62041C80-77EA-4EEA-B87A-EDA402E51620}"/>
+              </a:ext>
+            </a:extLst>
+          </p:cNvPr>
+          <p:cNvSpPr txBox="1"/>
+          <p:nvPr/>
+        </p:nvSpPr>
+        <p:spPr>
+          <a:xfrm>
+            <a:off x="8438202" y="2260331"/>
+            <a:ext cx="2219325" cy="307777"/>
+          </a:xfrm>
+          <a:prstGeom prst="rect">
+            <a:avLst/>
+          </a:prstGeom>
+          <a:noFill/>
+        </p:spPr>
+        <p:txBody>
+          <a:bodyPr wrap="square" rtlCol="0">
+            <a:spAutoFit/>
+          </a:bodyPr>
+          <a:lstStyle/>
+          <a:p>
+            <a:pPr algn="ctr"/>
+            <a:r>
+              <a:rPr lang="en-US" sz="1400" dirty="0">
+                <a:solidFill>
+                  <a:schemeClr val="bg2">
+                    <a:lumMod val="50000"/>
+                  </a:schemeClr>
+                </a:solidFill>
+                <a:latin typeface="Cormorant Infant Medium" panose="00000600000000000000" pitchFamily="2" charset="0"/>
+              </a:rPr>
+              <a:t>230.02</a:t>
+            </a:r>
+          </a:p>
+        </p:txBody>
+      </p:sp>
+      <p:sp>
+        <p:nvSpPr>
+          <p:cNvPr id="30" name="TextBox 29">
+            <a:extLst>
+              <a:ext uri="{FF2B5EF4-FFF2-40B4-BE49-F238E27FC236}">
+                <a16:creationId xmlns:a16="http://schemas.microsoft.com/office/drawing/2014/main" id="{8F8DCDC1-5236-42A7-960A-DF9E6D6819EF}"/>
+              </a:ext>
+            </a:extLst>
+          </p:cNvPr>
+          <p:cNvSpPr txBox="1"/>
+          <p:nvPr/>
+        </p:nvSpPr>
+        <p:spPr>
+          <a:xfrm>
+            <a:off x="7505358" y="3531751"/>
+            <a:ext cx="206188" cy="307777"/>
+          </a:xfrm>
+          <a:prstGeom prst="rect">
+            <a:avLst/>
+          </a:prstGeom>
+          <a:noFill/>
+        </p:spPr>
+        <p:txBody>
+          <a:bodyPr wrap="square" rtlCol="0">
+            <a:spAutoFit/>
+          </a:bodyPr>
+          <a:lstStyle/>
+          <a:p>
+            <a:r>
+              <a:rPr lang="en-US" sz="1400" dirty="0">
+                <a:latin typeface="Cormorant Infant Medium" panose="00000600000000000000" pitchFamily="2" charset="0"/>
+              </a:rPr>
+              <a:t>X</a:t>
+            </a:r>
+          </a:p>
+        </p:txBody>
+      </p:sp>
+    </p:spTree>
+    <p:extLst>
+      <p:ext uri="{BB962C8B-B14F-4D97-AF65-F5344CB8AC3E}">
+        <p14:creationId xmlns:p14="http://schemas.microsoft.com/office/powerpoint/2010/main" val="2065133897"/>
+      </p:ext>
+    </p:extLst>
+  </p:cSld>
+  <p:clrMapOvr>
+    <a:masterClrMapping/>
+  </p:clrMapOvr>
+</p:sld>
+</file>
+
+<file path=ppt/slides/slide21.xml><?xml version="1.0" encoding="utf-8"?>
+<p:sld xmlns:a="http://schemas.openxmlformats.org/drawingml/2006/main" xmlns:r="http://schemas.openxmlformats.org/officeDocument/2006/relationships" xmlns:p="http://schemas.openxmlformats.org/presentationml/2006/main">
+  <p:cSld>
+    <p:spTree>
+      <p:nvGrpSpPr>
+        <p:cNvPr id="1" name=""/>
+        <p:cNvGrpSpPr/>
+        <p:nvPr/>
+      </p:nvGrpSpPr>
+      <p:grpSpPr>
+        <a:xfrm>
+          <a:off x="0" y="0"/>
+          <a:ext cx="0" cy="0"/>
+          <a:chOff x="0" y="0"/>
+          <a:chExt cx="0" cy="0"/>
+        </a:xfrm>
+      </p:grpSpPr>
+      <p:pic>
+        <p:nvPicPr>
+          <p:cNvPr id="1026" name="Picture 2">
+            <a:extLst>
+              <a:ext uri="{FF2B5EF4-FFF2-40B4-BE49-F238E27FC236}">
+                <a16:creationId xmlns:a16="http://schemas.microsoft.com/office/drawing/2014/main" id="{3A3689D3-9A82-1841-90F2-83E3051B7A47}"/>
+              </a:ext>
+            </a:extLst>
+          </p:cNvPr>
+          <p:cNvPicPr>
+            <a:picLocks noChangeAspect="1" noChangeArrowheads="1"/>
+          </p:cNvPicPr>
+          <p:nvPr/>
+        </p:nvPicPr>
+        <p:blipFill>
+          <a:blip r:embed="rId2">
+            <a:extLst>
+              <a:ext uri="{28A0092B-C50C-407E-A947-70E740481C1C}">
+                <a14:useLocalDpi xmlns:a14="http://schemas.microsoft.com/office/drawing/2010/main" val="0"/>
+              </a:ext>
+            </a:extLst>
+          </a:blip>
+          <a:srcRect/>
+          <a:stretch>
+            <a:fillRect/>
+          </a:stretch>
+        </p:blipFill>
+        <p:spPr bwMode="auto">
+          <a:xfrm>
+            <a:off x="1057440" y="0"/>
+            <a:ext cx="10279063" cy="6858000"/>
+          </a:xfrm>
+          <a:prstGeom prst="rect">
+            <a:avLst/>
+          </a:prstGeom>
+          <a:noFill/>
+          <a:extLst>
+            <a:ext uri="{909E8E84-426E-40DD-AFC4-6F175D3DCCD1}">
+              <a14:hiddenFill xmlns:a14="http://schemas.microsoft.com/office/drawing/2010/main">
+                <a:solidFill>
+                  <a:srgbClr val="FFFFFF"/>
+                </a:solidFill>
+              </a14:hiddenFill>
+            </a:ext>
+          </a:extLst>
+        </p:spPr>
+      </p:pic>
+      <p:sp>
+        <p:nvSpPr>
+          <p:cNvPr id="2" name="TextBox 1">
+            <a:extLst>
+              <a:ext uri="{FF2B5EF4-FFF2-40B4-BE49-F238E27FC236}">
+                <a16:creationId xmlns:a16="http://schemas.microsoft.com/office/drawing/2014/main" id="{E060FC27-FDF4-4856-8493-B570232CCB07}"/>
+              </a:ext>
+            </a:extLst>
+          </p:cNvPr>
+          <p:cNvSpPr txBox="1"/>
+          <p:nvPr/>
+        </p:nvSpPr>
+        <p:spPr>
+          <a:xfrm>
+            <a:off x="3008069" y="656442"/>
+            <a:ext cx="2402540" cy="338554"/>
+          </a:xfrm>
+          <a:prstGeom prst="rect">
+            <a:avLst/>
+          </a:prstGeom>
+          <a:noFill/>
+        </p:spPr>
+        <p:txBody>
+          <a:bodyPr wrap="square" rtlCol="0">
+            <a:spAutoFit/>
+          </a:bodyPr>
+          <a:lstStyle/>
+          <a:p>
+            <a:pPr algn="ctr"/>
+            <a:r>
+              <a:rPr lang="en-US" sz="1600" i="1" dirty="0">
+                <a:solidFill>
+                  <a:schemeClr val="bg2">
+                    <a:lumMod val="50000"/>
+                  </a:schemeClr>
+                </a:solidFill>
+                <a:latin typeface="DotumChe" panose="020B0609000101010101" pitchFamily="49" charset="-127"/>
+                <a:ea typeface="DotumChe" panose="020B0609000101010101" pitchFamily="49" charset="-127"/>
+              </a:rPr>
+              <a:t>544-09-1829</a:t>
+            </a:r>
+          </a:p>
+        </p:txBody>
+      </p:sp>
+      <p:sp>
+        <p:nvSpPr>
+          <p:cNvPr id="4" name="TextBox 3">
+            <a:extLst>
+              <a:ext uri="{FF2B5EF4-FFF2-40B4-BE49-F238E27FC236}">
+                <a16:creationId xmlns:a16="http://schemas.microsoft.com/office/drawing/2014/main" id="{38B82868-4149-4847-BDB5-61969C47AEF3}"/>
+              </a:ext>
+            </a:extLst>
+          </p:cNvPr>
+          <p:cNvSpPr txBox="1"/>
+          <p:nvPr/>
+        </p:nvSpPr>
+        <p:spPr>
+          <a:xfrm>
+            <a:off x="4620117" y="1029321"/>
+            <a:ext cx="2064946" cy="338554"/>
+          </a:xfrm>
+          <a:prstGeom prst="rect">
+            <a:avLst/>
+          </a:prstGeom>
+          <a:noFill/>
+        </p:spPr>
+        <p:txBody>
+          <a:bodyPr wrap="square" rtlCol="0">
+            <a:spAutoFit/>
+          </a:bodyPr>
+          <a:lstStyle/>
+          <a:p>
+            <a:pPr algn="ctr"/>
+            <a:r>
+              <a:rPr lang="en-US" sz="1600" i="1" dirty="0">
+                <a:solidFill>
+                  <a:schemeClr val="bg2">
+                    <a:lumMod val="50000"/>
+                  </a:schemeClr>
+                </a:solidFill>
+                <a:latin typeface="DotumChe" panose="020B0609000101010101" pitchFamily="49" charset="-127"/>
+                <a:ea typeface="DotumChe" panose="020B0609000101010101" pitchFamily="49" charset="-127"/>
+              </a:rPr>
+              <a:t>909-777-293912</a:t>
+            </a:r>
+          </a:p>
+        </p:txBody>
+      </p:sp>
+      <p:sp>
+        <p:nvSpPr>
+          <p:cNvPr id="8" name="TextBox 7">
+            <a:extLst>
+              <a:ext uri="{FF2B5EF4-FFF2-40B4-BE49-F238E27FC236}">
+                <a16:creationId xmlns:a16="http://schemas.microsoft.com/office/drawing/2014/main" id="{8580D1B7-E1A1-4914-823C-258501D6BFCB}"/>
+              </a:ext>
+            </a:extLst>
+          </p:cNvPr>
+          <p:cNvSpPr txBox="1"/>
+          <p:nvPr/>
+        </p:nvSpPr>
+        <p:spPr>
+          <a:xfrm>
+            <a:off x="6730350" y="1029321"/>
+            <a:ext cx="1846492" cy="338554"/>
+          </a:xfrm>
+          <a:prstGeom prst="rect">
+            <a:avLst/>
+          </a:prstGeom>
+          <a:noFill/>
+        </p:spPr>
+        <p:txBody>
+          <a:bodyPr wrap="square" rtlCol="0">
+            <a:spAutoFit/>
+          </a:bodyPr>
+          <a:lstStyle/>
+          <a:p>
+            <a:pPr algn="ctr"/>
+            <a:r>
+              <a:rPr lang="en-US" sz="1600" i="1" dirty="0">
+                <a:solidFill>
+                  <a:schemeClr val="bg2">
+                    <a:lumMod val="50000"/>
+                  </a:schemeClr>
+                </a:solidFill>
+                <a:latin typeface="DotumChe" panose="020B0609000101010101" pitchFamily="49" charset="-127"/>
+                <a:ea typeface="DotumChe" panose="020B0609000101010101" pitchFamily="49" charset="-127"/>
+              </a:rPr>
+              <a:t>542900</a:t>
+            </a:r>
+          </a:p>
+        </p:txBody>
+      </p:sp>
+      <p:sp>
+        <p:nvSpPr>
+          <p:cNvPr id="10" name="TextBox 9">
+            <a:extLst>
+              <a:ext uri="{FF2B5EF4-FFF2-40B4-BE49-F238E27FC236}">
+                <a16:creationId xmlns:a16="http://schemas.microsoft.com/office/drawing/2014/main" id="{D1C842F9-803B-4B29-9423-ADE007BA6B97}"/>
+              </a:ext>
+            </a:extLst>
+          </p:cNvPr>
+          <p:cNvSpPr txBox="1"/>
+          <p:nvPr/>
+        </p:nvSpPr>
+        <p:spPr>
+          <a:xfrm>
+            <a:off x="8819912" y="1029321"/>
+            <a:ext cx="1956120" cy="338554"/>
+          </a:xfrm>
+          <a:prstGeom prst="rect">
+            <a:avLst/>
+          </a:prstGeom>
+          <a:noFill/>
+        </p:spPr>
+        <p:txBody>
+          <a:bodyPr wrap="square" rtlCol="0">
+            <a:spAutoFit/>
+          </a:bodyPr>
+          <a:lstStyle/>
+          <a:p>
+            <a:pPr algn="ctr"/>
+            <a:r>
+              <a:rPr lang="en-US" sz="1600" i="1" dirty="0">
+                <a:solidFill>
+                  <a:schemeClr val="bg2">
+                    <a:lumMod val="50000"/>
+                  </a:schemeClr>
+                </a:solidFill>
+                <a:latin typeface="DotumChe" panose="020B0609000101010101" pitchFamily="49" charset="-127"/>
+                <a:ea typeface="DotumChe" panose="020B0609000101010101" pitchFamily="49" charset="-127"/>
+              </a:rPr>
+              <a:t>$230000</a:t>
+            </a:r>
+          </a:p>
+        </p:txBody>
+      </p:sp>
+      <p:sp>
+        <p:nvSpPr>
+          <p:cNvPr id="14" name="TextBox 13">
+            <a:extLst>
+              <a:ext uri="{FF2B5EF4-FFF2-40B4-BE49-F238E27FC236}">
+                <a16:creationId xmlns:a16="http://schemas.microsoft.com/office/drawing/2014/main" id="{1FCF496D-EB01-47FB-99AE-4BB6D352A1ED}"/>
+              </a:ext>
+            </a:extLst>
+          </p:cNvPr>
+          <p:cNvSpPr txBox="1"/>
+          <p:nvPr/>
+        </p:nvSpPr>
+        <p:spPr>
+          <a:xfrm>
+            <a:off x="2020086" y="1593463"/>
+            <a:ext cx="4595150" cy="830997"/>
+          </a:xfrm>
+          <a:prstGeom prst="rect">
+            <a:avLst/>
+          </a:prstGeom>
+          <a:noFill/>
+        </p:spPr>
+        <p:txBody>
+          <a:bodyPr wrap="square">
+            <a:spAutoFit/>
+          </a:bodyPr>
+          <a:lstStyle/>
+          <a:p>
+            <a:pPr algn="ctr"/>
+            <a:r>
+              <a:rPr lang="en-US" sz="1600" i="1" dirty="0" err="1">
+                <a:solidFill>
+                  <a:schemeClr val="bg2">
+                    <a:lumMod val="50000"/>
+                  </a:schemeClr>
+                </a:solidFill>
+                <a:latin typeface="DotumChe" panose="020B0609000101010101" pitchFamily="49" charset="-127"/>
+                <a:ea typeface="DotumChe" panose="020B0609000101010101" pitchFamily="49" charset="-127"/>
+              </a:rPr>
+              <a:t>Jermy</a:t>
+            </a:r>
+            <a:r>
+              <a:rPr lang="en-US" sz="1600" i="1" dirty="0">
+                <a:solidFill>
+                  <a:schemeClr val="bg2">
+                    <a:lumMod val="50000"/>
+                  </a:schemeClr>
+                </a:solidFill>
+                <a:latin typeface="DotumChe" panose="020B0609000101010101" pitchFamily="49" charset="-127"/>
+                <a:ea typeface="DotumChe" panose="020B0609000101010101" pitchFamily="49" charset="-127"/>
+              </a:rPr>
+              <a:t> Corporation</a:t>
+            </a:r>
+          </a:p>
+          <a:p>
+            <a:pPr algn="ctr"/>
+            <a:r>
+              <a:rPr lang="en-US" sz="1600" i="1" dirty="0" err="1">
+                <a:solidFill>
+                  <a:schemeClr val="bg2">
+                    <a:lumMod val="50000"/>
+                  </a:schemeClr>
+                </a:solidFill>
+                <a:latin typeface="DotumChe" panose="020B0609000101010101" pitchFamily="49" charset="-127"/>
+                <a:ea typeface="DotumChe" panose="020B0609000101010101" pitchFamily="49" charset="-127"/>
+              </a:rPr>
+              <a:t>Moz</a:t>
+            </a:r>
+            <a:r>
+              <a:rPr lang="en-US" sz="1600" i="1" dirty="0">
+                <a:solidFill>
+                  <a:schemeClr val="bg2">
+                    <a:lumMod val="50000"/>
+                  </a:schemeClr>
+                </a:solidFill>
+                <a:latin typeface="DotumChe" panose="020B0609000101010101" pitchFamily="49" charset="-127"/>
+                <a:ea typeface="DotumChe" panose="020B0609000101010101" pitchFamily="49" charset="-127"/>
+              </a:rPr>
+              <a:t> Lane Suite 828 J</a:t>
+            </a:r>
+          </a:p>
+          <a:p>
+            <a:pPr algn="ctr"/>
+            <a:r>
+              <a:rPr lang="en-US" sz="1600" i="1" dirty="0">
+                <a:solidFill>
+                  <a:schemeClr val="bg2">
+                    <a:lumMod val="50000"/>
+                  </a:schemeClr>
+                </a:solidFill>
+                <a:latin typeface="DotumChe" panose="020B0609000101010101" pitchFamily="49" charset="-127"/>
+                <a:ea typeface="DotumChe" panose="020B0609000101010101" pitchFamily="49" charset="-127"/>
+              </a:rPr>
+              <a:t>Flagstaff, AR 92012</a:t>
+            </a:r>
+          </a:p>
+        </p:txBody>
+      </p:sp>
+      <p:sp>
+        <p:nvSpPr>
+          <p:cNvPr id="13" name="TextBox 12">
+            <a:extLst>
+              <a:ext uri="{FF2B5EF4-FFF2-40B4-BE49-F238E27FC236}">
+                <a16:creationId xmlns:a16="http://schemas.microsoft.com/office/drawing/2014/main" id="{8368F338-9174-46F6-9C71-63B3B90DC40D}"/>
+              </a:ext>
+            </a:extLst>
+          </p:cNvPr>
+          <p:cNvSpPr txBox="1"/>
+          <p:nvPr/>
+        </p:nvSpPr>
+        <p:spPr>
+          <a:xfrm>
+            <a:off x="6835980" y="1461044"/>
+            <a:ext cx="1846492" cy="338554"/>
+          </a:xfrm>
+          <a:prstGeom prst="rect">
+            <a:avLst/>
+          </a:prstGeom>
+          <a:noFill/>
+        </p:spPr>
+        <p:txBody>
+          <a:bodyPr wrap="square" rtlCol="0">
+            <a:spAutoFit/>
+          </a:bodyPr>
+          <a:lstStyle/>
+          <a:p>
+            <a:pPr algn="ctr"/>
+            <a:r>
+              <a:rPr lang="en-US" sz="1600" i="1" dirty="0">
+                <a:solidFill>
+                  <a:schemeClr val="bg2">
+                    <a:lumMod val="50000"/>
+                  </a:schemeClr>
+                </a:solidFill>
+                <a:latin typeface="DotumChe" panose="020B0609000101010101" pitchFamily="49" charset="-127"/>
+                <a:ea typeface="DotumChe" panose="020B0609000101010101" pitchFamily="49" charset="-127"/>
+              </a:rPr>
+              <a:t>3290</a:t>
+            </a:r>
+          </a:p>
+        </p:txBody>
+      </p:sp>
+      <p:sp>
+        <p:nvSpPr>
+          <p:cNvPr id="16" name="TextBox 15">
+            <a:extLst>
+              <a:ext uri="{FF2B5EF4-FFF2-40B4-BE49-F238E27FC236}">
+                <a16:creationId xmlns:a16="http://schemas.microsoft.com/office/drawing/2014/main" id="{C6A57C81-7AB2-4B83-BA7C-353742322ADA}"/>
+              </a:ext>
+            </a:extLst>
+          </p:cNvPr>
+          <p:cNvSpPr txBox="1"/>
+          <p:nvPr/>
+        </p:nvSpPr>
+        <p:spPr>
+          <a:xfrm>
+            <a:off x="6730350" y="1853139"/>
+            <a:ext cx="1846492" cy="338554"/>
+          </a:xfrm>
+          <a:prstGeom prst="rect">
+            <a:avLst/>
+          </a:prstGeom>
+          <a:noFill/>
+        </p:spPr>
+        <p:txBody>
+          <a:bodyPr wrap="square" rtlCol="0">
+            <a:spAutoFit/>
+          </a:bodyPr>
+          <a:lstStyle/>
+          <a:p>
+            <a:pPr algn="ctr"/>
+            <a:r>
+              <a:rPr lang="en-US" sz="1600" i="1" dirty="0">
+                <a:solidFill>
+                  <a:schemeClr val="bg2">
+                    <a:lumMod val="50000"/>
+                  </a:schemeClr>
+                </a:solidFill>
+                <a:latin typeface="DotumChe" panose="020B0609000101010101" pitchFamily="49" charset="-127"/>
+                <a:ea typeface="DotumChe" panose="020B0609000101010101" pitchFamily="49" charset="-127"/>
+              </a:rPr>
+              <a:t>5391</a:t>
+            </a:r>
+          </a:p>
+        </p:txBody>
+      </p:sp>
+      <p:sp>
+        <p:nvSpPr>
+          <p:cNvPr id="18" name="TextBox 17">
+            <a:extLst>
+              <a:ext uri="{FF2B5EF4-FFF2-40B4-BE49-F238E27FC236}">
+                <a16:creationId xmlns:a16="http://schemas.microsoft.com/office/drawing/2014/main" id="{AD72D420-367A-4AF9-8665-B43ABF5ECCB4}"/>
+              </a:ext>
+            </a:extLst>
+          </p:cNvPr>
+          <p:cNvSpPr txBox="1"/>
+          <p:nvPr/>
+        </p:nvSpPr>
+        <p:spPr>
+          <a:xfrm>
+            <a:off x="6778126" y="2222216"/>
+            <a:ext cx="1846492" cy="338554"/>
+          </a:xfrm>
+          <a:prstGeom prst="rect">
+            <a:avLst/>
+          </a:prstGeom>
+          <a:noFill/>
+        </p:spPr>
+        <p:txBody>
+          <a:bodyPr wrap="square" rtlCol="0">
+            <a:spAutoFit/>
+          </a:bodyPr>
+          <a:lstStyle/>
+          <a:p>
+            <a:pPr algn="ctr"/>
+            <a:r>
+              <a:rPr lang="en-US" sz="1600" i="1" dirty="0">
+                <a:solidFill>
+                  <a:schemeClr val="bg2">
+                    <a:lumMod val="50000"/>
+                  </a:schemeClr>
+                </a:solidFill>
+                <a:latin typeface="DotumChe" panose="020B0609000101010101" pitchFamily="49" charset="-127"/>
+                <a:ea typeface="DotumChe" panose="020B0609000101010101" pitchFamily="49" charset="-127"/>
+              </a:rPr>
+              <a:t>89200</a:t>
+            </a:r>
+          </a:p>
+        </p:txBody>
+      </p:sp>
+      <p:sp>
+        <p:nvSpPr>
+          <p:cNvPr id="20" name="TextBox 19">
+            <a:extLst>
+              <a:ext uri="{FF2B5EF4-FFF2-40B4-BE49-F238E27FC236}">
+                <a16:creationId xmlns:a16="http://schemas.microsoft.com/office/drawing/2014/main" id="{0AA6791F-62D1-42BC-88CD-CCE02728A4E3}"/>
+              </a:ext>
+            </a:extLst>
+          </p:cNvPr>
+          <p:cNvSpPr txBox="1"/>
+          <p:nvPr/>
+        </p:nvSpPr>
+        <p:spPr>
+          <a:xfrm>
+            <a:off x="3961551" y="3275111"/>
+            <a:ext cx="2874429" cy="830997"/>
+          </a:xfrm>
+          <a:prstGeom prst="rect">
+            <a:avLst/>
+          </a:prstGeom>
+          <a:noFill/>
+        </p:spPr>
+        <p:txBody>
+          <a:bodyPr wrap="square" rtlCol="0">
+            <a:spAutoFit/>
+          </a:bodyPr>
+          <a:lstStyle/>
+          <a:p>
+            <a:pPr algn="ctr"/>
+            <a:r>
+              <a:rPr lang="en-US" sz="1600" i="1" dirty="0">
+                <a:solidFill>
+                  <a:schemeClr val="bg2">
+                    <a:lumMod val="50000"/>
+                  </a:schemeClr>
+                </a:solidFill>
+                <a:latin typeface="DotumChe" panose="020B0609000101010101" pitchFamily="49" charset="-127"/>
+                <a:ea typeface="DotumChe" panose="020B0609000101010101" pitchFamily="49" charset="-127"/>
+              </a:rPr>
+              <a:t>Mat </a:t>
+            </a:r>
+            <a:r>
+              <a:rPr lang="en-US" sz="1600" i="1" dirty="0" err="1">
+                <a:solidFill>
+                  <a:schemeClr val="bg2">
+                    <a:lumMod val="50000"/>
+                  </a:schemeClr>
+                </a:solidFill>
+                <a:latin typeface="DotumChe" panose="020B0609000101010101" pitchFamily="49" charset="-127"/>
+                <a:ea typeface="DotumChe" panose="020B0609000101010101" pitchFamily="49" charset="-127"/>
+              </a:rPr>
+              <a:t>Leut</a:t>
+            </a:r>
+            <a:endParaRPr lang="en-US" sz="1600" i="1" dirty="0">
+              <a:solidFill>
+                <a:schemeClr val="bg2">
+                  <a:lumMod val="50000"/>
+                </a:schemeClr>
+              </a:solidFill>
+              <a:latin typeface="DotumChe" panose="020B0609000101010101" pitchFamily="49" charset="-127"/>
+              <a:ea typeface="DotumChe" panose="020B0609000101010101" pitchFamily="49" charset="-127"/>
+            </a:endParaRPr>
+          </a:p>
+          <a:p>
+            <a:pPr algn="ctr"/>
+            <a:r>
+              <a:rPr lang="en-US" sz="1600" i="1" dirty="0">
+                <a:solidFill>
+                  <a:schemeClr val="bg2">
+                    <a:lumMod val="50000"/>
+                  </a:schemeClr>
+                </a:solidFill>
+                <a:latin typeface="DotumChe" panose="020B0609000101010101" pitchFamily="49" charset="-127"/>
+                <a:ea typeface="DotumChe" panose="020B0609000101010101" pitchFamily="49" charset="-127"/>
+              </a:rPr>
+              <a:t>242 Platinum Court </a:t>
+            </a:r>
+          </a:p>
+          <a:p>
+            <a:pPr algn="ctr"/>
+            <a:r>
+              <a:rPr lang="en-US" sz="1600" i="1" dirty="0">
+                <a:solidFill>
+                  <a:schemeClr val="bg2">
+                    <a:lumMod val="50000"/>
+                  </a:schemeClr>
+                </a:solidFill>
+                <a:latin typeface="DotumChe" panose="020B0609000101010101" pitchFamily="49" charset="-127"/>
+                <a:ea typeface="DotumChe" panose="020B0609000101010101" pitchFamily="49" charset="-127"/>
+              </a:rPr>
+              <a:t>Mesa, AL 82667</a:t>
+            </a:r>
+          </a:p>
+        </p:txBody>
+      </p:sp>
+      <p:sp>
+        <p:nvSpPr>
+          <p:cNvPr id="22" name="TextBox 21">
+            <a:extLst>
+              <a:ext uri="{FF2B5EF4-FFF2-40B4-BE49-F238E27FC236}">
+                <a16:creationId xmlns:a16="http://schemas.microsoft.com/office/drawing/2014/main" id="{03D7B0BE-CC42-429D-AF18-D04AE44222EF}"/>
+              </a:ext>
+            </a:extLst>
+          </p:cNvPr>
+          <p:cNvSpPr txBox="1"/>
+          <p:nvPr/>
+        </p:nvSpPr>
+        <p:spPr>
+          <a:xfrm>
+            <a:off x="8817155" y="1457605"/>
+            <a:ext cx="2219325" cy="338554"/>
+          </a:xfrm>
+          <a:prstGeom prst="rect">
+            <a:avLst/>
+          </a:prstGeom>
+          <a:noFill/>
+        </p:spPr>
+        <p:txBody>
+          <a:bodyPr wrap="square" rtlCol="0">
+            <a:spAutoFit/>
+          </a:bodyPr>
+          <a:lstStyle/>
+          <a:p>
+            <a:pPr algn="ctr"/>
+            <a:r>
+              <a:rPr lang="en-US" sz="1600" i="1" dirty="0">
+                <a:solidFill>
+                  <a:schemeClr val="bg2">
+                    <a:lumMod val="50000"/>
+                  </a:schemeClr>
+                </a:solidFill>
+                <a:latin typeface="DotumChe" panose="020B0609000101010101" pitchFamily="49" charset="-127"/>
+                <a:ea typeface="DotumChe" panose="020B0609000101010101" pitchFamily="49" charset="-127"/>
+              </a:rPr>
+              <a:t>$21930</a:t>
+            </a:r>
+          </a:p>
+        </p:txBody>
+      </p:sp>
+      <p:sp>
+        <p:nvSpPr>
+          <p:cNvPr id="24" name="TextBox 23">
+            <a:extLst>
+              <a:ext uri="{FF2B5EF4-FFF2-40B4-BE49-F238E27FC236}">
+                <a16:creationId xmlns:a16="http://schemas.microsoft.com/office/drawing/2014/main" id="{B4077961-7893-45D8-9D0F-01544ED39FA6}"/>
+              </a:ext>
+            </a:extLst>
+          </p:cNvPr>
+          <p:cNvSpPr txBox="1"/>
+          <p:nvPr/>
+        </p:nvSpPr>
+        <p:spPr>
+          <a:xfrm>
+            <a:off x="8760302" y="1902720"/>
+            <a:ext cx="2219325" cy="338554"/>
+          </a:xfrm>
+          <a:prstGeom prst="rect">
+            <a:avLst/>
+          </a:prstGeom>
+          <a:noFill/>
+        </p:spPr>
+        <p:txBody>
+          <a:bodyPr wrap="square" rtlCol="0">
+            <a:spAutoFit/>
+          </a:bodyPr>
+          <a:lstStyle/>
+          <a:p>
+            <a:pPr algn="ctr"/>
+            <a:r>
+              <a:rPr lang="en-US" sz="1600" i="1" dirty="0">
+                <a:solidFill>
+                  <a:schemeClr val="bg2">
+                    <a:lumMod val="50000"/>
+                  </a:schemeClr>
+                </a:solidFill>
+                <a:latin typeface="DotumChe" panose="020B0609000101010101" pitchFamily="49" charset="-127"/>
+                <a:ea typeface="DotumChe" panose="020B0609000101010101" pitchFamily="49" charset="-127"/>
+              </a:rPr>
+              <a:t>92322</a:t>
+            </a:r>
+          </a:p>
+        </p:txBody>
+      </p:sp>
+      <p:sp>
+        <p:nvSpPr>
+          <p:cNvPr id="26" name="TextBox 25">
+            <a:extLst>
+              <a:ext uri="{FF2B5EF4-FFF2-40B4-BE49-F238E27FC236}">
+                <a16:creationId xmlns:a16="http://schemas.microsoft.com/office/drawing/2014/main" id="{62041C80-77EA-4EEA-B87A-EDA402E51620}"/>
+              </a:ext>
+            </a:extLst>
+          </p:cNvPr>
+          <p:cNvSpPr txBox="1"/>
+          <p:nvPr/>
+        </p:nvSpPr>
+        <p:spPr>
+          <a:xfrm>
+            <a:off x="8819912" y="2260331"/>
+            <a:ext cx="2219325" cy="338554"/>
+          </a:xfrm>
+          <a:prstGeom prst="rect">
+            <a:avLst/>
+          </a:prstGeom>
+          <a:noFill/>
+        </p:spPr>
+        <p:txBody>
+          <a:bodyPr wrap="square" rtlCol="0">
+            <a:spAutoFit/>
+          </a:bodyPr>
+          <a:lstStyle/>
+          <a:p>
+            <a:pPr algn="ctr"/>
+            <a:r>
+              <a:rPr lang="en-US" sz="1600" i="1" dirty="0">
+                <a:solidFill>
+                  <a:schemeClr val="bg2">
+                    <a:lumMod val="50000"/>
+                  </a:schemeClr>
+                </a:solidFill>
+                <a:latin typeface="DotumChe" panose="020B0609000101010101" pitchFamily="49" charset="-127"/>
+                <a:ea typeface="DotumChe" panose="020B0609000101010101" pitchFamily="49" charset="-127"/>
+              </a:rPr>
+              <a:t>0</a:t>
+            </a:r>
+          </a:p>
+        </p:txBody>
+      </p:sp>
+      <p:sp>
+        <p:nvSpPr>
+          <p:cNvPr id="30" name="TextBox 29">
+            <a:extLst>
+              <a:ext uri="{FF2B5EF4-FFF2-40B4-BE49-F238E27FC236}">
+                <a16:creationId xmlns:a16="http://schemas.microsoft.com/office/drawing/2014/main" id="{8F8DCDC1-5236-42A7-960A-DF9E6D6819EF}"/>
+              </a:ext>
+            </a:extLst>
+          </p:cNvPr>
+          <p:cNvSpPr txBox="1"/>
+          <p:nvPr/>
+        </p:nvSpPr>
+        <p:spPr>
+          <a:xfrm>
+            <a:off x="8137758" y="3521333"/>
+            <a:ext cx="206188" cy="338554"/>
+          </a:xfrm>
+          <a:prstGeom prst="rect">
+            <a:avLst/>
+          </a:prstGeom>
+          <a:noFill/>
+        </p:spPr>
+        <p:txBody>
+          <a:bodyPr wrap="square" rtlCol="0">
+            <a:spAutoFit/>
+          </a:bodyPr>
+          <a:lstStyle/>
+          <a:p>
+            <a:r>
+              <a:rPr lang="en-US" sz="1600" i="1" dirty="0">
+                <a:latin typeface="DotumChe" panose="020B0609000101010101" pitchFamily="49" charset="-127"/>
+                <a:ea typeface="DotumChe" panose="020B0609000101010101" pitchFamily="49" charset="-127"/>
+              </a:rPr>
+              <a:t>X</a:t>
+            </a:r>
+          </a:p>
+        </p:txBody>
+      </p:sp>
+      <p:pic>
+        <p:nvPicPr>
+          <p:cNvPr id="3" name="Picture 2">
+            <a:extLst>
+              <a:ext uri="{FF2B5EF4-FFF2-40B4-BE49-F238E27FC236}">
+                <a16:creationId xmlns:a16="http://schemas.microsoft.com/office/drawing/2014/main" id="{CDE0576C-AD8E-214D-8F61-84672D1E506C}"/>
+              </a:ext>
+            </a:extLst>
+          </p:cNvPr>
+          <p:cNvPicPr>
+            <a:picLocks noChangeAspect="1"/>
+          </p:cNvPicPr>
+          <p:nvPr/>
+        </p:nvPicPr>
+        <p:blipFill>
+          <a:blip r:embed="rId3"/>
+          <a:stretch>
+            <a:fillRect/>
+          </a:stretch>
+        </p:blipFill>
+        <p:spPr>
+          <a:xfrm>
+            <a:off x="6484369" y="5644081"/>
+            <a:ext cx="587513" cy="423355"/>
+          </a:xfrm>
+          <a:prstGeom prst="rect">
+            <a:avLst/>
+          </a:prstGeom>
+        </p:spPr>
+      </p:pic>
+    </p:spTree>
+    <p:extLst>
+      <p:ext uri="{BB962C8B-B14F-4D97-AF65-F5344CB8AC3E}">
+        <p14:creationId xmlns:p14="http://schemas.microsoft.com/office/powerpoint/2010/main" val="1418707811"/>
+      </p:ext>
+    </p:extLst>
+  </p:cSld>
+  <p:clrMapOvr>
+    <a:masterClrMapping/>
+  </p:clrMapOvr>
+</p:sld>
+</file>
+
+<file path=ppt/slides/slide22.xml><?xml version="1.0" encoding="utf-8"?>
+<p:sld xmlns:a="http://schemas.openxmlformats.org/drawingml/2006/main" xmlns:r="http://schemas.openxmlformats.org/officeDocument/2006/relationships" xmlns:p="http://schemas.openxmlformats.org/presentationml/2006/main">
+  <p:cSld>
+    <p:spTree>
+      <p:nvGrpSpPr>
+        <p:cNvPr id="1" name=""/>
+        <p:cNvGrpSpPr/>
+        <p:nvPr/>
+      </p:nvGrpSpPr>
+      <p:grpSpPr>
+        <a:xfrm>
+          <a:off x="0" y="0"/>
+          <a:ext cx="0" cy="0"/>
+          <a:chOff x="0" y="0"/>
+          <a:chExt cx="0" cy="0"/>
+        </a:xfrm>
+      </p:grpSpPr>
+      <p:pic>
+        <p:nvPicPr>
+          <p:cNvPr id="1026" name="Picture 2">
+            <a:extLst>
+              <a:ext uri="{FF2B5EF4-FFF2-40B4-BE49-F238E27FC236}">
+                <a16:creationId xmlns:a16="http://schemas.microsoft.com/office/drawing/2014/main" id="{3A3689D3-9A82-1841-90F2-83E3051B7A47}"/>
+              </a:ext>
+            </a:extLst>
+          </p:cNvPr>
+          <p:cNvPicPr>
+            <a:picLocks noChangeAspect="1" noChangeArrowheads="1"/>
+          </p:cNvPicPr>
+          <p:nvPr/>
+        </p:nvPicPr>
+        <p:blipFill>
+          <a:blip r:embed="rId2">
+            <a:extLst>
+              <a:ext uri="{28A0092B-C50C-407E-A947-70E740481C1C}">
+                <a14:useLocalDpi xmlns:a14="http://schemas.microsoft.com/office/drawing/2010/main" val="0"/>
+              </a:ext>
+            </a:extLst>
+          </a:blip>
+          <a:srcRect/>
+          <a:stretch>
+            <a:fillRect/>
+          </a:stretch>
+        </p:blipFill>
+        <p:spPr bwMode="auto">
+          <a:xfrm>
+            <a:off x="1057440" y="0"/>
+            <a:ext cx="10279063" cy="6858000"/>
+          </a:xfrm>
+          <a:prstGeom prst="rect">
+            <a:avLst/>
+          </a:prstGeom>
+          <a:noFill/>
+          <a:extLst>
+            <a:ext uri="{909E8E84-426E-40DD-AFC4-6F175D3DCCD1}">
+              <a14:hiddenFill xmlns:a14="http://schemas.microsoft.com/office/drawing/2010/main">
+                <a:solidFill>
+                  <a:srgbClr val="FFFFFF"/>
+                </a:solidFill>
+              </a14:hiddenFill>
+            </a:ext>
+          </a:extLst>
+        </p:spPr>
+      </p:pic>
+      <p:sp>
+        <p:nvSpPr>
+          <p:cNvPr id="2" name="TextBox 1">
+            <a:extLst>
+              <a:ext uri="{FF2B5EF4-FFF2-40B4-BE49-F238E27FC236}">
+                <a16:creationId xmlns:a16="http://schemas.microsoft.com/office/drawing/2014/main" id="{E060FC27-FDF4-4856-8493-B570232CCB07}"/>
+              </a:ext>
+            </a:extLst>
+          </p:cNvPr>
+          <p:cNvSpPr txBox="1"/>
+          <p:nvPr/>
+        </p:nvSpPr>
+        <p:spPr>
+          <a:xfrm>
+            <a:off x="3008069" y="656442"/>
+            <a:ext cx="2402540" cy="323165"/>
+          </a:xfrm>
+          <a:prstGeom prst="rect">
+            <a:avLst/>
+          </a:prstGeom>
+          <a:noFill/>
+        </p:spPr>
+        <p:txBody>
+          <a:bodyPr wrap="square" rtlCol="0">
+            <a:spAutoFit/>
+          </a:bodyPr>
+          <a:lstStyle/>
+          <a:p>
+            <a:pPr algn="ctr"/>
+            <a:r>
+              <a:rPr lang="en-US" sz="1500" dirty="0">
+                <a:solidFill>
+                  <a:schemeClr val="bg2">
+                    <a:lumMod val="50000"/>
+                  </a:schemeClr>
+                </a:solidFill>
+                <a:latin typeface="Garamond" panose="02020404030301010803" pitchFamily="18" charset="0"/>
+                <a:ea typeface="DotumChe" panose="020B0609000101010101" pitchFamily="49" charset="-127"/>
+              </a:rPr>
+              <a:t>932-12-8888</a:t>
+            </a:r>
+          </a:p>
+        </p:txBody>
+      </p:sp>
+      <p:sp>
+        <p:nvSpPr>
+          <p:cNvPr id="4" name="TextBox 3">
+            <a:extLst>
+              <a:ext uri="{FF2B5EF4-FFF2-40B4-BE49-F238E27FC236}">
+                <a16:creationId xmlns:a16="http://schemas.microsoft.com/office/drawing/2014/main" id="{38B82868-4149-4847-BDB5-61969C47AEF3}"/>
+              </a:ext>
+            </a:extLst>
+          </p:cNvPr>
+          <p:cNvSpPr txBox="1"/>
+          <p:nvPr/>
+        </p:nvSpPr>
+        <p:spPr>
+          <a:xfrm>
+            <a:off x="4620117" y="1029321"/>
+            <a:ext cx="2064946" cy="323165"/>
+          </a:xfrm>
+          <a:prstGeom prst="rect">
+            <a:avLst/>
+          </a:prstGeom>
+          <a:noFill/>
+        </p:spPr>
+        <p:txBody>
+          <a:bodyPr wrap="square" rtlCol="0">
+            <a:spAutoFit/>
+          </a:bodyPr>
+          <a:lstStyle/>
+          <a:p>
+            <a:pPr algn="ctr"/>
+            <a:r>
+              <a:rPr lang="en-US" sz="1500" dirty="0">
+                <a:solidFill>
+                  <a:schemeClr val="bg2">
+                    <a:lumMod val="50000"/>
+                  </a:schemeClr>
+                </a:solidFill>
+                <a:latin typeface="Garamond" panose="02020404030301010803" pitchFamily="18" charset="0"/>
+                <a:ea typeface="DotumChe" panose="020B0609000101010101" pitchFamily="49" charset="-127"/>
+              </a:rPr>
+              <a:t>2111-888-888</a:t>
+            </a:r>
+          </a:p>
+        </p:txBody>
+      </p:sp>
+      <p:sp>
+        <p:nvSpPr>
+          <p:cNvPr id="8" name="TextBox 7">
+            <a:extLst>
+              <a:ext uri="{FF2B5EF4-FFF2-40B4-BE49-F238E27FC236}">
+                <a16:creationId xmlns:a16="http://schemas.microsoft.com/office/drawing/2014/main" id="{8580D1B7-E1A1-4914-823C-258501D6BFCB}"/>
+              </a:ext>
+            </a:extLst>
+          </p:cNvPr>
+          <p:cNvSpPr txBox="1"/>
+          <p:nvPr/>
+        </p:nvSpPr>
+        <p:spPr>
+          <a:xfrm>
+            <a:off x="6291266" y="1078209"/>
+            <a:ext cx="1846492" cy="323165"/>
+          </a:xfrm>
+          <a:prstGeom prst="rect">
+            <a:avLst/>
+          </a:prstGeom>
+          <a:noFill/>
+        </p:spPr>
+        <p:txBody>
+          <a:bodyPr wrap="square" rtlCol="0">
+            <a:spAutoFit/>
+          </a:bodyPr>
+          <a:lstStyle/>
+          <a:p>
+            <a:pPr algn="ctr"/>
+            <a:r>
+              <a:rPr lang="en-US" sz="1500" dirty="0">
+                <a:solidFill>
+                  <a:schemeClr val="bg2">
+                    <a:lumMod val="50000"/>
+                  </a:schemeClr>
+                </a:solidFill>
+                <a:latin typeface="Garamond" panose="02020404030301010803" pitchFamily="18" charset="0"/>
+                <a:ea typeface="DotumChe" panose="020B0609000101010101" pitchFamily="49" charset="-127"/>
+              </a:rPr>
+              <a:t>23,000.00</a:t>
+            </a:r>
+          </a:p>
+        </p:txBody>
+      </p:sp>
+      <p:sp>
+        <p:nvSpPr>
+          <p:cNvPr id="10" name="TextBox 9">
+            <a:extLst>
+              <a:ext uri="{FF2B5EF4-FFF2-40B4-BE49-F238E27FC236}">
+                <a16:creationId xmlns:a16="http://schemas.microsoft.com/office/drawing/2014/main" id="{D1C842F9-803B-4B29-9423-ADE007BA6B97}"/>
+              </a:ext>
+            </a:extLst>
+          </p:cNvPr>
+          <p:cNvSpPr txBox="1"/>
+          <p:nvPr/>
+        </p:nvSpPr>
+        <p:spPr>
+          <a:xfrm>
+            <a:off x="8819912" y="1029321"/>
+            <a:ext cx="1956120" cy="323165"/>
+          </a:xfrm>
+          <a:prstGeom prst="rect">
+            <a:avLst/>
+          </a:prstGeom>
+          <a:noFill/>
+        </p:spPr>
+        <p:txBody>
+          <a:bodyPr wrap="square" rtlCol="0">
+            <a:spAutoFit/>
+          </a:bodyPr>
+          <a:lstStyle/>
+          <a:p>
+            <a:pPr algn="ctr"/>
+            <a:r>
+              <a:rPr lang="en-US" sz="1500" dirty="0">
+                <a:solidFill>
+                  <a:schemeClr val="bg2">
+                    <a:lumMod val="50000"/>
+                  </a:schemeClr>
+                </a:solidFill>
+                <a:latin typeface="Garamond" panose="02020404030301010803" pitchFamily="18" charset="0"/>
+                <a:ea typeface="DotumChe" panose="020B0609000101010101" pitchFamily="49" charset="-127"/>
+              </a:rPr>
+              <a:t>4302.00</a:t>
+            </a:r>
+          </a:p>
+        </p:txBody>
+      </p:sp>
+      <p:sp>
+        <p:nvSpPr>
+          <p:cNvPr id="14" name="TextBox 13">
+            <a:extLst>
+              <a:ext uri="{FF2B5EF4-FFF2-40B4-BE49-F238E27FC236}">
+                <a16:creationId xmlns:a16="http://schemas.microsoft.com/office/drawing/2014/main" id="{1FCF496D-EB01-47FB-99AE-4BB6D352A1ED}"/>
+              </a:ext>
+            </a:extLst>
+          </p:cNvPr>
+          <p:cNvSpPr txBox="1"/>
+          <p:nvPr/>
+        </p:nvSpPr>
+        <p:spPr>
+          <a:xfrm>
+            <a:off x="760871" y="1574270"/>
+            <a:ext cx="4595150" cy="784830"/>
+          </a:xfrm>
+          <a:prstGeom prst="rect">
+            <a:avLst/>
+          </a:prstGeom>
+          <a:noFill/>
+        </p:spPr>
+        <p:txBody>
+          <a:bodyPr wrap="square">
+            <a:spAutoFit/>
+          </a:bodyPr>
+          <a:lstStyle/>
+          <a:p>
+            <a:pPr algn="ctr"/>
+            <a:r>
+              <a:rPr lang="en-US" sz="1500" dirty="0">
+                <a:solidFill>
+                  <a:schemeClr val="bg2">
+                    <a:lumMod val="50000"/>
+                  </a:schemeClr>
+                </a:solidFill>
+                <a:latin typeface="Garamond" panose="02020404030301010803" pitchFamily="18" charset="0"/>
+                <a:ea typeface="DotumChe" panose="020B0609000101010101" pitchFamily="49" charset="-127"/>
+              </a:rPr>
+              <a:t>Johnson’s Bakery</a:t>
+            </a:r>
+          </a:p>
+          <a:p>
+            <a:pPr algn="ctr"/>
+            <a:r>
+              <a:rPr lang="en-US" sz="1500" dirty="0">
+                <a:solidFill>
+                  <a:schemeClr val="bg2">
+                    <a:lumMod val="50000"/>
+                  </a:schemeClr>
+                </a:solidFill>
+                <a:latin typeface="Garamond" panose="02020404030301010803" pitchFamily="18" charset="0"/>
+                <a:ea typeface="DotumChe" panose="020B0609000101010101" pitchFamily="49" charset="-127"/>
+              </a:rPr>
+              <a:t>728 </a:t>
+            </a:r>
+            <a:r>
+              <a:rPr lang="en-US" sz="1500" dirty="0" err="1">
+                <a:solidFill>
+                  <a:schemeClr val="bg2">
+                    <a:lumMod val="50000"/>
+                  </a:schemeClr>
+                </a:solidFill>
+                <a:latin typeface="Garamond" panose="02020404030301010803" pitchFamily="18" charset="0"/>
+                <a:ea typeface="DotumChe" panose="020B0609000101010101" pitchFamily="49" charset="-127"/>
+              </a:rPr>
+              <a:t>Palentine</a:t>
+            </a:r>
+            <a:r>
+              <a:rPr lang="en-US" sz="1500" dirty="0">
+                <a:solidFill>
+                  <a:schemeClr val="bg2">
+                    <a:lumMod val="50000"/>
+                  </a:schemeClr>
+                </a:solidFill>
+                <a:latin typeface="Garamond" panose="02020404030301010803" pitchFamily="18" charset="0"/>
+                <a:ea typeface="DotumChe" panose="020B0609000101010101" pitchFamily="49" charset="-127"/>
+              </a:rPr>
+              <a:t> Street</a:t>
+            </a:r>
+          </a:p>
+          <a:p>
+            <a:pPr algn="ctr"/>
+            <a:r>
+              <a:rPr lang="en-US" sz="1500" dirty="0">
+                <a:solidFill>
+                  <a:schemeClr val="bg2">
+                    <a:lumMod val="50000"/>
+                  </a:schemeClr>
+                </a:solidFill>
+                <a:latin typeface="Garamond" panose="02020404030301010803" pitchFamily="18" charset="0"/>
+                <a:ea typeface="DotumChe" panose="020B0609000101010101" pitchFamily="49" charset="-127"/>
+              </a:rPr>
+              <a:t>Any Town, NJ 91325 </a:t>
+            </a:r>
+          </a:p>
+        </p:txBody>
+      </p:sp>
+      <p:sp>
+        <p:nvSpPr>
+          <p:cNvPr id="13" name="TextBox 12">
+            <a:extLst>
+              <a:ext uri="{FF2B5EF4-FFF2-40B4-BE49-F238E27FC236}">
+                <a16:creationId xmlns:a16="http://schemas.microsoft.com/office/drawing/2014/main" id="{8368F338-9174-46F6-9C71-63B3B90DC40D}"/>
+              </a:ext>
+            </a:extLst>
+          </p:cNvPr>
+          <p:cNvSpPr txBox="1"/>
+          <p:nvPr/>
+        </p:nvSpPr>
+        <p:spPr>
+          <a:xfrm>
+            <a:off x="6196971" y="1507018"/>
+            <a:ext cx="1846492" cy="323165"/>
+          </a:xfrm>
+          <a:prstGeom prst="rect">
+            <a:avLst/>
+          </a:prstGeom>
+          <a:noFill/>
+        </p:spPr>
+        <p:txBody>
+          <a:bodyPr wrap="square" rtlCol="0">
+            <a:spAutoFit/>
+          </a:bodyPr>
+          <a:lstStyle/>
+          <a:p>
+            <a:pPr algn="ctr"/>
+            <a:r>
+              <a:rPr lang="en-US" sz="1500" dirty="0">
+                <a:solidFill>
+                  <a:schemeClr val="bg2">
+                    <a:lumMod val="50000"/>
+                  </a:schemeClr>
+                </a:solidFill>
+                <a:latin typeface="Garamond" panose="02020404030301010803" pitchFamily="18" charset="0"/>
+                <a:ea typeface="DotumChe" panose="020B0609000101010101" pitchFamily="49" charset="-127"/>
+              </a:rPr>
+              <a:t>40,000.00</a:t>
+            </a:r>
+          </a:p>
+        </p:txBody>
+      </p:sp>
+      <p:sp>
+        <p:nvSpPr>
+          <p:cNvPr id="16" name="TextBox 15">
+            <a:extLst>
+              <a:ext uri="{FF2B5EF4-FFF2-40B4-BE49-F238E27FC236}">
+                <a16:creationId xmlns:a16="http://schemas.microsoft.com/office/drawing/2014/main" id="{C6A57C81-7AB2-4B83-BA7C-353742322ADA}"/>
+              </a:ext>
+            </a:extLst>
+          </p:cNvPr>
+          <p:cNvSpPr txBox="1"/>
+          <p:nvPr/>
+        </p:nvSpPr>
+        <p:spPr>
+          <a:xfrm>
+            <a:off x="6196971" y="1899051"/>
+            <a:ext cx="1846492" cy="323165"/>
+          </a:xfrm>
+          <a:prstGeom prst="rect">
+            <a:avLst/>
+          </a:prstGeom>
+          <a:noFill/>
+        </p:spPr>
+        <p:txBody>
+          <a:bodyPr wrap="square" rtlCol="0">
+            <a:spAutoFit/>
+          </a:bodyPr>
+          <a:lstStyle/>
+          <a:p>
+            <a:pPr algn="ctr"/>
+            <a:r>
+              <a:rPr lang="en-US" sz="1500" dirty="0">
+                <a:solidFill>
+                  <a:schemeClr val="bg2">
+                    <a:lumMod val="50000"/>
+                  </a:schemeClr>
+                </a:solidFill>
+                <a:latin typeface="Garamond" panose="02020404030301010803" pitchFamily="18" charset="0"/>
+                <a:ea typeface="DotumChe" panose="020B0609000101010101" pitchFamily="49" charset="-127"/>
+              </a:rPr>
+              <a:t>50,000.00</a:t>
+            </a:r>
+          </a:p>
+        </p:txBody>
+      </p:sp>
+      <p:sp>
+        <p:nvSpPr>
+          <p:cNvPr id="18" name="TextBox 17">
+            <a:extLst>
+              <a:ext uri="{FF2B5EF4-FFF2-40B4-BE49-F238E27FC236}">
+                <a16:creationId xmlns:a16="http://schemas.microsoft.com/office/drawing/2014/main" id="{AD72D420-367A-4AF9-8665-B43ABF5ECCB4}"/>
+              </a:ext>
+            </a:extLst>
+          </p:cNvPr>
+          <p:cNvSpPr txBox="1"/>
+          <p:nvPr/>
+        </p:nvSpPr>
+        <p:spPr>
+          <a:xfrm>
+            <a:off x="6131480" y="2275327"/>
+            <a:ext cx="1846492" cy="323165"/>
+          </a:xfrm>
+          <a:prstGeom prst="rect">
+            <a:avLst/>
+          </a:prstGeom>
+          <a:noFill/>
+        </p:spPr>
+        <p:txBody>
+          <a:bodyPr wrap="square" rtlCol="0">
+            <a:spAutoFit/>
+          </a:bodyPr>
+          <a:lstStyle/>
+          <a:p>
+            <a:pPr algn="ctr"/>
+            <a:r>
+              <a:rPr lang="en-US" sz="1500" dirty="0">
+                <a:solidFill>
+                  <a:schemeClr val="bg2">
+                    <a:lumMod val="50000"/>
+                  </a:schemeClr>
+                </a:solidFill>
+                <a:latin typeface="Garamond" panose="02020404030301010803" pitchFamily="18" charset="0"/>
+                <a:ea typeface="DotumChe" panose="020B0609000101010101" pitchFamily="49" charset="-127"/>
+              </a:rPr>
+              <a:t>20000</a:t>
+            </a:r>
+          </a:p>
+        </p:txBody>
+      </p:sp>
+      <p:sp>
+        <p:nvSpPr>
+          <p:cNvPr id="20" name="TextBox 19">
+            <a:extLst>
+              <a:ext uri="{FF2B5EF4-FFF2-40B4-BE49-F238E27FC236}">
+                <a16:creationId xmlns:a16="http://schemas.microsoft.com/office/drawing/2014/main" id="{0AA6791F-62D1-42BC-88CD-CCE02728A4E3}"/>
+              </a:ext>
+            </a:extLst>
+          </p:cNvPr>
+          <p:cNvSpPr txBox="1"/>
+          <p:nvPr/>
+        </p:nvSpPr>
+        <p:spPr>
+          <a:xfrm>
+            <a:off x="1621231" y="3521333"/>
+            <a:ext cx="2874429" cy="784830"/>
+          </a:xfrm>
+          <a:prstGeom prst="rect">
+            <a:avLst/>
+          </a:prstGeom>
+          <a:noFill/>
+        </p:spPr>
+        <p:txBody>
+          <a:bodyPr wrap="square" rtlCol="0">
+            <a:spAutoFit/>
+          </a:bodyPr>
+          <a:lstStyle/>
+          <a:p>
+            <a:pPr algn="ctr"/>
+            <a:r>
+              <a:rPr lang="en-US" sz="1500" dirty="0">
+                <a:solidFill>
+                  <a:schemeClr val="bg2">
+                    <a:lumMod val="50000"/>
+                  </a:schemeClr>
+                </a:solidFill>
+                <a:latin typeface="Garamond" panose="02020404030301010803" pitchFamily="18" charset="0"/>
+                <a:ea typeface="DotumChe" panose="020B0609000101010101" pitchFamily="49" charset="-127"/>
+              </a:rPr>
+              <a:t>Mary  Koshy</a:t>
+            </a:r>
+          </a:p>
+          <a:p>
+            <a:pPr algn="ctr"/>
+            <a:r>
+              <a:rPr lang="en-US" sz="1500" dirty="0">
+                <a:solidFill>
+                  <a:schemeClr val="bg2">
+                    <a:lumMod val="50000"/>
+                  </a:schemeClr>
+                </a:solidFill>
+                <a:latin typeface="Garamond" panose="02020404030301010803" pitchFamily="18" charset="0"/>
+                <a:ea typeface="DotumChe" panose="020B0609000101010101" pitchFamily="49" charset="-127"/>
+              </a:rPr>
+              <a:t>291 Kale Street.</a:t>
+            </a:r>
+          </a:p>
+          <a:p>
+            <a:pPr algn="ctr"/>
+            <a:r>
+              <a:rPr lang="en-US" sz="1500" dirty="0" err="1">
+                <a:solidFill>
+                  <a:schemeClr val="bg2">
+                    <a:lumMod val="50000"/>
+                  </a:schemeClr>
+                </a:solidFill>
+                <a:latin typeface="Garamond" panose="02020404030301010803" pitchFamily="18" charset="0"/>
+                <a:ea typeface="DotumChe" panose="020B0609000101010101" pitchFamily="49" charset="-127"/>
+              </a:rPr>
+              <a:t>Loas</a:t>
+            </a:r>
+            <a:r>
+              <a:rPr lang="en-US" sz="1500" dirty="0">
+                <a:solidFill>
+                  <a:schemeClr val="bg2">
+                    <a:lumMod val="50000"/>
+                  </a:schemeClr>
+                </a:solidFill>
+                <a:latin typeface="Garamond" panose="02020404030301010803" pitchFamily="18" charset="0"/>
+                <a:ea typeface="DotumChe" panose="020B0609000101010101" pitchFamily="49" charset="-127"/>
+              </a:rPr>
+              <a:t> Angeles, CA 21891 </a:t>
+            </a:r>
+          </a:p>
+        </p:txBody>
+      </p:sp>
+      <p:sp>
+        <p:nvSpPr>
+          <p:cNvPr id="22" name="TextBox 21">
+            <a:extLst>
+              <a:ext uri="{FF2B5EF4-FFF2-40B4-BE49-F238E27FC236}">
+                <a16:creationId xmlns:a16="http://schemas.microsoft.com/office/drawing/2014/main" id="{03D7B0BE-CC42-429D-AF18-D04AE44222EF}"/>
+              </a:ext>
+            </a:extLst>
+          </p:cNvPr>
+          <p:cNvSpPr txBox="1"/>
+          <p:nvPr/>
+        </p:nvSpPr>
+        <p:spPr>
+          <a:xfrm>
+            <a:off x="8817155" y="1457605"/>
+            <a:ext cx="2219325" cy="323165"/>
+          </a:xfrm>
+          <a:prstGeom prst="rect">
+            <a:avLst/>
+          </a:prstGeom>
+          <a:noFill/>
+        </p:spPr>
+        <p:txBody>
+          <a:bodyPr wrap="square" rtlCol="0">
+            <a:spAutoFit/>
+          </a:bodyPr>
+          <a:lstStyle/>
+          <a:p>
+            <a:pPr algn="ctr"/>
+            <a:r>
+              <a:rPr lang="en-US" sz="1500" dirty="0">
+                <a:solidFill>
+                  <a:schemeClr val="bg2">
+                    <a:lumMod val="50000"/>
+                  </a:schemeClr>
+                </a:solidFill>
+                <a:latin typeface="Garamond" panose="02020404030301010803" pitchFamily="18" charset="0"/>
+                <a:ea typeface="DotumChe" panose="020B0609000101010101" pitchFamily="49" charset="-127"/>
+              </a:rPr>
+              <a:t>4,000.50</a:t>
+            </a:r>
+          </a:p>
+        </p:txBody>
+      </p:sp>
+      <p:sp>
+        <p:nvSpPr>
+          <p:cNvPr id="24" name="TextBox 23">
+            <a:extLst>
+              <a:ext uri="{FF2B5EF4-FFF2-40B4-BE49-F238E27FC236}">
+                <a16:creationId xmlns:a16="http://schemas.microsoft.com/office/drawing/2014/main" id="{B4077961-7893-45D8-9D0F-01544ED39FA6}"/>
+              </a:ext>
+            </a:extLst>
+          </p:cNvPr>
+          <p:cNvSpPr txBox="1"/>
+          <p:nvPr/>
+        </p:nvSpPr>
+        <p:spPr>
+          <a:xfrm>
+            <a:off x="8760302" y="1902720"/>
+            <a:ext cx="2219325" cy="323165"/>
+          </a:xfrm>
+          <a:prstGeom prst="rect">
+            <a:avLst/>
+          </a:prstGeom>
+          <a:noFill/>
+        </p:spPr>
+        <p:txBody>
+          <a:bodyPr wrap="square" rtlCol="0">
+            <a:spAutoFit/>
+          </a:bodyPr>
+          <a:lstStyle/>
+          <a:p>
+            <a:pPr algn="ctr"/>
+            <a:r>
+              <a:rPr lang="en-US" sz="1500" dirty="0">
+                <a:solidFill>
+                  <a:schemeClr val="bg2">
+                    <a:lumMod val="50000"/>
+                  </a:schemeClr>
+                </a:solidFill>
+                <a:latin typeface="Garamond" panose="02020404030301010803" pitchFamily="18" charset="0"/>
+                <a:ea typeface="DotumChe" panose="020B0609000101010101" pitchFamily="49" charset="-127"/>
+              </a:rPr>
+              <a:t>49020</a:t>
+            </a:r>
+          </a:p>
+        </p:txBody>
+      </p:sp>
+      <p:sp>
+        <p:nvSpPr>
+          <p:cNvPr id="26" name="TextBox 25">
+            <a:extLst>
+              <a:ext uri="{FF2B5EF4-FFF2-40B4-BE49-F238E27FC236}">
+                <a16:creationId xmlns:a16="http://schemas.microsoft.com/office/drawing/2014/main" id="{62041C80-77EA-4EEA-B87A-EDA402E51620}"/>
+              </a:ext>
+            </a:extLst>
+          </p:cNvPr>
+          <p:cNvSpPr txBox="1"/>
+          <p:nvPr/>
+        </p:nvSpPr>
+        <p:spPr>
+          <a:xfrm>
+            <a:off x="8819912" y="2260331"/>
+            <a:ext cx="2219325" cy="323165"/>
+          </a:xfrm>
+          <a:prstGeom prst="rect">
+            <a:avLst/>
+          </a:prstGeom>
+          <a:noFill/>
+        </p:spPr>
+        <p:txBody>
+          <a:bodyPr wrap="square" rtlCol="0">
+            <a:spAutoFit/>
+          </a:bodyPr>
+          <a:lstStyle/>
+          <a:p>
+            <a:pPr algn="ctr"/>
+            <a:r>
+              <a:rPr lang="en-US" sz="1500" dirty="0">
+                <a:solidFill>
+                  <a:schemeClr val="bg2">
+                    <a:lumMod val="50000"/>
+                  </a:schemeClr>
+                </a:solidFill>
+                <a:latin typeface="Garamond" panose="02020404030301010803" pitchFamily="18" charset="0"/>
+                <a:ea typeface="DotumChe" panose="020B0609000101010101" pitchFamily="49" charset="-127"/>
+              </a:rPr>
+              <a:t>0</a:t>
+            </a:r>
+          </a:p>
+        </p:txBody>
+      </p:sp>
+      <p:sp>
+        <p:nvSpPr>
+          <p:cNvPr id="30" name="TextBox 29">
+            <a:extLst>
+              <a:ext uri="{FF2B5EF4-FFF2-40B4-BE49-F238E27FC236}">
+                <a16:creationId xmlns:a16="http://schemas.microsoft.com/office/drawing/2014/main" id="{8F8DCDC1-5236-42A7-960A-DF9E6D6819EF}"/>
+              </a:ext>
+            </a:extLst>
+          </p:cNvPr>
+          <p:cNvSpPr txBox="1"/>
+          <p:nvPr/>
+        </p:nvSpPr>
+        <p:spPr>
+          <a:xfrm>
+            <a:off x="6914029" y="3521333"/>
+            <a:ext cx="206188" cy="323165"/>
+          </a:xfrm>
+          <a:prstGeom prst="rect">
+            <a:avLst/>
+          </a:prstGeom>
+          <a:noFill/>
+        </p:spPr>
+        <p:txBody>
+          <a:bodyPr wrap="square" rtlCol="0">
+            <a:spAutoFit/>
+          </a:bodyPr>
+          <a:lstStyle/>
+          <a:p>
+            <a:r>
+              <a:rPr lang="en-US" sz="1500" dirty="0">
+                <a:latin typeface="Garamond" panose="02020404030301010803" pitchFamily="18" charset="0"/>
+                <a:ea typeface="DotumChe" panose="020B0609000101010101" pitchFamily="49" charset="-127"/>
+              </a:rPr>
+              <a:t>X</a:t>
+            </a:r>
+          </a:p>
+        </p:txBody>
+      </p:sp>
+    </p:spTree>
+    <p:extLst>
+      <p:ext uri="{BB962C8B-B14F-4D97-AF65-F5344CB8AC3E}">
+        <p14:creationId xmlns:p14="http://schemas.microsoft.com/office/powerpoint/2010/main" val="2773545102"/>
+      </p:ext>
+    </p:extLst>
+  </p:cSld>
+  <p:clrMapOvr>
+    <a:masterClrMapping/>
+  </p:clrMapOvr>
+</p:sld>
+</file>
+
+<file path=ppt/slides/slide23.xml><?xml version="1.0" encoding="utf-8"?>
+<p:sld xmlns:a="http://schemas.openxmlformats.org/drawingml/2006/main" xmlns:r="http://schemas.openxmlformats.org/officeDocument/2006/relationships" xmlns:p="http://schemas.openxmlformats.org/presentationml/2006/main">
+  <p:cSld>
+    <p:spTree>
+      <p:nvGrpSpPr>
+        <p:cNvPr id="1" name=""/>
+        <p:cNvGrpSpPr/>
+        <p:nvPr/>
+      </p:nvGrpSpPr>
+      <p:grpSpPr>
+        <a:xfrm>
+          <a:off x="0" y="0"/>
+          <a:ext cx="0" cy="0"/>
+          <a:chOff x="0" y="0"/>
+          <a:chExt cx="0" cy="0"/>
+        </a:xfrm>
+      </p:grpSpPr>
+      <p:pic>
+        <p:nvPicPr>
+          <p:cNvPr id="2052" name="Picture 4">
+            <a:extLst>
+              <a:ext uri="{FF2B5EF4-FFF2-40B4-BE49-F238E27FC236}">
+                <a16:creationId xmlns:a16="http://schemas.microsoft.com/office/drawing/2014/main" id="{A76D301B-B543-6B41-B871-11B0F5BE9C20}"/>
+              </a:ext>
+            </a:extLst>
+          </p:cNvPr>
+          <p:cNvPicPr>
+            <a:picLocks noChangeAspect="1" noChangeArrowheads="1"/>
+          </p:cNvPicPr>
+          <p:nvPr/>
+        </p:nvPicPr>
+        <p:blipFill>
+          <a:blip r:embed="rId2">
+            <a:extLst>
+              <a:ext uri="{28A0092B-C50C-407E-A947-70E740481C1C}">
+                <a14:useLocalDpi xmlns:a14="http://schemas.microsoft.com/office/drawing/2010/main" val="0"/>
+              </a:ext>
+            </a:extLst>
+          </a:blip>
+          <a:srcRect/>
+          <a:stretch>
+            <a:fillRect/>
+          </a:stretch>
+        </p:blipFill>
+        <p:spPr bwMode="auto">
+          <a:xfrm>
+            <a:off x="837363" y="0"/>
+            <a:ext cx="10696575" cy="6858000"/>
+          </a:xfrm>
+          <a:prstGeom prst="rect">
+            <a:avLst/>
+          </a:prstGeom>
+          <a:noFill/>
+          <a:extLst>
+            <a:ext uri="{909E8E84-426E-40DD-AFC4-6F175D3DCCD1}">
+              <a14:hiddenFill xmlns:a14="http://schemas.microsoft.com/office/drawing/2010/main">
+                <a:solidFill>
+                  <a:srgbClr val="FFFFFF"/>
+                </a:solidFill>
+              </a14:hiddenFill>
+            </a:ext>
+          </a:extLst>
+        </p:spPr>
+      </p:pic>
+    </p:spTree>
+    <p:extLst>
+      <p:ext uri="{BB962C8B-B14F-4D97-AF65-F5344CB8AC3E}">
+        <p14:creationId xmlns:p14="http://schemas.microsoft.com/office/powerpoint/2010/main" val="829013155"/>
+      </p:ext>
+    </p:extLst>
+  </p:cSld>
+  <p:clrMapOvr>
+    <a:masterClrMapping/>
+  </p:clrMapOvr>
+</p:sld>
+</file>
+
+<file path=ppt/slides/slide24.xml><?xml version="1.0" encoding="utf-8"?>
+<p:sld xmlns:a="http://schemas.openxmlformats.org/drawingml/2006/main" xmlns:r="http://schemas.openxmlformats.org/officeDocument/2006/relationships" xmlns:p="http://schemas.openxmlformats.org/presentationml/2006/main">
+  <p:cSld>
+    <p:spTree>
+      <p:nvGrpSpPr>
+        <p:cNvPr id="1" name=""/>
+        <p:cNvGrpSpPr/>
+        <p:nvPr/>
+      </p:nvGrpSpPr>
+      <p:grpSpPr>
+        <a:xfrm>
+          <a:off x="0" y="0"/>
+          <a:ext cx="0" cy="0"/>
+          <a:chOff x="0" y="0"/>
+          <a:chExt cx="0" cy="0"/>
+        </a:xfrm>
+      </p:grpSpPr>
+      <p:pic>
+        <p:nvPicPr>
+          <p:cNvPr id="1026" name="Picture 2">
+            <a:extLst>
+              <a:ext uri="{FF2B5EF4-FFF2-40B4-BE49-F238E27FC236}">
+                <a16:creationId xmlns:a16="http://schemas.microsoft.com/office/drawing/2014/main" id="{3A3689D3-9A82-1841-90F2-83E3051B7A47}"/>
+              </a:ext>
+            </a:extLst>
+          </p:cNvPr>
+          <p:cNvPicPr>
+            <a:picLocks noChangeAspect="1" noChangeArrowheads="1"/>
+          </p:cNvPicPr>
+          <p:nvPr/>
+        </p:nvPicPr>
+        <p:blipFill>
+          <a:blip r:embed="rId2">
+            <a:extLst>
+              <a:ext uri="{28A0092B-C50C-407E-A947-70E740481C1C}">
+                <a14:useLocalDpi xmlns:a14="http://schemas.microsoft.com/office/drawing/2010/main" val="0"/>
+              </a:ext>
+            </a:extLst>
+          </a:blip>
+          <a:srcRect/>
+          <a:stretch>
+            <a:fillRect/>
+          </a:stretch>
+        </p:blipFill>
+        <p:spPr bwMode="auto">
+          <a:xfrm>
+            <a:off x="1057440" y="0"/>
+            <a:ext cx="10279063" cy="6858000"/>
+          </a:xfrm>
+          <a:prstGeom prst="rect">
+            <a:avLst/>
+          </a:prstGeom>
+          <a:noFill/>
+          <a:extLst>
+            <a:ext uri="{909E8E84-426E-40DD-AFC4-6F175D3DCCD1}">
+              <a14:hiddenFill xmlns:a14="http://schemas.microsoft.com/office/drawing/2010/main">
+                <a:solidFill>
+                  <a:srgbClr val="FFFFFF"/>
+                </a:solidFill>
+              </a14:hiddenFill>
+            </a:ext>
+          </a:extLst>
+        </p:spPr>
+      </p:pic>
+    </p:spTree>
+    <p:extLst>
+      <p:ext uri="{BB962C8B-B14F-4D97-AF65-F5344CB8AC3E}">
+        <p14:creationId xmlns:p14="http://schemas.microsoft.com/office/powerpoint/2010/main" val="3012672486"/>
       </p:ext>
     </p:extLst>
   </p:cSld>
